--- a/data/nyt_summarizer_10_09.pptx
+++ b/data/nyt_summarizer_10_09.pptx
@@ -2,25 +2,26 @@
 <file path=ppt/presentation.xml><?xml version="1.0" encoding="utf-8"?>
 <p:presentation xmlns:a="http://schemas.openxmlformats.org/drawingml/2006/main" xmlns:r="http://schemas.openxmlformats.org/officeDocument/2006/relationships" xmlns:p="http://schemas.openxmlformats.org/presentationml/2006/main">
   <p:sldMasterIdLst>
-    <p:sldMasterId id="2147483648" r:id="rId5"/>
+    <p:sldMasterId id="2147483648" r:id="rId1"/>
   </p:sldMasterIdLst>
   <p:notesMasterIdLst>
-    <p:notesMasterId r:id="rId7"/>
+    <p:notesMasterId r:id="rId16"/>
   </p:notesMasterIdLst>
   <p:sldIdLst>
-    <p:sldId id="256" r:id="rId8"/>
-    <p:sldId id="257" r:id="rId9"/>
-    <p:sldId id="258" r:id="rId10"/>
-    <p:sldId id="259" r:id="rId11"/>
-    <p:sldId id="260" r:id="rId12"/>
-    <p:sldId id="261" r:id="rId13"/>
-    <p:sldId id="262" r:id="rId14"/>
-    <p:sldId id="263" r:id="rId15"/>
-    <p:sldId id="264" r:id="rId16"/>
-    <p:sldId id="265" r:id="rId17"/>
-    <p:sldId id="266" r:id="rId18"/>
-    <p:sldId id="267" r:id="rId19"/>
-    <p:sldId id="268" r:id="rId20"/>
+    <p:sldId id="256" r:id="rId2"/>
+    <p:sldId id="257" r:id="rId3"/>
+    <p:sldId id="258" r:id="rId4"/>
+    <p:sldId id="259" r:id="rId5"/>
+    <p:sldId id="260" r:id="rId6"/>
+    <p:sldId id="268" r:id="rId7"/>
+    <p:sldId id="269" r:id="rId8"/>
+    <p:sldId id="261" r:id="rId9"/>
+    <p:sldId id="262" r:id="rId10"/>
+    <p:sldId id="263" r:id="rId11"/>
+    <p:sldId id="264" r:id="rId12"/>
+    <p:sldId id="265" r:id="rId13"/>
+    <p:sldId id="266" r:id="rId14"/>
+    <p:sldId id="267" r:id="rId15"/>
   </p:sldIdLst>
   <p:sldSz cx="13004800" cy="9753600"/>
   <p:notesSz cx="6858000" cy="9144000"/>
@@ -31,7 +32,7 @@
           <a:srgbClr val="C000EB"/>
         </a:solidFill>
         <a:effectLst>
-          <a:outerShdw sx="100000" sy="100000" kx="0" ky="0" algn="b" rotWithShape="0" blurRad="50800" dist="25400" dir="5400000">
+          <a:outerShdw blurRad="50800" dist="25400" dir="5400000" rotWithShape="0">
             <a:srgbClr val="000000"/>
           </a:outerShdw>
         </a:effectLst>
@@ -47,7 +48,7 @@
           <a:srgbClr val="C000EB"/>
         </a:solidFill>
         <a:effectLst>
-          <a:outerShdw sx="100000" sy="100000" kx="0" ky="0" algn="b" rotWithShape="0" blurRad="50800" dist="25400" dir="5400000">
+          <a:outerShdw blurRad="50800" dist="25400" dir="5400000" rotWithShape="0">
             <a:srgbClr val="000000"/>
           </a:outerShdw>
         </a:effectLst>
@@ -63,7 +64,7 @@
           <a:srgbClr val="C000EB"/>
         </a:solidFill>
         <a:effectLst>
-          <a:outerShdw sx="100000" sy="100000" kx="0" ky="0" algn="b" rotWithShape="0" blurRad="50800" dist="25400" dir="5400000">
+          <a:outerShdw blurRad="50800" dist="25400" dir="5400000" rotWithShape="0">
             <a:srgbClr val="000000"/>
           </a:outerShdw>
         </a:effectLst>
@@ -79,7 +80,7 @@
           <a:srgbClr val="C000EB"/>
         </a:solidFill>
         <a:effectLst>
-          <a:outerShdw sx="100000" sy="100000" kx="0" ky="0" algn="b" rotWithShape="0" blurRad="50800" dist="25400" dir="5400000">
+          <a:outerShdw blurRad="50800" dist="25400" dir="5400000" rotWithShape="0">
             <a:srgbClr val="000000"/>
           </a:outerShdw>
         </a:effectLst>
@@ -95,7 +96,7 @@
           <a:srgbClr val="C000EB"/>
         </a:solidFill>
         <a:effectLst>
-          <a:outerShdw sx="100000" sy="100000" kx="0" ky="0" algn="b" rotWithShape="0" blurRad="50800" dist="25400" dir="5400000">
+          <a:outerShdw blurRad="50800" dist="25400" dir="5400000" rotWithShape="0">
             <a:srgbClr val="000000"/>
           </a:outerShdw>
         </a:effectLst>
@@ -111,7 +112,7 @@
           <a:srgbClr val="C000EB"/>
         </a:solidFill>
         <a:effectLst>
-          <a:outerShdw sx="100000" sy="100000" kx="0" ky="0" algn="b" rotWithShape="0" blurRad="50800" dist="25400" dir="5400000">
+          <a:outerShdw blurRad="50800" dist="25400" dir="5400000" rotWithShape="0">
             <a:srgbClr val="000000"/>
           </a:outerShdw>
         </a:effectLst>
@@ -127,7 +128,7 @@
           <a:srgbClr val="C000EB"/>
         </a:solidFill>
         <a:effectLst>
-          <a:outerShdw sx="100000" sy="100000" kx="0" ky="0" algn="b" rotWithShape="0" blurRad="50800" dist="25400" dir="5400000">
+          <a:outerShdw blurRad="50800" dist="25400" dir="5400000" rotWithShape="0">
             <a:srgbClr val="000000"/>
           </a:outerShdw>
         </a:effectLst>
@@ -143,7 +144,7 @@
           <a:srgbClr val="C000EB"/>
         </a:solidFill>
         <a:effectLst>
-          <a:outerShdw sx="100000" sy="100000" kx="0" ky="0" algn="b" rotWithShape="0" blurRad="50800" dist="25400" dir="5400000">
+          <a:outerShdw blurRad="50800" dist="25400" dir="5400000" rotWithShape="0">
             <a:srgbClr val="000000"/>
           </a:outerShdw>
         </a:effectLst>
@@ -159,7 +160,7 @@
           <a:srgbClr val="C000EB"/>
         </a:solidFill>
         <a:effectLst>
-          <a:outerShdw sx="100000" sy="100000" kx="0" ky="0" algn="b" rotWithShape="0" blurRad="50800" dist="25400" dir="5400000">
+          <a:outerShdw blurRad="50800" dist="25400" dir="5400000" rotWithShape="0">
             <a:srgbClr val="000000"/>
           </a:outerShdw>
         </a:effectLst>
@@ -173,13 +174,14 @@
 </p:presentation>
 </file>
 
-<file path=ppt/commentAuthors.xml><?xml version="1.0" encoding="utf-8"?>
-<p:cmAuthorLst xmlns:a="http://schemas.openxmlformats.org/drawingml/2006/main" xmlns:r="http://schemas.openxmlformats.org/officeDocument/2006/relationships" xmlns:p="http://schemas.openxmlformats.org/presentationml/2006/main"/>
-</file>
-
 <file path=ppt/notesMasters/notesMaster1.xml><?xml version="1.0" encoding="utf-8"?>
 <p:notesMaster xmlns:a="http://schemas.openxmlformats.org/drawingml/2006/main" xmlns:r="http://schemas.openxmlformats.org/officeDocument/2006/relationships" xmlns:p="http://schemas.openxmlformats.org/presentationml/2006/main">
   <p:cSld>
+    <p:bg>
+      <p:bgRef idx="1001">
+        <a:schemeClr val="bg1"/>
+      </p:bgRef>
+    </p:bg>
     <p:spTree>
       <p:nvGrpSpPr>
         <p:cNvPr id="1" name=""/>
@@ -197,7 +199,9 @@
       <p:sp>
         <p:nvSpPr>
           <p:cNvPr id="31" name="Shape 31"/>
-          <p:cNvSpPr/>
+          <p:cNvSpPr>
+            <a:spLocks noGrp="1" noRot="1" noChangeAspect="1"/>
+          </p:cNvSpPr>
           <p:nvPr>
             <p:ph type="sldImg"/>
           </p:nvPr>
@@ -216,13 +220,16 @@
           <a:lstStyle/>
           <a:p>
             <a:pPr lvl="0"/>
+            <a:endParaRPr/>
           </a:p>
         </p:txBody>
       </p:sp>
       <p:sp>
         <p:nvSpPr>
           <p:cNvPr id="32" name="Shape 32"/>
-          <p:cNvSpPr/>
+          <p:cNvSpPr>
+            <a:spLocks noGrp="1"/>
+          </p:cNvSpPr>
           <p:nvPr>
             <p:ph type="body" sz="quarter" idx="1"/>
           </p:nvPr>
@@ -241,10 +248,16 @@
           <a:lstStyle/>
           <a:p>
             <a:pPr lvl="0"/>
+            <a:endParaRPr/>
           </a:p>
         </p:txBody>
       </p:sp>
     </p:spTree>
+    <p:extLst>
+      <p:ext uri="{BB962C8B-B14F-4D97-AF65-F5344CB8AC3E}">
+        <p14:creationId xmlns:p14="http://schemas.microsoft.com/office/powerpoint/2010/main" val="4240151391"/>
+      </p:ext>
+    </p:extLst>
   </p:cSld>
   <p:clrMap bg1="lt1" tx1="dk1" bg2="lt2" tx2="dk2" accent1="accent1" accent2="accent2" accent3="accent3" accent4="accent4" accent5="accent5" accent6="accent6" hlink="hlink" folHlink="folHlink"/>
   <p:notesStyle>
@@ -352,7 +365,7 @@
 </file>
 
 <file path=ppt/notesSlides/notesSlide1.xml><?xml version="1.0" encoding="utf-8"?>
-<p:notes xmlns:a="http://schemas.openxmlformats.org/drawingml/2006/main" xmlns:r="http://schemas.openxmlformats.org/officeDocument/2006/relationships" xmlns:p="http://schemas.openxmlformats.org/presentationml/2006/main" showMasterSp="1" showMasterPhAnim="1">
+<p:notes xmlns:a="http://schemas.openxmlformats.org/drawingml/2006/main" xmlns:r="http://schemas.openxmlformats.org/officeDocument/2006/relationships" xmlns:p="http://schemas.openxmlformats.org/presentationml/2006/main">
   <p:cSld>
     <p:spTree>
       <p:nvGrpSpPr>
@@ -371,7 +384,9 @@
       <p:sp>
         <p:nvSpPr>
           <p:cNvPr id="91" name="Shape 91"/>
-          <p:cNvSpPr/>
+          <p:cNvSpPr>
+            <a:spLocks noGrp="1" noRot="1" noChangeAspect="1"/>
+          </p:cNvSpPr>
           <p:nvPr>
             <p:ph type="sldImg"/>
           </p:nvPr>
@@ -386,13 +401,16 @@
           <a:lstStyle/>
           <a:p>
             <a:pPr lvl="0"/>
+            <a:endParaRPr/>
           </a:p>
         </p:txBody>
       </p:sp>
       <p:sp>
         <p:nvSpPr>
           <p:cNvPr id="92" name="Shape 92"/>
-          <p:cNvSpPr/>
+          <p:cNvSpPr>
+            <a:spLocks noGrp="1"/>
+          </p:cNvSpPr>
           <p:nvPr>
             <p:ph type="body" sz="quarter" idx="1"/>
           </p:nvPr>
@@ -431,7 +449,7 @@
 </file>
 
 <file path=ppt/notesSlides/notesSlide2.xml><?xml version="1.0" encoding="utf-8"?>
-<p:notes xmlns:a="http://schemas.openxmlformats.org/drawingml/2006/main" xmlns:r="http://schemas.openxmlformats.org/officeDocument/2006/relationships" xmlns:p="http://schemas.openxmlformats.org/presentationml/2006/main" showMasterSp="1" showMasterPhAnim="1">
+<p:notes xmlns:a="http://schemas.openxmlformats.org/drawingml/2006/main" xmlns:r="http://schemas.openxmlformats.org/officeDocument/2006/relationships" xmlns:p="http://schemas.openxmlformats.org/presentationml/2006/main">
   <p:cSld>
     <p:spTree>
       <p:nvGrpSpPr>
@@ -450,7 +468,9 @@
       <p:sp>
         <p:nvSpPr>
           <p:cNvPr id="96" name="Shape 96"/>
-          <p:cNvSpPr/>
+          <p:cNvSpPr>
+            <a:spLocks noGrp="1" noRot="1" noChangeAspect="1"/>
+          </p:cNvSpPr>
           <p:nvPr>
             <p:ph type="sldImg"/>
           </p:nvPr>
@@ -465,13 +485,16 @@
           <a:lstStyle/>
           <a:p>
             <a:pPr lvl="0"/>
+            <a:endParaRPr/>
           </a:p>
         </p:txBody>
       </p:sp>
       <p:sp>
         <p:nvSpPr>
           <p:cNvPr id="97" name="Shape 97"/>
-          <p:cNvSpPr/>
+          <p:cNvSpPr>
+            <a:spLocks noGrp="1"/>
+          </p:cNvSpPr>
           <p:nvPr>
             <p:ph type="body" sz="quarter" idx="1"/>
           </p:nvPr>
@@ -510,7 +533,7 @@
 </file>
 
 <file path=ppt/slideLayouts/slideLayout1.xml><?xml version="1.0" encoding="utf-8"?>
-<p:sldLayout xmlns:a="http://schemas.openxmlformats.org/drawingml/2006/main" xmlns:r="http://schemas.openxmlformats.org/officeDocument/2006/relationships" xmlns:p="http://schemas.openxmlformats.org/presentationml/2006/main" type="tx" showMasterSp="0" showMasterPhAnim="1">
+<p:sldLayout xmlns:a="http://schemas.openxmlformats.org/drawingml/2006/main" xmlns:r="http://schemas.openxmlformats.org/officeDocument/2006/relationships" xmlns:p="http://schemas.openxmlformats.org/presentationml/2006/main" showMasterSp="0" type="tx">
   <p:cSld name="Title &amp; Subtitle">
     <p:spTree>
       <p:nvGrpSpPr>
@@ -529,7 +552,9 @@
       <p:sp>
         <p:nvSpPr>
           <p:cNvPr id="6" name="Shape 6"/>
-          <p:cNvSpPr/>
+          <p:cNvSpPr>
+            <a:spLocks noGrp="1"/>
+          </p:cNvSpPr>
           <p:nvPr>
             <p:ph type="title"/>
           </p:nvPr>
@@ -548,7 +573,7 @@
           <a:lstStyle/>
           <a:p>
             <a:pPr lvl="0">
-              <a:defRPr b="0" sz="1800">
+              <a:defRPr sz="1800" b="0">
                 <a:solidFill>
                   <a:srgbClr val="000000"/>
                 </a:solidFill>
@@ -556,12 +581,12 @@
               </a:defRPr>
             </a:pPr>
             <a:r>
-              <a:rPr b="1" sz="6400">
+              <a:rPr sz="6400" b="1">
                 <a:solidFill>
                   <a:srgbClr val="FFFFFF"/>
                 </a:solidFill>
                 <a:effectLst>
-                  <a:outerShdw sx="100000" sy="100000" kx="0" ky="0" algn="b" rotWithShape="0" blurRad="50800" dist="25400" dir="5400000">
+                  <a:outerShdw blurRad="50800" dist="25400" dir="5400000" rotWithShape="0">
                     <a:srgbClr val="000000"/>
                   </a:outerShdw>
                 </a:effectLst>
@@ -574,7 +599,9 @@
       <p:sp>
         <p:nvSpPr>
           <p:cNvPr id="7" name="Shape 7"/>
-          <p:cNvSpPr/>
+          <p:cNvSpPr>
+            <a:spLocks noGrp="1"/>
+          </p:cNvSpPr>
           <p:nvPr>
             <p:ph type="body" idx="1"/>
           </p:nvPr>
@@ -667,23 +694,13 @@
                   <a:srgbClr val="FFFFFF"/>
                 </a:solidFill>
                 <a:effectLst>
-                  <a:outerShdw sx="100000" sy="100000" kx="0" ky="0" algn="b" rotWithShape="0" blurRad="50800" dist="25400" dir="5400000">
+                  <a:outerShdw blurRad="50800" dist="25400" dir="5400000" rotWithShape="0">
                     <a:srgbClr val="000000"/>
                   </a:outerShdw>
                 </a:effectLst>
               </a:rPr>
               <a:t>Body Level One</a:t>
             </a:r>
-            <a:endParaRPr sz="2400">
-              <a:solidFill>
-                <a:srgbClr val="FFFFFF"/>
-              </a:solidFill>
-              <a:effectLst>
-                <a:outerShdw sx="100000" sy="100000" kx="0" ky="0" algn="b" rotWithShape="0" blurRad="50800" dist="25400" dir="5400000">
-                  <a:srgbClr val="000000"/>
-                </a:outerShdw>
-              </a:effectLst>
-            </a:endParaRPr>
           </a:p>
           <a:p>
             <a:pPr lvl="1">
@@ -700,23 +717,13 @@
                   <a:srgbClr val="FFFFFF"/>
                 </a:solidFill>
                 <a:effectLst>
-                  <a:outerShdw sx="100000" sy="100000" kx="0" ky="0" algn="b" rotWithShape="0" blurRad="50800" dist="25400" dir="5400000">
+                  <a:outerShdw blurRad="50800" dist="25400" dir="5400000" rotWithShape="0">
                     <a:srgbClr val="000000"/>
                   </a:outerShdw>
                 </a:effectLst>
               </a:rPr>
               <a:t>Body Level Two</a:t>
             </a:r>
-            <a:endParaRPr sz="2400">
-              <a:solidFill>
-                <a:srgbClr val="FFFFFF"/>
-              </a:solidFill>
-              <a:effectLst>
-                <a:outerShdw sx="100000" sy="100000" kx="0" ky="0" algn="b" rotWithShape="0" blurRad="50800" dist="25400" dir="5400000">
-                  <a:srgbClr val="000000"/>
-                </a:outerShdw>
-              </a:effectLst>
-            </a:endParaRPr>
           </a:p>
           <a:p>
             <a:pPr lvl="2">
@@ -733,23 +740,13 @@
                   <a:srgbClr val="FFFFFF"/>
                 </a:solidFill>
                 <a:effectLst>
-                  <a:outerShdw sx="100000" sy="100000" kx="0" ky="0" algn="b" rotWithShape="0" blurRad="50800" dist="25400" dir="5400000">
+                  <a:outerShdw blurRad="50800" dist="25400" dir="5400000" rotWithShape="0">
                     <a:srgbClr val="000000"/>
                   </a:outerShdw>
                 </a:effectLst>
               </a:rPr>
               <a:t>Body Level Three</a:t>
             </a:r>
-            <a:endParaRPr sz="2400">
-              <a:solidFill>
-                <a:srgbClr val="FFFFFF"/>
-              </a:solidFill>
-              <a:effectLst>
-                <a:outerShdw sx="100000" sy="100000" kx="0" ky="0" algn="b" rotWithShape="0" blurRad="50800" dist="25400" dir="5400000">
-                  <a:srgbClr val="000000"/>
-                </a:outerShdw>
-              </a:effectLst>
-            </a:endParaRPr>
           </a:p>
           <a:p>
             <a:pPr lvl="3">
@@ -766,23 +763,13 @@
                   <a:srgbClr val="FFFFFF"/>
                 </a:solidFill>
                 <a:effectLst>
-                  <a:outerShdw sx="100000" sy="100000" kx="0" ky="0" algn="b" rotWithShape="0" blurRad="50800" dist="25400" dir="5400000">
+                  <a:outerShdw blurRad="50800" dist="25400" dir="5400000" rotWithShape="0">
                     <a:srgbClr val="000000"/>
                   </a:outerShdw>
                 </a:effectLst>
               </a:rPr>
               <a:t>Body Level Four</a:t>
             </a:r>
-            <a:endParaRPr sz="2400">
-              <a:solidFill>
-                <a:srgbClr val="FFFFFF"/>
-              </a:solidFill>
-              <a:effectLst>
-                <a:outerShdw sx="100000" sy="100000" kx="0" ky="0" algn="b" rotWithShape="0" blurRad="50800" dist="25400" dir="5400000">
-                  <a:srgbClr val="000000"/>
-                </a:outerShdw>
-              </a:effectLst>
-            </a:endParaRPr>
           </a:p>
           <a:p>
             <a:pPr lvl="4">
@@ -799,7 +786,7 @@
                   <a:srgbClr val="FFFFFF"/>
                 </a:solidFill>
                 <a:effectLst>
-                  <a:outerShdw sx="100000" sy="100000" kx="0" ky="0" algn="b" rotWithShape="0" blurRad="50800" dist="25400" dir="5400000">
+                  <a:outerShdw blurRad="50800" dist="25400" dir="5400000" rotWithShape="0">
                     <a:srgbClr val="000000"/>
                   </a:outerShdw>
                 </a:effectLst>
@@ -841,38 +828,12 @@
   <p:clrMapOvr>
     <a:masterClrMapping/>
   </p:clrMapOvr>
-  <p:transition spd="med" advClick="1"/>
+  <p:transition xmlns:p14="http://schemas.microsoft.com/office/powerpoint/2010/main" spd="med"/>
 </p:sldLayout>
 </file>
 
 <file path=ppt/slideLayouts/slideLayout10.xml><?xml version="1.0" encoding="utf-8"?>
-<p:sldLayout xmlns:a="http://schemas.openxmlformats.org/drawingml/2006/main" xmlns:r="http://schemas.openxmlformats.org/officeDocument/2006/relationships" xmlns:p="http://schemas.openxmlformats.org/presentationml/2006/main" type="tx" showMasterSp="0" showMasterPhAnim="1">
-  <p:cSld name="Quote">
-    <p:spTree>
-      <p:nvGrpSpPr>
-        <p:cNvPr id="1" name=""/>
-        <p:cNvGrpSpPr/>
-        <p:nvPr/>
-      </p:nvGrpSpPr>
-      <p:grpSpPr>
-        <a:xfrm>
-          <a:off x="0" y="0"/>
-          <a:ext cx="0" cy="0"/>
-          <a:chOff x="0" y="0"/>
-          <a:chExt cx="0" cy="0"/>
-        </a:xfrm>
-      </p:grpSpPr>
-    </p:spTree>
-  </p:cSld>
-  <p:clrMapOvr>
-    <a:masterClrMapping/>
-  </p:clrMapOvr>
-  <p:transition spd="med" advClick="1"/>
-</p:sldLayout>
-</file>
-
-<file path=ppt/slideLayouts/slideLayout11.xml><?xml version="1.0" encoding="utf-8"?>
-<p:sldLayout xmlns:a="http://schemas.openxmlformats.org/drawingml/2006/main" xmlns:r="http://schemas.openxmlformats.org/officeDocument/2006/relationships" xmlns:p="http://schemas.openxmlformats.org/presentationml/2006/main" type="tx" showMasterSp="0" showMasterPhAnim="1">
+<p:sldLayout xmlns:a="http://schemas.openxmlformats.org/drawingml/2006/main" xmlns:r="http://schemas.openxmlformats.org/officeDocument/2006/relationships" xmlns:p="http://schemas.openxmlformats.org/presentationml/2006/main" showMasterSp="0" type="tx">
   <p:cSld name="Photo">
     <p:spTree>
       <p:nvGrpSpPr>
@@ -893,12 +854,12 @@
   <p:clrMapOvr>
     <a:masterClrMapping/>
   </p:clrMapOvr>
-  <p:transition spd="med" advClick="1"/>
+  <p:transition xmlns:p14="http://schemas.microsoft.com/office/powerpoint/2010/main" spd="med"/>
 </p:sldLayout>
 </file>
 
-<file path=ppt/slideLayouts/slideLayout12.xml><?xml version="1.0" encoding="utf-8"?>
-<p:sldLayout xmlns:a="http://schemas.openxmlformats.org/drawingml/2006/main" xmlns:r="http://schemas.openxmlformats.org/officeDocument/2006/relationships" xmlns:p="http://schemas.openxmlformats.org/presentationml/2006/main" type="tx" showMasterSp="0" showMasterPhAnim="1">
+<file path=ppt/slideLayouts/slideLayout11.xml><?xml version="1.0" encoding="utf-8"?>
+<p:sldLayout xmlns:a="http://schemas.openxmlformats.org/drawingml/2006/main" xmlns:r="http://schemas.openxmlformats.org/officeDocument/2006/relationships" xmlns:p="http://schemas.openxmlformats.org/presentationml/2006/main" showMasterSp="0" type="tx">
   <p:cSld name="Blank">
     <p:spTree>
       <p:nvGrpSpPr>
@@ -919,321 +880,12 @@
   <p:clrMapOvr>
     <a:masterClrMapping/>
   </p:clrMapOvr>
-  <p:transition spd="med" advClick="1"/>
+  <p:transition xmlns:p14="http://schemas.microsoft.com/office/powerpoint/2010/main" spd="med"/>
 </p:sldLayout>
 </file>
 
 <file path=ppt/slideLayouts/slideLayout2.xml><?xml version="1.0" encoding="utf-8"?>
-<p:sldLayout xmlns:a="http://schemas.openxmlformats.org/drawingml/2006/main" xmlns:r="http://schemas.openxmlformats.org/officeDocument/2006/relationships" xmlns:p="http://schemas.openxmlformats.org/presentationml/2006/main" type="tx" showMasterSp="0" showMasterPhAnim="1">
-  <p:cSld name="Photo - Horizontal">
-    <p:spTree>
-      <p:nvGrpSpPr>
-        <p:cNvPr id="1" name=""/>
-        <p:cNvGrpSpPr/>
-        <p:nvPr/>
-      </p:nvGrpSpPr>
-      <p:grpSpPr>
-        <a:xfrm>
-          <a:off x="0" y="0"/>
-          <a:ext cx="0" cy="0"/>
-          <a:chOff x="0" y="0"/>
-          <a:chExt cx="0" cy="0"/>
-        </a:xfrm>
-      </p:grpSpPr>
-      <p:sp>
-        <p:nvSpPr>
-          <p:cNvPr id="10" name="Shape 10"/>
-          <p:cNvSpPr/>
-          <p:nvPr>
-            <p:ph type="title"/>
-          </p:nvPr>
-        </p:nvSpPr>
-        <p:spPr>
-          <a:xfrm>
-            <a:off x="762000" y="4445000"/>
-            <a:ext cx="11480800" cy="3517900"/>
-          </a:xfrm>
-          <a:prstGeom prst="rect">
-            <a:avLst/>
-          </a:prstGeom>
-        </p:spPr>
-        <p:txBody>
-          <a:bodyPr anchor="b"/>
-          <a:lstStyle/>
-          <a:p>
-            <a:pPr lvl="0">
-              <a:defRPr b="0" sz="1800">
-                <a:solidFill>
-                  <a:srgbClr val="000000"/>
-                </a:solidFill>
-                <a:effectLst/>
-              </a:defRPr>
-            </a:pPr>
-            <a:r>
-              <a:rPr b="1" sz="6400">
-                <a:solidFill>
-                  <a:srgbClr val="FFFFFF"/>
-                </a:solidFill>
-                <a:effectLst>
-                  <a:outerShdw sx="100000" sy="100000" kx="0" ky="0" algn="b" rotWithShape="0" blurRad="50800" dist="25400" dir="5400000">
-                    <a:srgbClr val="000000"/>
-                  </a:outerShdw>
-                </a:effectLst>
-              </a:rPr>
-              <a:t>Title Text</a:t>
-            </a:r>
-          </a:p>
-        </p:txBody>
-      </p:sp>
-      <p:sp>
-        <p:nvSpPr>
-          <p:cNvPr id="11" name="Shape 11"/>
-          <p:cNvSpPr/>
-          <p:nvPr>
-            <p:ph type="body" idx="1"/>
-          </p:nvPr>
-        </p:nvSpPr>
-        <p:spPr>
-          <a:xfrm>
-            <a:off x="762000" y="8128000"/>
-            <a:ext cx="11480800" cy="1625600"/>
-          </a:xfrm>
-          <a:prstGeom prst="rect">
-            <a:avLst/>
-          </a:prstGeom>
-        </p:spPr>
-        <p:txBody>
-          <a:bodyPr anchor="t"/>
-          <a:lstStyle>
-            <a:lvl1pPr marL="0" indent="0" algn="ctr">
-              <a:spcBef>
-                <a:spcPts val="0"/>
-              </a:spcBef>
-              <a:buSzTx/>
-              <a:buNone/>
-              <a:defRPr sz="2400">
-                <a:solidFill>
-                  <a:srgbClr val="FFFFFF"/>
-                </a:solidFill>
-              </a:defRPr>
-            </a:lvl1pPr>
-            <a:lvl2pPr marL="0" indent="0" algn="ctr">
-              <a:spcBef>
-                <a:spcPts val="0"/>
-              </a:spcBef>
-              <a:buSzTx/>
-              <a:buNone/>
-              <a:defRPr sz="2400">
-                <a:solidFill>
-                  <a:srgbClr val="FFFFFF"/>
-                </a:solidFill>
-              </a:defRPr>
-            </a:lvl2pPr>
-            <a:lvl3pPr marL="0" indent="0" algn="ctr">
-              <a:spcBef>
-                <a:spcPts val="0"/>
-              </a:spcBef>
-              <a:buSzTx/>
-              <a:buNone/>
-              <a:defRPr sz="2400">
-                <a:solidFill>
-                  <a:srgbClr val="FFFFFF"/>
-                </a:solidFill>
-              </a:defRPr>
-            </a:lvl3pPr>
-            <a:lvl4pPr marL="0" indent="0" algn="ctr">
-              <a:spcBef>
-                <a:spcPts val="0"/>
-              </a:spcBef>
-              <a:buSzTx/>
-              <a:buNone/>
-              <a:defRPr sz="2400">
-                <a:solidFill>
-                  <a:srgbClr val="FFFFFF"/>
-                </a:solidFill>
-              </a:defRPr>
-            </a:lvl4pPr>
-            <a:lvl5pPr marL="0" indent="0" algn="ctr">
-              <a:spcBef>
-                <a:spcPts val="0"/>
-              </a:spcBef>
-              <a:buSzTx/>
-              <a:buNone/>
-              <a:defRPr sz="2400">
-                <a:solidFill>
-                  <a:srgbClr val="FFFFFF"/>
-                </a:solidFill>
-              </a:defRPr>
-            </a:lvl5pPr>
-          </a:lstStyle>
-          <a:p>
-            <a:pPr lvl="0">
-              <a:defRPr sz="1800">
-                <a:solidFill>
-                  <a:srgbClr val="000000"/>
-                </a:solidFill>
-                <a:effectLst/>
-              </a:defRPr>
-            </a:pPr>
-            <a:r>
-              <a:rPr sz="2400">
-                <a:solidFill>
-                  <a:srgbClr val="FFFFFF"/>
-                </a:solidFill>
-                <a:effectLst>
-                  <a:outerShdw sx="100000" sy="100000" kx="0" ky="0" algn="b" rotWithShape="0" blurRad="50800" dist="25400" dir="5400000">
-                    <a:srgbClr val="000000"/>
-                  </a:outerShdw>
-                </a:effectLst>
-              </a:rPr>
-              <a:t>Body Level One</a:t>
-            </a:r>
-            <a:endParaRPr sz="2400">
-              <a:solidFill>
-                <a:srgbClr val="FFFFFF"/>
-              </a:solidFill>
-              <a:effectLst>
-                <a:outerShdw sx="100000" sy="100000" kx="0" ky="0" algn="b" rotWithShape="0" blurRad="50800" dist="25400" dir="5400000">
-                  <a:srgbClr val="000000"/>
-                </a:outerShdw>
-              </a:effectLst>
-            </a:endParaRPr>
-          </a:p>
-          <a:p>
-            <a:pPr lvl="1">
-              <a:defRPr sz="1800">
-                <a:solidFill>
-                  <a:srgbClr val="000000"/>
-                </a:solidFill>
-                <a:effectLst/>
-              </a:defRPr>
-            </a:pPr>
-            <a:r>
-              <a:rPr sz="2400">
-                <a:solidFill>
-                  <a:srgbClr val="FFFFFF"/>
-                </a:solidFill>
-                <a:effectLst>
-                  <a:outerShdw sx="100000" sy="100000" kx="0" ky="0" algn="b" rotWithShape="0" blurRad="50800" dist="25400" dir="5400000">
-                    <a:srgbClr val="000000"/>
-                  </a:outerShdw>
-                </a:effectLst>
-              </a:rPr>
-              <a:t>Body Level Two</a:t>
-            </a:r>
-            <a:endParaRPr sz="2400">
-              <a:solidFill>
-                <a:srgbClr val="FFFFFF"/>
-              </a:solidFill>
-              <a:effectLst>
-                <a:outerShdw sx="100000" sy="100000" kx="0" ky="0" algn="b" rotWithShape="0" blurRad="50800" dist="25400" dir="5400000">
-                  <a:srgbClr val="000000"/>
-                </a:outerShdw>
-              </a:effectLst>
-            </a:endParaRPr>
-          </a:p>
-          <a:p>
-            <a:pPr lvl="2">
-              <a:defRPr sz="1800">
-                <a:solidFill>
-                  <a:srgbClr val="000000"/>
-                </a:solidFill>
-                <a:effectLst/>
-              </a:defRPr>
-            </a:pPr>
-            <a:r>
-              <a:rPr sz="2400">
-                <a:solidFill>
-                  <a:srgbClr val="FFFFFF"/>
-                </a:solidFill>
-                <a:effectLst>
-                  <a:outerShdw sx="100000" sy="100000" kx="0" ky="0" algn="b" rotWithShape="0" blurRad="50800" dist="25400" dir="5400000">
-                    <a:srgbClr val="000000"/>
-                  </a:outerShdw>
-                </a:effectLst>
-              </a:rPr>
-              <a:t>Body Level Three</a:t>
-            </a:r>
-            <a:endParaRPr sz="2400">
-              <a:solidFill>
-                <a:srgbClr val="FFFFFF"/>
-              </a:solidFill>
-              <a:effectLst>
-                <a:outerShdw sx="100000" sy="100000" kx="0" ky="0" algn="b" rotWithShape="0" blurRad="50800" dist="25400" dir="5400000">
-                  <a:srgbClr val="000000"/>
-                </a:outerShdw>
-              </a:effectLst>
-            </a:endParaRPr>
-          </a:p>
-          <a:p>
-            <a:pPr lvl="3">
-              <a:defRPr sz="1800">
-                <a:solidFill>
-                  <a:srgbClr val="000000"/>
-                </a:solidFill>
-                <a:effectLst/>
-              </a:defRPr>
-            </a:pPr>
-            <a:r>
-              <a:rPr sz="2400">
-                <a:solidFill>
-                  <a:srgbClr val="FFFFFF"/>
-                </a:solidFill>
-                <a:effectLst>
-                  <a:outerShdw sx="100000" sy="100000" kx="0" ky="0" algn="b" rotWithShape="0" blurRad="50800" dist="25400" dir="5400000">
-                    <a:srgbClr val="000000"/>
-                  </a:outerShdw>
-                </a:effectLst>
-              </a:rPr>
-              <a:t>Body Level Four</a:t>
-            </a:r>
-            <a:endParaRPr sz="2400">
-              <a:solidFill>
-                <a:srgbClr val="FFFFFF"/>
-              </a:solidFill>
-              <a:effectLst>
-                <a:outerShdw sx="100000" sy="100000" kx="0" ky="0" algn="b" rotWithShape="0" blurRad="50800" dist="25400" dir="5400000">
-                  <a:srgbClr val="000000"/>
-                </a:outerShdw>
-              </a:effectLst>
-            </a:endParaRPr>
-          </a:p>
-          <a:p>
-            <a:pPr lvl="4">
-              <a:defRPr sz="1800">
-                <a:solidFill>
-                  <a:srgbClr val="000000"/>
-                </a:solidFill>
-                <a:effectLst/>
-              </a:defRPr>
-            </a:pPr>
-            <a:r>
-              <a:rPr sz="2400">
-                <a:solidFill>
-                  <a:srgbClr val="FFFFFF"/>
-                </a:solidFill>
-                <a:effectLst>
-                  <a:outerShdw sx="100000" sy="100000" kx="0" ky="0" algn="b" rotWithShape="0" blurRad="50800" dist="25400" dir="5400000">
-                    <a:srgbClr val="000000"/>
-                  </a:outerShdw>
-                </a:effectLst>
-              </a:rPr>
-              <a:t>Body Level Five</a:t>
-            </a:r>
-          </a:p>
-        </p:txBody>
-      </p:sp>
-    </p:spTree>
-  </p:cSld>
-  <p:clrMapOvr>
-    <a:masterClrMapping/>
-  </p:clrMapOvr>
-  <p:transition spd="med" advClick="1"/>
-</p:sldLayout>
-</file>
-
-<file path=ppt/slideLayouts/slideLayout3.xml><?xml version="1.0" encoding="utf-8"?>
-<p:sldLayout xmlns:a="http://schemas.openxmlformats.org/drawingml/2006/main" xmlns:r="http://schemas.openxmlformats.org/officeDocument/2006/relationships" xmlns:p="http://schemas.openxmlformats.org/presentationml/2006/main" type="tx" showMasterSp="0" showMasterPhAnim="1">
+<p:sldLayout xmlns:a="http://schemas.openxmlformats.org/drawingml/2006/main" xmlns:r="http://schemas.openxmlformats.org/officeDocument/2006/relationships" xmlns:p="http://schemas.openxmlformats.org/presentationml/2006/main" showMasterSp="0" type="tx">
   <p:cSld name="Title - Center">
     <p:spTree>
       <p:nvGrpSpPr>
@@ -1252,7 +904,9 @@
       <p:sp>
         <p:nvSpPr>
           <p:cNvPr id="13" name="Shape 13"/>
-          <p:cNvSpPr/>
+          <p:cNvSpPr>
+            <a:spLocks noGrp="1"/>
+          </p:cNvSpPr>
           <p:nvPr>
             <p:ph type="title"/>
           </p:nvPr>
@@ -1271,7 +925,7 @@
           <a:lstStyle/>
           <a:p>
             <a:pPr lvl="0">
-              <a:defRPr b="0" sz="1800">
+              <a:defRPr sz="1800" b="0">
                 <a:solidFill>
                   <a:srgbClr val="000000"/>
                 </a:solidFill>
@@ -1279,12 +933,12 @@
               </a:defRPr>
             </a:pPr>
             <a:r>
-              <a:rPr b="1" sz="6400">
+              <a:rPr sz="6400" b="1">
                 <a:solidFill>
                   <a:srgbClr val="FFFFFF"/>
                 </a:solidFill>
                 <a:effectLst>
-                  <a:outerShdw sx="100000" sy="100000" kx="0" ky="0" algn="b" rotWithShape="0" blurRad="50800" dist="25400" dir="5400000">
+                  <a:outerShdw blurRad="50800" dist="25400" dir="5400000" rotWithShape="0">
                     <a:srgbClr val="000000"/>
                   </a:outerShdw>
                 </a:effectLst>
@@ -1299,12 +953,12 @@
   <p:clrMapOvr>
     <a:masterClrMapping/>
   </p:clrMapOvr>
-  <p:transition spd="med" advClick="1"/>
+  <p:transition xmlns:p14="http://schemas.microsoft.com/office/powerpoint/2010/main" spd="med"/>
 </p:sldLayout>
 </file>
 
-<file path=ppt/slideLayouts/slideLayout4.xml><?xml version="1.0" encoding="utf-8"?>
-<p:sldLayout xmlns:a="http://schemas.openxmlformats.org/drawingml/2006/main" xmlns:r="http://schemas.openxmlformats.org/officeDocument/2006/relationships" xmlns:p="http://schemas.openxmlformats.org/presentationml/2006/main" type="tx" showMasterSp="0" showMasterPhAnim="1">
+<file path=ppt/slideLayouts/slideLayout3.xml><?xml version="1.0" encoding="utf-8"?>
+<p:sldLayout xmlns:a="http://schemas.openxmlformats.org/drawingml/2006/main" xmlns:r="http://schemas.openxmlformats.org/officeDocument/2006/relationships" xmlns:p="http://schemas.openxmlformats.org/presentationml/2006/main" showMasterSp="0" type="tx">
   <p:cSld name="Photo - Vertical">
     <p:spTree>
       <p:nvGrpSpPr>
@@ -1323,7 +977,9 @@
       <p:sp>
         <p:nvSpPr>
           <p:cNvPr id="15" name="Shape 15"/>
-          <p:cNvSpPr/>
+          <p:cNvSpPr>
+            <a:spLocks noGrp="1"/>
+          </p:cNvSpPr>
           <p:nvPr>
             <p:ph type="title"/>
           </p:nvPr>
@@ -1346,7 +1002,7 @@
           </a:lstStyle>
           <a:p>
             <a:pPr lvl="0">
-              <a:defRPr b="0" sz="1800">
+              <a:defRPr sz="1800" b="0">
                 <a:solidFill>
                   <a:srgbClr val="000000"/>
                 </a:solidFill>
@@ -1354,12 +1010,12 @@
               </a:defRPr>
             </a:pPr>
             <a:r>
-              <a:rPr b="1" sz="5200">
+              <a:rPr sz="5200" b="1">
                 <a:solidFill>
                   <a:srgbClr val="FFFFFF"/>
                 </a:solidFill>
                 <a:effectLst>
-                  <a:outerShdw sx="100000" sy="100000" kx="0" ky="0" algn="b" rotWithShape="0" blurRad="50800" dist="25400" dir="5400000">
+                  <a:outerShdw blurRad="50800" dist="25400" dir="5400000" rotWithShape="0">
                     <a:srgbClr val="000000"/>
                   </a:outerShdw>
                 </a:effectLst>
@@ -1372,7 +1028,9 @@
       <p:sp>
         <p:nvSpPr>
           <p:cNvPr id="16" name="Shape 16"/>
-          <p:cNvSpPr/>
+          <p:cNvSpPr>
+            <a:spLocks noGrp="1"/>
+          </p:cNvSpPr>
           <p:nvPr>
             <p:ph type="body" idx="1"/>
           </p:nvPr>
@@ -1465,23 +1123,13 @@
                   <a:srgbClr val="FFFFFF"/>
                 </a:solidFill>
                 <a:effectLst>
-                  <a:outerShdw sx="100000" sy="100000" kx="0" ky="0" algn="b" rotWithShape="0" blurRad="50800" dist="25400" dir="5400000">
+                  <a:outerShdw blurRad="50800" dist="25400" dir="5400000" rotWithShape="0">
                     <a:srgbClr val="000000"/>
                   </a:outerShdw>
                 </a:effectLst>
               </a:rPr>
               <a:t>Body Level One</a:t>
             </a:r>
-            <a:endParaRPr sz="2400">
-              <a:solidFill>
-                <a:srgbClr val="FFFFFF"/>
-              </a:solidFill>
-              <a:effectLst>
-                <a:outerShdw sx="100000" sy="100000" kx="0" ky="0" algn="b" rotWithShape="0" blurRad="50800" dist="25400" dir="5400000">
-                  <a:srgbClr val="000000"/>
-                </a:outerShdw>
-              </a:effectLst>
-            </a:endParaRPr>
           </a:p>
           <a:p>
             <a:pPr lvl="1">
@@ -1498,23 +1146,13 @@
                   <a:srgbClr val="FFFFFF"/>
                 </a:solidFill>
                 <a:effectLst>
-                  <a:outerShdw sx="100000" sy="100000" kx="0" ky="0" algn="b" rotWithShape="0" blurRad="50800" dist="25400" dir="5400000">
+                  <a:outerShdw blurRad="50800" dist="25400" dir="5400000" rotWithShape="0">
                     <a:srgbClr val="000000"/>
                   </a:outerShdw>
                 </a:effectLst>
               </a:rPr>
               <a:t>Body Level Two</a:t>
             </a:r>
-            <a:endParaRPr sz="2400">
-              <a:solidFill>
-                <a:srgbClr val="FFFFFF"/>
-              </a:solidFill>
-              <a:effectLst>
-                <a:outerShdw sx="100000" sy="100000" kx="0" ky="0" algn="b" rotWithShape="0" blurRad="50800" dist="25400" dir="5400000">
-                  <a:srgbClr val="000000"/>
-                </a:outerShdw>
-              </a:effectLst>
-            </a:endParaRPr>
           </a:p>
           <a:p>
             <a:pPr lvl="2">
@@ -1531,23 +1169,13 @@
                   <a:srgbClr val="FFFFFF"/>
                 </a:solidFill>
                 <a:effectLst>
-                  <a:outerShdw sx="100000" sy="100000" kx="0" ky="0" algn="b" rotWithShape="0" blurRad="50800" dist="25400" dir="5400000">
+                  <a:outerShdw blurRad="50800" dist="25400" dir="5400000" rotWithShape="0">
                     <a:srgbClr val="000000"/>
                   </a:outerShdw>
                 </a:effectLst>
               </a:rPr>
               <a:t>Body Level Three</a:t>
             </a:r>
-            <a:endParaRPr sz="2400">
-              <a:solidFill>
-                <a:srgbClr val="FFFFFF"/>
-              </a:solidFill>
-              <a:effectLst>
-                <a:outerShdw sx="100000" sy="100000" kx="0" ky="0" algn="b" rotWithShape="0" blurRad="50800" dist="25400" dir="5400000">
-                  <a:srgbClr val="000000"/>
-                </a:outerShdw>
-              </a:effectLst>
-            </a:endParaRPr>
           </a:p>
           <a:p>
             <a:pPr lvl="3">
@@ -1564,23 +1192,13 @@
                   <a:srgbClr val="FFFFFF"/>
                 </a:solidFill>
                 <a:effectLst>
-                  <a:outerShdw sx="100000" sy="100000" kx="0" ky="0" algn="b" rotWithShape="0" blurRad="50800" dist="25400" dir="5400000">
+                  <a:outerShdw blurRad="50800" dist="25400" dir="5400000" rotWithShape="0">
                     <a:srgbClr val="000000"/>
                   </a:outerShdw>
                 </a:effectLst>
               </a:rPr>
               <a:t>Body Level Four</a:t>
             </a:r>
-            <a:endParaRPr sz="2400">
-              <a:solidFill>
-                <a:srgbClr val="FFFFFF"/>
-              </a:solidFill>
-              <a:effectLst>
-                <a:outerShdw sx="100000" sy="100000" kx="0" ky="0" algn="b" rotWithShape="0" blurRad="50800" dist="25400" dir="5400000">
-                  <a:srgbClr val="000000"/>
-                </a:outerShdw>
-              </a:effectLst>
-            </a:endParaRPr>
           </a:p>
           <a:p>
             <a:pPr lvl="4">
@@ -1597,7 +1215,7 @@
                   <a:srgbClr val="FFFFFF"/>
                 </a:solidFill>
                 <a:effectLst>
-                  <a:outerShdw sx="100000" sy="100000" kx="0" ky="0" algn="b" rotWithShape="0" blurRad="50800" dist="25400" dir="5400000">
+                  <a:outerShdw blurRad="50800" dist="25400" dir="5400000" rotWithShape="0">
                     <a:srgbClr val="000000"/>
                   </a:outerShdw>
                 </a:effectLst>
@@ -1612,12 +1230,12 @@
   <p:clrMapOvr>
     <a:masterClrMapping/>
   </p:clrMapOvr>
-  <p:transition spd="med" advClick="1"/>
+  <p:transition xmlns:p14="http://schemas.microsoft.com/office/powerpoint/2010/main" spd="med"/>
 </p:sldLayout>
 </file>
 
-<file path=ppt/slideLayouts/slideLayout5.xml><?xml version="1.0" encoding="utf-8"?>
-<p:sldLayout xmlns:a="http://schemas.openxmlformats.org/drawingml/2006/main" xmlns:r="http://schemas.openxmlformats.org/officeDocument/2006/relationships" xmlns:p="http://schemas.openxmlformats.org/presentationml/2006/main" type="tx" showMasterSp="0" showMasterPhAnim="1">
+<file path=ppt/slideLayouts/slideLayout4.xml><?xml version="1.0" encoding="utf-8"?>
+<p:sldLayout xmlns:a="http://schemas.openxmlformats.org/drawingml/2006/main" xmlns:r="http://schemas.openxmlformats.org/officeDocument/2006/relationships" xmlns:p="http://schemas.openxmlformats.org/presentationml/2006/main" showMasterSp="0" type="tx">
   <p:cSld name="Title - Top">
     <p:spTree>
       <p:nvGrpSpPr>
@@ -1636,7 +1254,9 @@
       <p:sp>
         <p:nvSpPr>
           <p:cNvPr id="18" name="Shape 18"/>
-          <p:cNvSpPr/>
+          <p:cNvSpPr>
+            <a:spLocks noGrp="1"/>
+          </p:cNvSpPr>
           <p:nvPr>
             <p:ph type="title"/>
           </p:nvPr>
@@ -1655,7 +1275,7 @@
           <a:lstStyle/>
           <a:p>
             <a:pPr lvl="0">
-              <a:defRPr b="0" sz="1800">
+              <a:defRPr sz="1800" b="0">
                 <a:solidFill>
                   <a:srgbClr val="000000"/>
                 </a:solidFill>
@@ -1663,12 +1283,12 @@
               </a:defRPr>
             </a:pPr>
             <a:r>
-              <a:rPr b="1" sz="6400">
+              <a:rPr sz="6400" b="1">
                 <a:solidFill>
                   <a:srgbClr val="FFFFFF"/>
                 </a:solidFill>
                 <a:effectLst>
-                  <a:outerShdw sx="100000" sy="100000" kx="0" ky="0" algn="b" rotWithShape="0" blurRad="50800" dist="25400" dir="5400000">
+                  <a:outerShdw blurRad="50800" dist="25400" dir="5400000" rotWithShape="0">
                     <a:srgbClr val="000000"/>
                   </a:outerShdw>
                 </a:effectLst>
@@ -1683,12 +1303,12 @@
   <p:clrMapOvr>
     <a:masterClrMapping/>
   </p:clrMapOvr>
-  <p:transition spd="med" advClick="1"/>
+  <p:transition xmlns:p14="http://schemas.microsoft.com/office/powerpoint/2010/main" spd="med"/>
 </p:sldLayout>
 </file>
 
-<file path=ppt/slideLayouts/slideLayout6.xml><?xml version="1.0" encoding="utf-8"?>
-<p:sldLayout xmlns:a="http://schemas.openxmlformats.org/drawingml/2006/main" xmlns:r="http://schemas.openxmlformats.org/officeDocument/2006/relationships" xmlns:p="http://schemas.openxmlformats.org/presentationml/2006/main" type="tx" showMasterSp="1" showMasterPhAnim="1">
+<file path=ppt/slideLayouts/slideLayout5.xml><?xml version="1.0" encoding="utf-8"?>
+<p:sldLayout xmlns:a="http://schemas.openxmlformats.org/drawingml/2006/main" xmlns:r="http://schemas.openxmlformats.org/officeDocument/2006/relationships" xmlns:p="http://schemas.openxmlformats.org/presentationml/2006/main" type="tx">
   <p:cSld name="Title &amp; Bullets">
     <p:spTree>
       <p:nvGrpSpPr>
@@ -1707,7 +1327,9 @@
       <p:sp>
         <p:nvSpPr>
           <p:cNvPr id="20" name="Shape 20"/>
-          <p:cNvSpPr/>
+          <p:cNvSpPr>
+            <a:spLocks noGrp="1"/>
+          </p:cNvSpPr>
           <p:nvPr>
             <p:ph type="title"/>
           </p:nvPr>
@@ -1722,7 +1344,7 @@
           <a:lstStyle/>
           <a:p>
             <a:pPr lvl="0">
-              <a:defRPr b="0" sz="1800">
+              <a:defRPr sz="1800" b="0">
                 <a:solidFill>
                   <a:srgbClr val="000000"/>
                 </a:solidFill>
@@ -1730,12 +1352,12 @@
               </a:defRPr>
             </a:pPr>
             <a:r>
-              <a:rPr b="1" sz="6400">
+              <a:rPr sz="6400" b="1">
                 <a:solidFill>
                   <a:srgbClr val="FFFFFF"/>
                 </a:solidFill>
                 <a:effectLst>
-                  <a:outerShdw sx="100000" sy="100000" kx="0" ky="0" algn="b" rotWithShape="0" blurRad="50800" dist="25400" dir="5400000">
+                  <a:outerShdw blurRad="50800" dist="25400" dir="5400000" rotWithShape="0">
                     <a:srgbClr val="000000"/>
                   </a:outerShdw>
                 </a:effectLst>
@@ -1748,7 +1370,9 @@
       <p:sp>
         <p:nvSpPr>
           <p:cNvPr id="21" name="Shape 21"/>
-          <p:cNvSpPr/>
+          <p:cNvSpPr>
+            <a:spLocks noGrp="1"/>
+          </p:cNvSpPr>
           <p:nvPr>
             <p:ph type="body" idx="1"/>
           </p:nvPr>
@@ -1776,23 +1400,13 @@
                   <a:srgbClr val="EBEBEB"/>
                 </a:solidFill>
                 <a:effectLst>
-                  <a:outerShdw sx="100000" sy="100000" kx="0" ky="0" algn="b" rotWithShape="0" blurRad="50800" dist="25400" dir="5400000">
+                  <a:outerShdw blurRad="50800" dist="25400" dir="5400000" rotWithShape="0">
                     <a:srgbClr val="000000"/>
                   </a:outerShdw>
                 </a:effectLst>
               </a:rPr>
               <a:t>Body Level One</a:t>
             </a:r>
-            <a:endParaRPr sz="3400">
-              <a:solidFill>
-                <a:srgbClr val="EBEBEB"/>
-              </a:solidFill>
-              <a:effectLst>
-                <a:outerShdw sx="100000" sy="100000" kx="0" ky="0" algn="b" rotWithShape="0" blurRad="50800" dist="25400" dir="5400000">
-                  <a:srgbClr val="000000"/>
-                </a:outerShdw>
-              </a:effectLst>
-            </a:endParaRPr>
           </a:p>
           <a:p>
             <a:pPr lvl="1">
@@ -1809,23 +1423,13 @@
                   <a:srgbClr val="EBEBEB"/>
                 </a:solidFill>
                 <a:effectLst>
-                  <a:outerShdw sx="100000" sy="100000" kx="0" ky="0" algn="b" rotWithShape="0" blurRad="50800" dist="25400" dir="5400000">
+                  <a:outerShdw blurRad="50800" dist="25400" dir="5400000" rotWithShape="0">
                     <a:srgbClr val="000000"/>
                   </a:outerShdw>
                 </a:effectLst>
               </a:rPr>
               <a:t>Body Level Two</a:t>
             </a:r>
-            <a:endParaRPr sz="3400">
-              <a:solidFill>
-                <a:srgbClr val="EBEBEB"/>
-              </a:solidFill>
-              <a:effectLst>
-                <a:outerShdw sx="100000" sy="100000" kx="0" ky="0" algn="b" rotWithShape="0" blurRad="50800" dist="25400" dir="5400000">
-                  <a:srgbClr val="000000"/>
-                </a:outerShdw>
-              </a:effectLst>
-            </a:endParaRPr>
           </a:p>
           <a:p>
             <a:pPr lvl="2">
@@ -1842,23 +1446,13 @@
                   <a:srgbClr val="EBEBEB"/>
                 </a:solidFill>
                 <a:effectLst>
-                  <a:outerShdw sx="100000" sy="100000" kx="0" ky="0" algn="b" rotWithShape="0" blurRad="50800" dist="25400" dir="5400000">
+                  <a:outerShdw blurRad="50800" dist="25400" dir="5400000" rotWithShape="0">
                     <a:srgbClr val="000000"/>
                   </a:outerShdw>
                 </a:effectLst>
               </a:rPr>
               <a:t>Body Level Three</a:t>
             </a:r>
-            <a:endParaRPr sz="3400">
-              <a:solidFill>
-                <a:srgbClr val="EBEBEB"/>
-              </a:solidFill>
-              <a:effectLst>
-                <a:outerShdw sx="100000" sy="100000" kx="0" ky="0" algn="b" rotWithShape="0" blurRad="50800" dist="25400" dir="5400000">
-                  <a:srgbClr val="000000"/>
-                </a:outerShdw>
-              </a:effectLst>
-            </a:endParaRPr>
           </a:p>
           <a:p>
             <a:pPr lvl="3">
@@ -1875,23 +1469,13 @@
                   <a:srgbClr val="EBEBEB"/>
                 </a:solidFill>
                 <a:effectLst>
-                  <a:outerShdw sx="100000" sy="100000" kx="0" ky="0" algn="b" rotWithShape="0" blurRad="50800" dist="25400" dir="5400000">
+                  <a:outerShdw blurRad="50800" dist="25400" dir="5400000" rotWithShape="0">
                     <a:srgbClr val="000000"/>
                   </a:outerShdw>
                 </a:effectLst>
               </a:rPr>
               <a:t>Body Level Four</a:t>
             </a:r>
-            <a:endParaRPr sz="3400">
-              <a:solidFill>
-                <a:srgbClr val="EBEBEB"/>
-              </a:solidFill>
-              <a:effectLst>
-                <a:outerShdw sx="100000" sy="100000" kx="0" ky="0" algn="b" rotWithShape="0" blurRad="50800" dist="25400" dir="5400000">
-                  <a:srgbClr val="000000"/>
-                </a:outerShdw>
-              </a:effectLst>
-            </a:endParaRPr>
           </a:p>
           <a:p>
             <a:pPr lvl="4">
@@ -1908,7 +1492,7 @@
                   <a:srgbClr val="EBEBEB"/>
                 </a:solidFill>
                 <a:effectLst>
-                  <a:outerShdw sx="100000" sy="100000" kx="0" ky="0" algn="b" rotWithShape="0" blurRad="50800" dist="25400" dir="5400000">
+                  <a:outerShdw blurRad="50800" dist="25400" dir="5400000" rotWithShape="0">
                     <a:srgbClr val="000000"/>
                   </a:outerShdw>
                 </a:effectLst>
@@ -1923,12 +1507,12 @@
   <p:clrMapOvr>
     <a:masterClrMapping/>
   </p:clrMapOvr>
-  <p:transition spd="med" advClick="1"/>
+  <p:transition xmlns:p14="http://schemas.microsoft.com/office/powerpoint/2010/main" spd="med"/>
 </p:sldLayout>
 </file>
 
-<file path=ppt/slideLayouts/slideLayout7.xml><?xml version="1.0" encoding="utf-8"?>
-<p:sldLayout xmlns:a="http://schemas.openxmlformats.org/drawingml/2006/main" xmlns:r="http://schemas.openxmlformats.org/officeDocument/2006/relationships" xmlns:p="http://schemas.openxmlformats.org/presentationml/2006/main" type="tx" showMasterSp="0" showMasterPhAnim="1">
+<file path=ppt/slideLayouts/slideLayout6.xml><?xml version="1.0" encoding="utf-8"?>
+<p:sldLayout xmlns:a="http://schemas.openxmlformats.org/drawingml/2006/main" xmlns:r="http://schemas.openxmlformats.org/officeDocument/2006/relationships" xmlns:p="http://schemas.openxmlformats.org/presentationml/2006/main" showMasterSp="0" type="tx">
   <p:cSld name="Title, Bullets &amp; Photo">
     <p:spTree>
       <p:nvGrpSpPr>
@@ -1947,7 +1531,9 @@
       <p:sp>
         <p:nvSpPr>
           <p:cNvPr id="23" name="Shape 23"/>
-          <p:cNvSpPr/>
+          <p:cNvSpPr>
+            <a:spLocks noGrp="1"/>
+          </p:cNvSpPr>
           <p:nvPr>
             <p:ph type="title"/>
           </p:nvPr>
@@ -1966,7 +1552,7 @@
           <a:lstStyle/>
           <a:p>
             <a:pPr lvl="0">
-              <a:defRPr b="0" sz="1800">
+              <a:defRPr sz="1800" b="0">
                 <a:solidFill>
                   <a:srgbClr val="000000"/>
                 </a:solidFill>
@@ -1974,12 +1560,12 @@
               </a:defRPr>
             </a:pPr>
             <a:r>
-              <a:rPr b="1" sz="6400">
+              <a:rPr sz="6400" b="1">
                 <a:solidFill>
                   <a:srgbClr val="FFFFFF"/>
                 </a:solidFill>
                 <a:effectLst>
-                  <a:outerShdw sx="100000" sy="100000" kx="0" ky="0" algn="b" rotWithShape="0" blurRad="50800" dist="25400" dir="5400000">
+                  <a:outerShdw blurRad="50800" dist="25400" dir="5400000" rotWithShape="0">
                     <a:srgbClr val="000000"/>
                   </a:outerShdw>
                 </a:effectLst>
@@ -1992,7 +1578,9 @@
       <p:sp>
         <p:nvSpPr>
           <p:cNvPr id="24" name="Shape 24"/>
-          <p:cNvSpPr/>
+          <p:cNvSpPr>
+            <a:spLocks noGrp="1"/>
+          </p:cNvSpPr>
           <p:nvPr>
             <p:ph type="body" idx="1"/>
           </p:nvPr>
@@ -2070,23 +1658,13 @@
                   <a:srgbClr val="EBEBEB"/>
                 </a:solidFill>
                 <a:effectLst>
-                  <a:outerShdw sx="100000" sy="100000" kx="0" ky="0" algn="b" rotWithShape="0" blurRad="50800" dist="25400" dir="5400000">
+                  <a:outerShdw blurRad="50800" dist="25400" dir="5400000" rotWithShape="0">
                     <a:srgbClr val="000000"/>
                   </a:outerShdw>
                 </a:effectLst>
               </a:rPr>
               <a:t>Body Level One</a:t>
             </a:r>
-            <a:endParaRPr sz="2800">
-              <a:solidFill>
-                <a:srgbClr val="EBEBEB"/>
-              </a:solidFill>
-              <a:effectLst>
-                <a:outerShdw sx="100000" sy="100000" kx="0" ky="0" algn="b" rotWithShape="0" blurRad="50800" dist="25400" dir="5400000">
-                  <a:srgbClr val="000000"/>
-                </a:outerShdw>
-              </a:effectLst>
-            </a:endParaRPr>
           </a:p>
           <a:p>
             <a:pPr lvl="1">
@@ -2103,23 +1681,13 @@
                   <a:srgbClr val="EBEBEB"/>
                 </a:solidFill>
                 <a:effectLst>
-                  <a:outerShdw sx="100000" sy="100000" kx="0" ky="0" algn="b" rotWithShape="0" blurRad="50800" dist="25400" dir="5400000">
+                  <a:outerShdw blurRad="50800" dist="25400" dir="5400000" rotWithShape="0">
                     <a:srgbClr val="000000"/>
                   </a:outerShdw>
                 </a:effectLst>
               </a:rPr>
               <a:t>Body Level Two</a:t>
             </a:r>
-            <a:endParaRPr sz="2800">
-              <a:solidFill>
-                <a:srgbClr val="EBEBEB"/>
-              </a:solidFill>
-              <a:effectLst>
-                <a:outerShdw sx="100000" sy="100000" kx="0" ky="0" algn="b" rotWithShape="0" blurRad="50800" dist="25400" dir="5400000">
-                  <a:srgbClr val="000000"/>
-                </a:outerShdw>
-              </a:effectLst>
-            </a:endParaRPr>
           </a:p>
           <a:p>
             <a:pPr lvl="2">
@@ -2136,23 +1704,13 @@
                   <a:srgbClr val="EBEBEB"/>
                 </a:solidFill>
                 <a:effectLst>
-                  <a:outerShdw sx="100000" sy="100000" kx="0" ky="0" algn="b" rotWithShape="0" blurRad="50800" dist="25400" dir="5400000">
+                  <a:outerShdw blurRad="50800" dist="25400" dir="5400000" rotWithShape="0">
                     <a:srgbClr val="000000"/>
                   </a:outerShdw>
                 </a:effectLst>
               </a:rPr>
               <a:t>Body Level Three</a:t>
             </a:r>
-            <a:endParaRPr sz="2800">
-              <a:solidFill>
-                <a:srgbClr val="EBEBEB"/>
-              </a:solidFill>
-              <a:effectLst>
-                <a:outerShdw sx="100000" sy="100000" kx="0" ky="0" algn="b" rotWithShape="0" blurRad="50800" dist="25400" dir="5400000">
-                  <a:srgbClr val="000000"/>
-                </a:outerShdw>
-              </a:effectLst>
-            </a:endParaRPr>
           </a:p>
           <a:p>
             <a:pPr lvl="3">
@@ -2169,23 +1727,13 @@
                   <a:srgbClr val="EBEBEB"/>
                 </a:solidFill>
                 <a:effectLst>
-                  <a:outerShdw sx="100000" sy="100000" kx="0" ky="0" algn="b" rotWithShape="0" blurRad="50800" dist="25400" dir="5400000">
+                  <a:outerShdw blurRad="50800" dist="25400" dir="5400000" rotWithShape="0">
                     <a:srgbClr val="000000"/>
                   </a:outerShdw>
                 </a:effectLst>
               </a:rPr>
               <a:t>Body Level Four</a:t>
             </a:r>
-            <a:endParaRPr sz="2800">
-              <a:solidFill>
-                <a:srgbClr val="EBEBEB"/>
-              </a:solidFill>
-              <a:effectLst>
-                <a:outerShdw sx="100000" sy="100000" kx="0" ky="0" algn="b" rotWithShape="0" blurRad="50800" dist="25400" dir="5400000">
-                  <a:srgbClr val="000000"/>
-                </a:outerShdw>
-              </a:effectLst>
-            </a:endParaRPr>
           </a:p>
           <a:p>
             <a:pPr lvl="4">
@@ -2202,7 +1750,7 @@
                   <a:srgbClr val="EBEBEB"/>
                 </a:solidFill>
                 <a:effectLst>
-                  <a:outerShdw sx="100000" sy="100000" kx="0" ky="0" algn="b" rotWithShape="0" blurRad="50800" dist="25400" dir="5400000">
+                  <a:outerShdw blurRad="50800" dist="25400" dir="5400000" rotWithShape="0">
                     <a:srgbClr val="000000"/>
                   </a:outerShdw>
                 </a:effectLst>
@@ -2217,12 +1765,12 @@
   <p:clrMapOvr>
     <a:masterClrMapping/>
   </p:clrMapOvr>
-  <p:transition spd="med" advClick="1"/>
+  <p:transition xmlns:p14="http://schemas.microsoft.com/office/powerpoint/2010/main" spd="med"/>
 </p:sldLayout>
 </file>
 
-<file path=ppt/slideLayouts/slideLayout8.xml><?xml version="1.0" encoding="utf-8"?>
-<p:sldLayout xmlns:a="http://schemas.openxmlformats.org/drawingml/2006/main" xmlns:r="http://schemas.openxmlformats.org/officeDocument/2006/relationships" xmlns:p="http://schemas.openxmlformats.org/presentationml/2006/main" type="tx" showMasterSp="0" showMasterPhAnim="1">
+<file path=ppt/slideLayouts/slideLayout7.xml><?xml version="1.0" encoding="utf-8"?>
+<p:sldLayout xmlns:a="http://schemas.openxmlformats.org/drawingml/2006/main" xmlns:r="http://schemas.openxmlformats.org/officeDocument/2006/relationships" xmlns:p="http://schemas.openxmlformats.org/presentationml/2006/main" showMasterSp="0" type="tx">
   <p:cSld name="Bullets">
     <p:spTree>
       <p:nvGrpSpPr>
@@ -2241,7 +1789,9 @@
       <p:sp>
         <p:nvSpPr>
           <p:cNvPr id="26" name="Shape 26"/>
-          <p:cNvSpPr/>
+          <p:cNvSpPr>
+            <a:spLocks noGrp="1"/>
+          </p:cNvSpPr>
           <p:nvPr>
             <p:ph type="body" idx="1"/>
           </p:nvPr>
@@ -2273,23 +1823,13 @@
                   <a:srgbClr val="EBEBEB"/>
                 </a:solidFill>
                 <a:effectLst>
-                  <a:outerShdw sx="100000" sy="100000" kx="0" ky="0" algn="b" rotWithShape="0" blurRad="50800" dist="25400" dir="5400000">
+                  <a:outerShdw blurRad="50800" dist="25400" dir="5400000" rotWithShape="0">
                     <a:srgbClr val="000000"/>
                   </a:outerShdw>
                 </a:effectLst>
               </a:rPr>
               <a:t>Body Level One</a:t>
             </a:r>
-            <a:endParaRPr sz="3400">
-              <a:solidFill>
-                <a:srgbClr val="EBEBEB"/>
-              </a:solidFill>
-              <a:effectLst>
-                <a:outerShdw sx="100000" sy="100000" kx="0" ky="0" algn="b" rotWithShape="0" blurRad="50800" dist="25400" dir="5400000">
-                  <a:srgbClr val="000000"/>
-                </a:outerShdw>
-              </a:effectLst>
-            </a:endParaRPr>
           </a:p>
           <a:p>
             <a:pPr lvl="1">
@@ -2306,23 +1846,13 @@
                   <a:srgbClr val="EBEBEB"/>
                 </a:solidFill>
                 <a:effectLst>
-                  <a:outerShdw sx="100000" sy="100000" kx="0" ky="0" algn="b" rotWithShape="0" blurRad="50800" dist="25400" dir="5400000">
+                  <a:outerShdw blurRad="50800" dist="25400" dir="5400000" rotWithShape="0">
                     <a:srgbClr val="000000"/>
                   </a:outerShdw>
                 </a:effectLst>
               </a:rPr>
               <a:t>Body Level Two</a:t>
             </a:r>
-            <a:endParaRPr sz="3400">
-              <a:solidFill>
-                <a:srgbClr val="EBEBEB"/>
-              </a:solidFill>
-              <a:effectLst>
-                <a:outerShdw sx="100000" sy="100000" kx="0" ky="0" algn="b" rotWithShape="0" blurRad="50800" dist="25400" dir="5400000">
-                  <a:srgbClr val="000000"/>
-                </a:outerShdw>
-              </a:effectLst>
-            </a:endParaRPr>
           </a:p>
           <a:p>
             <a:pPr lvl="2">
@@ -2339,23 +1869,13 @@
                   <a:srgbClr val="EBEBEB"/>
                 </a:solidFill>
                 <a:effectLst>
-                  <a:outerShdw sx="100000" sy="100000" kx="0" ky="0" algn="b" rotWithShape="0" blurRad="50800" dist="25400" dir="5400000">
+                  <a:outerShdw blurRad="50800" dist="25400" dir="5400000" rotWithShape="0">
                     <a:srgbClr val="000000"/>
                   </a:outerShdw>
                 </a:effectLst>
               </a:rPr>
               <a:t>Body Level Three</a:t>
             </a:r>
-            <a:endParaRPr sz="3400">
-              <a:solidFill>
-                <a:srgbClr val="EBEBEB"/>
-              </a:solidFill>
-              <a:effectLst>
-                <a:outerShdw sx="100000" sy="100000" kx="0" ky="0" algn="b" rotWithShape="0" blurRad="50800" dist="25400" dir="5400000">
-                  <a:srgbClr val="000000"/>
-                </a:outerShdw>
-              </a:effectLst>
-            </a:endParaRPr>
           </a:p>
           <a:p>
             <a:pPr lvl="3">
@@ -2372,23 +1892,13 @@
                   <a:srgbClr val="EBEBEB"/>
                 </a:solidFill>
                 <a:effectLst>
-                  <a:outerShdw sx="100000" sy="100000" kx="0" ky="0" algn="b" rotWithShape="0" blurRad="50800" dist="25400" dir="5400000">
+                  <a:outerShdw blurRad="50800" dist="25400" dir="5400000" rotWithShape="0">
                     <a:srgbClr val="000000"/>
                   </a:outerShdw>
                 </a:effectLst>
               </a:rPr>
               <a:t>Body Level Four</a:t>
             </a:r>
-            <a:endParaRPr sz="3400">
-              <a:solidFill>
-                <a:srgbClr val="EBEBEB"/>
-              </a:solidFill>
-              <a:effectLst>
-                <a:outerShdw sx="100000" sy="100000" kx="0" ky="0" algn="b" rotWithShape="0" blurRad="50800" dist="25400" dir="5400000">
-                  <a:srgbClr val="000000"/>
-                </a:outerShdw>
-              </a:effectLst>
-            </a:endParaRPr>
           </a:p>
           <a:p>
             <a:pPr lvl="4">
@@ -2405,7 +1915,7 @@
                   <a:srgbClr val="EBEBEB"/>
                 </a:solidFill>
                 <a:effectLst>
-                  <a:outerShdw sx="100000" sy="100000" kx="0" ky="0" algn="b" rotWithShape="0" blurRad="50800" dist="25400" dir="5400000">
+                  <a:outerShdw blurRad="50800" dist="25400" dir="5400000" rotWithShape="0">
                     <a:srgbClr val="000000"/>
                   </a:outerShdw>
                 </a:effectLst>
@@ -2420,12 +1930,12 @@
   <p:clrMapOvr>
     <a:masterClrMapping/>
   </p:clrMapOvr>
-  <p:transition spd="med" advClick="1"/>
+  <p:transition xmlns:p14="http://schemas.microsoft.com/office/powerpoint/2010/main" spd="med"/>
 </p:sldLayout>
 </file>
 
-<file path=ppt/slideLayouts/slideLayout9.xml><?xml version="1.0" encoding="utf-8"?>
-<p:sldLayout xmlns:a="http://schemas.openxmlformats.org/drawingml/2006/main" xmlns:r="http://schemas.openxmlformats.org/officeDocument/2006/relationships" xmlns:p="http://schemas.openxmlformats.org/presentationml/2006/main" type="tx" showMasterSp="0" showMasterPhAnim="1">
+<file path=ppt/slideLayouts/slideLayout8.xml><?xml version="1.0" encoding="utf-8"?>
+<p:sldLayout xmlns:a="http://schemas.openxmlformats.org/drawingml/2006/main" xmlns:r="http://schemas.openxmlformats.org/officeDocument/2006/relationships" xmlns:p="http://schemas.openxmlformats.org/presentationml/2006/main" showMasterSp="0" type="tx">
   <p:cSld name="Photo - 3 Up">
     <p:spTree>
       <p:nvGrpSpPr>
@@ -2446,7 +1956,33 @@
   <p:clrMapOvr>
     <a:masterClrMapping/>
   </p:clrMapOvr>
-  <p:transition spd="med" advClick="1"/>
+  <p:transition xmlns:p14="http://schemas.microsoft.com/office/powerpoint/2010/main" spd="med"/>
+</p:sldLayout>
+</file>
+
+<file path=ppt/slideLayouts/slideLayout9.xml><?xml version="1.0" encoding="utf-8"?>
+<p:sldLayout xmlns:a="http://schemas.openxmlformats.org/drawingml/2006/main" xmlns:r="http://schemas.openxmlformats.org/officeDocument/2006/relationships" xmlns:p="http://schemas.openxmlformats.org/presentationml/2006/main" showMasterSp="0" type="tx">
+  <p:cSld name="Quote">
+    <p:spTree>
+      <p:nvGrpSpPr>
+        <p:cNvPr id="1" name=""/>
+        <p:cNvGrpSpPr/>
+        <p:nvPr/>
+      </p:nvGrpSpPr>
+      <p:grpSpPr>
+        <a:xfrm>
+          <a:off x="0" y="0"/>
+          <a:ext cx="0" cy="0"/>
+          <a:chOff x="0" y="0"/>
+          <a:chExt cx="0" cy="0"/>
+        </a:xfrm>
+      </p:grpSpPr>
+    </p:spTree>
+  </p:cSld>
+  <p:clrMapOvr>
+    <a:masterClrMapping/>
+  </p:clrMapOvr>
+  <p:transition xmlns:p14="http://schemas.microsoft.com/office/powerpoint/2010/main" spd="med"/>
 </p:sldLayout>
 </file>
 
@@ -2456,12 +1992,13 @@
     <p:bg>
       <p:bgPr>
         <a:blipFill rotWithShape="1">
-          <a:blip r:embed="rId2"/>
-          <a:srcRect l="0" t="0" r="0" b="0"/>
+          <a:blip r:embed="rId13"/>
+          <a:srcRect/>
           <a:stretch>
             <a:fillRect/>
           </a:stretch>
         </a:blipFill>
+        <a:effectLst/>
       </p:bgPr>
     </p:bg>
     <p:spTree>
@@ -2485,7 +2022,7 @@
           <p:nvPr/>
         </p:nvPicPr>
         <p:blipFill>
-          <a:blip r:embed="rId3">
+          <a:blip r:embed="rId14">
             <a:extLst/>
           </a:blip>
           <a:stretch>
@@ -2508,7 +2045,9 @@
       <p:sp>
         <p:nvSpPr>
           <p:cNvPr id="3" name="Shape 3"/>
-          <p:cNvSpPr/>
+          <p:cNvSpPr>
+            <a:spLocks noGrp="1"/>
+          </p:cNvSpPr>
           <p:nvPr>
             <p:ph type="title"/>
           </p:nvPr>
@@ -2532,12 +2071,12 @@
         </p:spPr>
         <p:txBody>
           <a:bodyPr lIns="0" tIns="0" rIns="0" bIns="0" anchor="ctr">
-            <a:normAutofit fontScale="100000" lnSpcReduction="0"/>
+            <a:normAutofit/>
           </a:bodyPr>
           <a:lstStyle/>
           <a:p>
             <a:pPr lvl="0">
-              <a:defRPr b="0" sz="1800">
+              <a:defRPr sz="1800" b="0">
                 <a:solidFill>
                   <a:srgbClr val="000000"/>
                 </a:solidFill>
@@ -2545,12 +2084,12 @@
               </a:defRPr>
             </a:pPr>
             <a:r>
-              <a:rPr b="1" sz="6400">
+              <a:rPr sz="6400" b="1">
                 <a:solidFill>
                   <a:srgbClr val="FFFFFF"/>
                 </a:solidFill>
                 <a:effectLst>
-                  <a:outerShdw sx="100000" sy="100000" kx="0" ky="0" algn="b" rotWithShape="0" blurRad="50800" dist="25400" dir="5400000">
+                  <a:outerShdw blurRad="50800" dist="25400" dir="5400000" rotWithShape="0">
                     <a:srgbClr val="000000"/>
                   </a:outerShdw>
                 </a:effectLst>
@@ -2563,7 +2102,9 @@
       <p:sp>
         <p:nvSpPr>
           <p:cNvPr id="4" name="Shape 4"/>
-          <p:cNvSpPr/>
+          <p:cNvSpPr>
+            <a:spLocks noGrp="1"/>
+          </p:cNvSpPr>
           <p:nvPr>
             <p:ph type="body" idx="1"/>
           </p:nvPr>
@@ -2587,7 +2128,7 @@
         </p:spPr>
         <p:txBody>
           <a:bodyPr lIns="0" tIns="0" rIns="0" bIns="0" anchor="ctr">
-            <a:normAutofit fontScale="100000" lnSpcReduction="0"/>
+            <a:normAutofit/>
           </a:bodyPr>
           <a:lstStyle/>
           <a:p>
@@ -2605,23 +2146,13 @@
                   <a:srgbClr val="EBEBEB"/>
                 </a:solidFill>
                 <a:effectLst>
-                  <a:outerShdw sx="100000" sy="100000" kx="0" ky="0" algn="b" rotWithShape="0" blurRad="50800" dist="25400" dir="5400000">
+                  <a:outerShdw blurRad="50800" dist="25400" dir="5400000" rotWithShape="0">
                     <a:srgbClr val="000000"/>
                   </a:outerShdw>
                 </a:effectLst>
               </a:rPr>
               <a:t>Body Level One</a:t>
             </a:r>
-            <a:endParaRPr sz="3400">
-              <a:solidFill>
-                <a:srgbClr val="EBEBEB"/>
-              </a:solidFill>
-              <a:effectLst>
-                <a:outerShdw sx="100000" sy="100000" kx="0" ky="0" algn="b" rotWithShape="0" blurRad="50800" dist="25400" dir="5400000">
-                  <a:srgbClr val="000000"/>
-                </a:outerShdw>
-              </a:effectLst>
-            </a:endParaRPr>
           </a:p>
           <a:p>
             <a:pPr lvl="1">
@@ -2638,23 +2169,13 @@
                   <a:srgbClr val="EBEBEB"/>
                 </a:solidFill>
                 <a:effectLst>
-                  <a:outerShdw sx="100000" sy="100000" kx="0" ky="0" algn="b" rotWithShape="0" blurRad="50800" dist="25400" dir="5400000">
+                  <a:outerShdw blurRad="50800" dist="25400" dir="5400000" rotWithShape="0">
                     <a:srgbClr val="000000"/>
                   </a:outerShdw>
                 </a:effectLst>
               </a:rPr>
               <a:t>Body Level Two</a:t>
             </a:r>
-            <a:endParaRPr sz="3400">
-              <a:solidFill>
-                <a:srgbClr val="EBEBEB"/>
-              </a:solidFill>
-              <a:effectLst>
-                <a:outerShdw sx="100000" sy="100000" kx="0" ky="0" algn="b" rotWithShape="0" blurRad="50800" dist="25400" dir="5400000">
-                  <a:srgbClr val="000000"/>
-                </a:outerShdw>
-              </a:effectLst>
-            </a:endParaRPr>
           </a:p>
           <a:p>
             <a:pPr lvl="2">
@@ -2671,23 +2192,13 @@
                   <a:srgbClr val="EBEBEB"/>
                 </a:solidFill>
                 <a:effectLst>
-                  <a:outerShdw sx="100000" sy="100000" kx="0" ky="0" algn="b" rotWithShape="0" blurRad="50800" dist="25400" dir="5400000">
+                  <a:outerShdw blurRad="50800" dist="25400" dir="5400000" rotWithShape="0">
                     <a:srgbClr val="000000"/>
                   </a:outerShdw>
                 </a:effectLst>
               </a:rPr>
               <a:t>Body Level Three</a:t>
             </a:r>
-            <a:endParaRPr sz="3400">
-              <a:solidFill>
-                <a:srgbClr val="EBEBEB"/>
-              </a:solidFill>
-              <a:effectLst>
-                <a:outerShdw sx="100000" sy="100000" kx="0" ky="0" algn="b" rotWithShape="0" blurRad="50800" dist="25400" dir="5400000">
-                  <a:srgbClr val="000000"/>
-                </a:outerShdw>
-              </a:effectLst>
-            </a:endParaRPr>
           </a:p>
           <a:p>
             <a:pPr lvl="3">
@@ -2704,23 +2215,13 @@
                   <a:srgbClr val="EBEBEB"/>
                 </a:solidFill>
                 <a:effectLst>
-                  <a:outerShdw sx="100000" sy="100000" kx="0" ky="0" algn="b" rotWithShape="0" blurRad="50800" dist="25400" dir="5400000">
+                  <a:outerShdw blurRad="50800" dist="25400" dir="5400000" rotWithShape="0">
                     <a:srgbClr val="000000"/>
                   </a:outerShdw>
                 </a:effectLst>
               </a:rPr>
               <a:t>Body Level Four</a:t>
             </a:r>
-            <a:endParaRPr sz="3400">
-              <a:solidFill>
-                <a:srgbClr val="EBEBEB"/>
-              </a:solidFill>
-              <a:effectLst>
-                <a:outerShdw sx="100000" sy="100000" kx="0" ky="0" algn="b" rotWithShape="0" blurRad="50800" dist="25400" dir="5400000">
-                  <a:srgbClr val="000000"/>
-                </a:outerShdw>
-              </a:effectLst>
-            </a:endParaRPr>
           </a:p>
           <a:p>
             <a:pPr lvl="4">
@@ -2737,7 +2238,7 @@
                   <a:srgbClr val="EBEBEB"/>
                 </a:solidFill>
                 <a:effectLst>
-                  <a:outerShdw sx="100000" sy="100000" kx="0" ky="0" algn="b" rotWithShape="0" blurRad="50800" dist="25400" dir="5400000">
+                  <a:outerShdw blurRad="50800" dist="25400" dir="5400000" rotWithShape="0">
                     <a:srgbClr val="000000"/>
                   </a:outerShdw>
                 </a:effectLst>
@@ -2751,29 +2252,28 @@
   </p:cSld>
   <p:clrMap bg1="dk1" tx1="lt1" bg2="dk2" tx2="lt2" accent1="accent1" accent2="accent2" accent3="accent3" accent4="accent4" accent5="accent5" accent6="accent6" hlink="hlink" folHlink="folHlink"/>
   <p:sldLayoutIdLst>
-    <p:sldLayoutId id="2147483649" r:id="rId4"/>
-    <p:sldLayoutId id="2147483650" r:id="rId5"/>
-    <p:sldLayoutId id="2147483651" r:id="rId6"/>
-    <p:sldLayoutId id="2147483652" r:id="rId7"/>
-    <p:sldLayoutId id="2147483653" r:id="rId8"/>
-    <p:sldLayoutId id="2147483654" r:id="rId9"/>
-    <p:sldLayoutId id="2147483655" r:id="rId10"/>
-    <p:sldLayoutId id="2147483656" r:id="rId11"/>
-    <p:sldLayoutId id="2147483657" r:id="rId12"/>
-    <p:sldLayoutId id="2147483658" r:id="rId13"/>
-    <p:sldLayoutId id="2147483659" r:id="rId14"/>
-    <p:sldLayoutId id="2147483660" r:id="rId15"/>
+    <p:sldLayoutId id="2147483649" r:id="rId1"/>
+    <p:sldLayoutId id="2147483651" r:id="rId2"/>
+    <p:sldLayoutId id="2147483652" r:id="rId3"/>
+    <p:sldLayoutId id="2147483653" r:id="rId4"/>
+    <p:sldLayoutId id="2147483654" r:id="rId5"/>
+    <p:sldLayoutId id="2147483655" r:id="rId6"/>
+    <p:sldLayoutId id="2147483656" r:id="rId7"/>
+    <p:sldLayoutId id="2147483657" r:id="rId8"/>
+    <p:sldLayoutId id="2147483658" r:id="rId9"/>
+    <p:sldLayoutId id="2147483659" r:id="rId10"/>
+    <p:sldLayoutId id="2147483660" r:id="rId11"/>
   </p:sldLayoutIdLst>
-  <p:transition spd="med" advClick="1"/>
+  <p:transition xmlns:p14="http://schemas.microsoft.com/office/powerpoint/2010/main" spd="med"/>
   <p:txStyles>
     <p:titleStyle>
       <a:lvl1pPr algn="ctr" defTabSz="584200">
-        <a:defRPr b="1" sz="6400">
+        <a:defRPr sz="6400" b="1">
           <a:solidFill>
             <a:srgbClr val="FFFFFF"/>
           </a:solidFill>
           <a:effectLst>
-            <a:outerShdw sx="100000" sy="100000" kx="0" ky="0" algn="b" rotWithShape="0" blurRad="50800" dist="25400" dir="5400000">
+            <a:outerShdw blurRad="50800" dist="25400" dir="5400000" rotWithShape="0">
               <a:srgbClr val="000000"/>
             </a:outerShdw>
           </a:effectLst>
@@ -2784,12 +2284,12 @@
         </a:defRPr>
       </a:lvl1pPr>
       <a:lvl2pPr algn="ctr" defTabSz="584200">
-        <a:defRPr b="1" sz="6400">
+        <a:defRPr sz="6400" b="1">
           <a:solidFill>
             <a:srgbClr val="FFFFFF"/>
           </a:solidFill>
           <a:effectLst>
-            <a:outerShdw sx="100000" sy="100000" kx="0" ky="0" algn="b" rotWithShape="0" blurRad="50800" dist="25400" dir="5400000">
+            <a:outerShdw blurRad="50800" dist="25400" dir="5400000" rotWithShape="0">
               <a:srgbClr val="000000"/>
             </a:outerShdw>
           </a:effectLst>
@@ -2800,12 +2300,12 @@
         </a:defRPr>
       </a:lvl2pPr>
       <a:lvl3pPr algn="ctr" defTabSz="584200">
-        <a:defRPr b="1" sz="6400">
+        <a:defRPr sz="6400" b="1">
           <a:solidFill>
             <a:srgbClr val="FFFFFF"/>
           </a:solidFill>
           <a:effectLst>
-            <a:outerShdw sx="100000" sy="100000" kx="0" ky="0" algn="b" rotWithShape="0" blurRad="50800" dist="25400" dir="5400000">
+            <a:outerShdw blurRad="50800" dist="25400" dir="5400000" rotWithShape="0">
               <a:srgbClr val="000000"/>
             </a:outerShdw>
           </a:effectLst>
@@ -2816,12 +2316,12 @@
         </a:defRPr>
       </a:lvl3pPr>
       <a:lvl4pPr algn="ctr" defTabSz="584200">
-        <a:defRPr b="1" sz="6400">
+        <a:defRPr sz="6400" b="1">
           <a:solidFill>
             <a:srgbClr val="FFFFFF"/>
           </a:solidFill>
           <a:effectLst>
-            <a:outerShdw sx="100000" sy="100000" kx="0" ky="0" algn="b" rotWithShape="0" blurRad="50800" dist="25400" dir="5400000">
+            <a:outerShdw blurRad="50800" dist="25400" dir="5400000" rotWithShape="0">
               <a:srgbClr val="000000"/>
             </a:outerShdw>
           </a:effectLst>
@@ -2832,12 +2332,12 @@
         </a:defRPr>
       </a:lvl4pPr>
       <a:lvl5pPr algn="ctr" defTabSz="584200">
-        <a:defRPr b="1" sz="6400">
+        <a:defRPr sz="6400" b="1">
           <a:solidFill>
             <a:srgbClr val="FFFFFF"/>
           </a:solidFill>
           <a:effectLst>
-            <a:outerShdw sx="100000" sy="100000" kx="0" ky="0" algn="b" rotWithShape="0" blurRad="50800" dist="25400" dir="5400000">
+            <a:outerShdw blurRad="50800" dist="25400" dir="5400000" rotWithShape="0">
               <a:srgbClr val="000000"/>
             </a:outerShdw>
           </a:effectLst>
@@ -2848,12 +2348,12 @@
         </a:defRPr>
       </a:lvl5pPr>
       <a:lvl6pPr algn="ctr" defTabSz="584200">
-        <a:defRPr b="1" sz="6400">
+        <a:defRPr sz="6400" b="1">
           <a:solidFill>
             <a:srgbClr val="FFFFFF"/>
           </a:solidFill>
           <a:effectLst>
-            <a:outerShdw sx="100000" sy="100000" kx="0" ky="0" algn="b" rotWithShape="0" blurRad="50800" dist="25400" dir="5400000">
+            <a:outerShdw blurRad="50800" dist="25400" dir="5400000" rotWithShape="0">
               <a:srgbClr val="000000"/>
             </a:outerShdw>
           </a:effectLst>
@@ -2864,12 +2364,12 @@
         </a:defRPr>
       </a:lvl6pPr>
       <a:lvl7pPr algn="ctr" defTabSz="584200">
-        <a:defRPr b="1" sz="6400">
+        <a:defRPr sz="6400" b="1">
           <a:solidFill>
             <a:srgbClr val="FFFFFF"/>
           </a:solidFill>
           <a:effectLst>
-            <a:outerShdw sx="100000" sy="100000" kx="0" ky="0" algn="b" rotWithShape="0" blurRad="50800" dist="25400" dir="5400000">
+            <a:outerShdw blurRad="50800" dist="25400" dir="5400000" rotWithShape="0">
               <a:srgbClr val="000000"/>
             </a:outerShdw>
           </a:effectLst>
@@ -2880,12 +2380,12 @@
         </a:defRPr>
       </a:lvl7pPr>
       <a:lvl8pPr algn="ctr" defTabSz="584200">
-        <a:defRPr b="1" sz="6400">
+        <a:defRPr sz="6400" b="1">
           <a:solidFill>
             <a:srgbClr val="FFFFFF"/>
           </a:solidFill>
           <a:effectLst>
-            <a:outerShdw sx="100000" sy="100000" kx="0" ky="0" algn="b" rotWithShape="0" blurRad="50800" dist="25400" dir="5400000">
+            <a:outerShdw blurRad="50800" dist="25400" dir="5400000" rotWithShape="0">
               <a:srgbClr val="000000"/>
             </a:outerShdw>
           </a:effectLst>
@@ -2896,12 +2396,12 @@
         </a:defRPr>
       </a:lvl8pPr>
       <a:lvl9pPr algn="ctr" defTabSz="584200">
-        <a:defRPr b="1" sz="6400">
+        <a:defRPr sz="6400" b="1">
           <a:solidFill>
             <a:srgbClr val="FFFFFF"/>
           </a:solidFill>
           <a:effectLst>
-            <a:outerShdw sx="100000" sy="100000" kx="0" ky="0" algn="b" rotWithShape="0" blurRad="50800" dist="25400" dir="5400000">
+            <a:outerShdw blurRad="50800" dist="25400" dir="5400000" rotWithShape="0">
               <a:srgbClr val="000000"/>
             </a:outerShdw>
           </a:effectLst>
@@ -2924,7 +2424,7 @@
             <a:srgbClr val="EBEBEB"/>
           </a:solidFill>
           <a:effectLst>
-            <a:outerShdw sx="100000" sy="100000" kx="0" ky="0" algn="b" rotWithShape="0" blurRad="50800" dist="25400" dir="5400000">
+            <a:outerShdw blurRad="50800" dist="25400" dir="5400000" rotWithShape="0">
               <a:srgbClr val="000000"/>
             </a:outerShdw>
           </a:effectLst>
@@ -2945,7 +2445,7 @@
             <a:srgbClr val="EBEBEB"/>
           </a:solidFill>
           <a:effectLst>
-            <a:outerShdw sx="100000" sy="100000" kx="0" ky="0" algn="b" rotWithShape="0" blurRad="50800" dist="25400" dir="5400000">
+            <a:outerShdw blurRad="50800" dist="25400" dir="5400000" rotWithShape="0">
               <a:srgbClr val="000000"/>
             </a:outerShdw>
           </a:effectLst>
@@ -2966,7 +2466,7 @@
             <a:srgbClr val="EBEBEB"/>
           </a:solidFill>
           <a:effectLst>
-            <a:outerShdw sx="100000" sy="100000" kx="0" ky="0" algn="b" rotWithShape="0" blurRad="50800" dist="25400" dir="5400000">
+            <a:outerShdw blurRad="50800" dist="25400" dir="5400000" rotWithShape="0">
               <a:srgbClr val="000000"/>
             </a:outerShdw>
           </a:effectLst>
@@ -2987,7 +2487,7 @@
             <a:srgbClr val="EBEBEB"/>
           </a:solidFill>
           <a:effectLst>
-            <a:outerShdw sx="100000" sy="100000" kx="0" ky="0" algn="b" rotWithShape="0" blurRad="50800" dist="25400" dir="5400000">
+            <a:outerShdw blurRad="50800" dist="25400" dir="5400000" rotWithShape="0">
               <a:srgbClr val="000000"/>
             </a:outerShdw>
           </a:effectLst>
@@ -3008,7 +2508,7 @@
             <a:srgbClr val="EBEBEB"/>
           </a:solidFill>
           <a:effectLst>
-            <a:outerShdw sx="100000" sy="100000" kx="0" ky="0" algn="b" rotWithShape="0" blurRad="50800" dist="25400" dir="5400000">
+            <a:outerShdw blurRad="50800" dist="25400" dir="5400000" rotWithShape="0">
               <a:srgbClr val="000000"/>
             </a:outerShdw>
           </a:effectLst>
@@ -3029,7 +2529,7 @@
             <a:srgbClr val="EBEBEB"/>
           </a:solidFill>
           <a:effectLst>
-            <a:outerShdw sx="100000" sy="100000" kx="0" ky="0" algn="b" rotWithShape="0" blurRad="50800" dist="25400" dir="5400000">
+            <a:outerShdw blurRad="50800" dist="25400" dir="5400000" rotWithShape="0">
               <a:srgbClr val="000000"/>
             </a:outerShdw>
           </a:effectLst>
@@ -3050,7 +2550,7 @@
             <a:srgbClr val="EBEBEB"/>
           </a:solidFill>
           <a:effectLst>
-            <a:outerShdw sx="100000" sy="100000" kx="0" ky="0" algn="b" rotWithShape="0" blurRad="50800" dist="25400" dir="5400000">
+            <a:outerShdw blurRad="50800" dist="25400" dir="5400000" rotWithShape="0">
               <a:srgbClr val="000000"/>
             </a:outerShdw>
           </a:effectLst>
@@ -3071,7 +2571,7 @@
             <a:srgbClr val="EBEBEB"/>
           </a:solidFill>
           <a:effectLst>
-            <a:outerShdw sx="100000" sy="100000" kx="0" ky="0" algn="b" rotWithShape="0" blurRad="50800" dist="25400" dir="5400000">
+            <a:outerShdw blurRad="50800" dist="25400" dir="5400000" rotWithShape="0">
               <a:srgbClr val="000000"/>
             </a:outerShdw>
           </a:effectLst>
@@ -3092,7 +2592,7 @@
             <a:srgbClr val="EBEBEB"/>
           </a:solidFill>
           <a:effectLst>
-            <a:outerShdw sx="100000" sy="100000" kx="0" ky="0" algn="b" rotWithShape="0" blurRad="50800" dist="25400" dir="5400000">
+            <a:outerShdw blurRad="50800" dist="25400" dir="5400000" rotWithShape="0">
               <a:srgbClr val="000000"/>
             </a:outerShdw>
           </a:effectLst>
@@ -3110,7 +2610,7 @@
             <a:schemeClr val="tx1"/>
           </a:solidFill>
           <a:effectLst>
-            <a:outerShdw sx="100000" sy="100000" kx="0" ky="0" algn="b" rotWithShape="0" blurRad="50800" dist="25400" dir="5400000">
+            <a:outerShdw blurRad="50800" dist="25400" dir="5400000" rotWithShape="0">
               <a:srgbClr val="000000"/>
             </a:outerShdw>
           </a:effectLst>
@@ -3126,7 +2626,7 @@
             <a:schemeClr val="tx1"/>
           </a:solidFill>
           <a:effectLst>
-            <a:outerShdw sx="100000" sy="100000" kx="0" ky="0" algn="b" rotWithShape="0" blurRad="50800" dist="25400" dir="5400000">
+            <a:outerShdw blurRad="50800" dist="25400" dir="5400000" rotWithShape="0">
               <a:srgbClr val="000000"/>
             </a:outerShdw>
           </a:effectLst>
@@ -3142,7 +2642,7 @@
             <a:schemeClr val="tx1"/>
           </a:solidFill>
           <a:effectLst>
-            <a:outerShdw sx="100000" sy="100000" kx="0" ky="0" algn="b" rotWithShape="0" blurRad="50800" dist="25400" dir="5400000">
+            <a:outerShdw blurRad="50800" dist="25400" dir="5400000" rotWithShape="0">
               <a:srgbClr val="000000"/>
             </a:outerShdw>
           </a:effectLst>
@@ -3158,7 +2658,7 @@
             <a:schemeClr val="tx1"/>
           </a:solidFill>
           <a:effectLst>
-            <a:outerShdw sx="100000" sy="100000" kx="0" ky="0" algn="b" rotWithShape="0" blurRad="50800" dist="25400" dir="5400000">
+            <a:outerShdw blurRad="50800" dist="25400" dir="5400000" rotWithShape="0">
               <a:srgbClr val="000000"/>
             </a:outerShdw>
           </a:effectLst>
@@ -3174,7 +2674,7 @@
             <a:schemeClr val="tx1"/>
           </a:solidFill>
           <a:effectLst>
-            <a:outerShdw sx="100000" sy="100000" kx="0" ky="0" algn="b" rotWithShape="0" blurRad="50800" dist="25400" dir="5400000">
+            <a:outerShdw blurRad="50800" dist="25400" dir="5400000" rotWithShape="0">
               <a:srgbClr val="000000"/>
             </a:outerShdw>
           </a:effectLst>
@@ -3190,7 +2690,7 @@
             <a:schemeClr val="tx1"/>
           </a:solidFill>
           <a:effectLst>
-            <a:outerShdw sx="100000" sy="100000" kx="0" ky="0" algn="b" rotWithShape="0" blurRad="50800" dist="25400" dir="5400000">
+            <a:outerShdw blurRad="50800" dist="25400" dir="5400000" rotWithShape="0">
               <a:srgbClr val="000000"/>
             </a:outerShdw>
           </a:effectLst>
@@ -3206,7 +2706,7 @@
             <a:schemeClr val="tx1"/>
           </a:solidFill>
           <a:effectLst>
-            <a:outerShdw sx="100000" sy="100000" kx="0" ky="0" algn="b" rotWithShape="0" blurRad="50800" dist="25400" dir="5400000">
+            <a:outerShdw blurRad="50800" dist="25400" dir="5400000" rotWithShape="0">
               <a:srgbClr val="000000"/>
             </a:outerShdw>
           </a:effectLst>
@@ -3222,7 +2722,7 @@
             <a:schemeClr val="tx1"/>
           </a:solidFill>
           <a:effectLst>
-            <a:outerShdw sx="100000" sy="100000" kx="0" ky="0" algn="b" rotWithShape="0" blurRad="50800" dist="25400" dir="5400000">
+            <a:outerShdw blurRad="50800" dist="25400" dir="5400000" rotWithShape="0">
               <a:srgbClr val="000000"/>
             </a:outerShdw>
           </a:effectLst>
@@ -3238,7 +2738,7 @@
             <a:schemeClr val="tx1"/>
           </a:solidFill>
           <a:effectLst>
-            <a:outerShdw sx="100000" sy="100000" kx="0" ky="0" algn="b" rotWithShape="0" blurRad="50800" dist="25400" dir="5400000">
+            <a:outerShdw blurRad="50800" dist="25400" dir="5400000" rotWithShape="0">
               <a:srgbClr val="000000"/>
             </a:outerShdw>
           </a:effectLst>
@@ -3254,7 +2754,7 @@
 </file>
 
 <file path=ppt/slides/slide1.xml><?xml version="1.0" encoding="utf-8"?>
-<p:sld xmlns:a="http://schemas.openxmlformats.org/drawingml/2006/main" xmlns:r="http://schemas.openxmlformats.org/officeDocument/2006/relationships" xmlns:p="http://schemas.openxmlformats.org/presentationml/2006/main" showMasterSp="1" showMasterPhAnim="1">
+<p:sld xmlns:a="http://schemas.openxmlformats.org/drawingml/2006/main" xmlns:r="http://schemas.openxmlformats.org/officeDocument/2006/relationships" xmlns:p="http://schemas.openxmlformats.org/presentationml/2006/main">
   <p:cSld>
     <p:spTree>
       <p:nvGrpSpPr>
@@ -3273,7 +2773,9 @@
       <p:sp>
         <p:nvSpPr>
           <p:cNvPr id="34" name="Shape 34"/>
-          <p:cNvSpPr/>
+          <p:cNvSpPr>
+            <a:spLocks noGrp="1"/>
+          </p:cNvSpPr>
           <p:nvPr>
             <p:ph type="title"/>
           </p:nvPr>
@@ -3293,7 +2795,7 @@
             <a:lvl1pPr defTabSz="479044">
               <a:defRPr sz="3900">
                 <a:effectLst>
-                  <a:outerShdw sx="100000" sy="100000" kx="0" ky="0" algn="b" rotWithShape="0" blurRad="38100" dist="20828" dir="5400000">
+                  <a:outerShdw blurRad="38100" dist="20828" dir="5400000" rotWithShape="0">
                     <a:srgbClr val="000000"/>
                   </a:outerShdw>
                 </a:effectLst>
@@ -3302,7 +2804,7 @@
           </a:lstStyle>
           <a:p>
             <a:pPr lvl="0">
-              <a:defRPr b="0" sz="1800">
+              <a:defRPr sz="1800" b="0">
                 <a:solidFill>
                   <a:srgbClr val="000000"/>
                 </a:solidFill>
@@ -3310,12 +2812,12 @@
               </a:defRPr>
             </a:pPr>
             <a:r>
-              <a:rPr b="1" sz="3900">
+              <a:rPr sz="3900" b="1">
                 <a:solidFill>
                   <a:srgbClr val="FFFFFF"/>
                 </a:solidFill>
                 <a:effectLst>
-                  <a:outerShdw sx="100000" sy="100000" kx="0" ky="0" algn="b" rotWithShape="0" blurRad="38100" dist="20828" dir="5400000">
+                  <a:outerShdw blurRad="38100" dist="20828" dir="5400000" rotWithShape="0">
                     <a:srgbClr val="000000"/>
                   </a:outerShdw>
                 </a:effectLst>
@@ -3328,7 +2830,9 @@
       <p:sp>
         <p:nvSpPr>
           <p:cNvPr id="35" name="Shape 35"/>
-          <p:cNvSpPr/>
+          <p:cNvSpPr>
+            <a:spLocks noGrp="1"/>
+          </p:cNvSpPr>
           <p:nvPr>
             <p:ph type="body" idx="1"/>
           </p:nvPr>
@@ -3360,7 +2864,7 @@
                   <a:srgbClr val="FFFFFF"/>
                 </a:solidFill>
                 <a:effectLst>
-                  <a:outerShdw sx="100000" sy="100000" kx="0" ky="0" algn="b" rotWithShape="0" blurRad="50800" dist="25400" dir="5400000">
+                  <a:outerShdw blurRad="50800" dist="25400" dir="5400000" rotWithShape="0">
                     <a:srgbClr val="000000"/>
                   </a:outerShdw>
                 </a:effectLst>
@@ -3462,12 +2966,403 @@
   <p:clrMapOvr>
     <a:masterClrMapping/>
   </p:clrMapOvr>
-  <p:transition spd="med" advClick="1"/>
+  <p:transition xmlns:p14="http://schemas.microsoft.com/office/powerpoint/2010/main" spd="med"/>
+  <p:timing>
+    <p:tnLst>
+      <p:par>
+        <p:cTn xmlns:p14="http://schemas.microsoft.com/office/powerpoint/2010/main" id="1" dur="indefinite" restart="never" nodeType="tmRoot"/>
+      </p:par>
+    </p:tnLst>
+  </p:timing>
 </p:sld>
 </file>
 
 <file path=ppt/slides/slide10.xml><?xml version="1.0" encoding="utf-8"?>
-<p:sld xmlns:a="http://schemas.openxmlformats.org/drawingml/2006/main" xmlns:r="http://schemas.openxmlformats.org/officeDocument/2006/relationships" xmlns:p="http://schemas.openxmlformats.org/presentationml/2006/main" showMasterSp="1" showMasterPhAnim="1">
+<p:sld xmlns:a="http://schemas.openxmlformats.org/drawingml/2006/main" xmlns:r="http://schemas.openxmlformats.org/officeDocument/2006/relationships" xmlns:p="http://schemas.openxmlformats.org/presentationml/2006/main">
+  <p:cSld>
+    <p:spTree>
+      <p:nvGrpSpPr>
+        <p:cNvPr id="1" name=""/>
+        <p:cNvGrpSpPr/>
+        <p:nvPr/>
+      </p:nvGrpSpPr>
+      <p:grpSpPr>
+        <a:xfrm>
+          <a:off x="0" y="0"/>
+          <a:ext cx="0" cy="0"/>
+          <a:chOff x="0" y="0"/>
+          <a:chExt cx="0" cy="0"/>
+        </a:xfrm>
+      </p:grpSpPr>
+      <p:sp>
+        <p:nvSpPr>
+          <p:cNvPr id="89" name="Shape 89"/>
+          <p:cNvSpPr>
+            <a:spLocks noGrp="1"/>
+          </p:cNvSpPr>
+          <p:nvPr>
+            <p:ph type="title"/>
+          </p:nvPr>
+        </p:nvSpPr>
+        <p:spPr>
+          <a:xfrm>
+            <a:off x="762000" y="-323921"/>
+            <a:ext cx="11480800" cy="2146301"/>
+          </a:xfrm>
+          <a:prstGeom prst="rect">
+            <a:avLst/>
+          </a:prstGeom>
+        </p:spPr>
+        <p:txBody>
+          <a:bodyPr/>
+          <a:lstStyle>
+            <a:lvl1pPr>
+              <a:defRPr sz="5800"/>
+            </a:lvl1pPr>
+          </a:lstStyle>
+          <a:p>
+            <a:pPr lvl="0">
+              <a:defRPr sz="1800" b="0">
+                <a:solidFill>
+                  <a:srgbClr val="000000"/>
+                </a:solidFill>
+                <a:effectLst/>
+              </a:defRPr>
+            </a:pPr>
+            <a:r>
+              <a:rPr lang="en-US" sz="5800" b="1" dirty="0" smtClean="0">
+                <a:solidFill>
+                  <a:srgbClr val="FFFFFF"/>
+                </a:solidFill>
+                <a:effectLst>
+                  <a:outerShdw blurRad="50800" dist="25400" dir="5400000" rotWithShape="0">
+                    <a:srgbClr val="000000"/>
+                  </a:outerShdw>
+                </a:effectLst>
+              </a:rPr>
+              <a:t>Results</a:t>
+            </a:r>
+            <a:endParaRPr sz="5800" b="1" dirty="0">
+              <a:solidFill>
+                <a:srgbClr val="FFFFFF"/>
+              </a:solidFill>
+              <a:effectLst>
+                <a:outerShdw blurRad="50800" dist="25400" dir="5400000" rotWithShape="0">
+                  <a:srgbClr val="000000"/>
+                </a:outerShdw>
+              </a:effectLst>
+            </a:endParaRPr>
+          </a:p>
+        </p:txBody>
+      </p:sp>
+      <p:sp>
+        <p:nvSpPr>
+          <p:cNvPr id="90" name="Shape 90"/>
+          <p:cNvSpPr>
+            <a:spLocks noGrp="1"/>
+          </p:cNvSpPr>
+          <p:nvPr>
+            <p:ph type="body" idx="1"/>
+          </p:nvPr>
+        </p:nvSpPr>
+        <p:spPr>
+          <a:xfrm>
+            <a:off x="521226" y="1601984"/>
+            <a:ext cx="12479868" cy="7135616"/>
+          </a:xfrm>
+          <a:prstGeom prst="rect">
+            <a:avLst/>
+          </a:prstGeom>
+        </p:spPr>
+        <p:txBody>
+          <a:bodyPr/>
+          <a:lstStyle/>
+          <a:p>
+            <a:pPr lvl="0">
+              <a:buClr>
+                <a:srgbClr val="EBEBEB"/>
+              </a:buClr>
+              <a:defRPr sz="1800">
+                <a:solidFill>
+                  <a:srgbClr val="000000"/>
+                </a:solidFill>
+                <a:effectLst/>
+              </a:defRPr>
+            </a:pPr>
+            <a:r>
+              <a:rPr sz="4000">
+                <a:solidFill>
+                  <a:srgbClr val="EBEBEB"/>
+                </a:solidFill>
+                <a:effectLst>
+                  <a:outerShdw blurRad="50800" dist="25400" dir="5400000" rotWithShape="0">
+                    <a:srgbClr val="000000"/>
+                  </a:outerShdw>
+                </a:effectLst>
+              </a:rPr>
+              <a:t>Topics in recent news detected. </a:t>
+            </a:r>
+            <a:endParaRPr sz="4000"/>
+          </a:p>
+          <a:p>
+            <a:pPr lvl="0">
+              <a:buClr>
+                <a:srgbClr val="EBEBEB"/>
+              </a:buClr>
+              <a:defRPr sz="1800">
+                <a:solidFill>
+                  <a:srgbClr val="000000"/>
+                </a:solidFill>
+                <a:effectLst/>
+              </a:defRPr>
+            </a:pPr>
+            <a:r>
+              <a:rPr sz="4000">
+                <a:solidFill>
+                  <a:srgbClr val="EBEBEB"/>
+                </a:solidFill>
+                <a:effectLst>
+                  <a:outerShdw blurRad="50800" dist="25400" dir="5400000" rotWithShape="0">
+                    <a:srgbClr val="000000"/>
+                  </a:outerShdw>
+                </a:effectLst>
+              </a:rPr>
+              <a:t>Identify representative comment that captures     the topic’s idea.</a:t>
+            </a:r>
+          </a:p>
+        </p:txBody>
+      </p:sp>
+    </p:spTree>
+  </p:cSld>
+  <p:clrMapOvr>
+    <a:masterClrMapping/>
+  </p:clrMapOvr>
+  <p:transition xmlns:p14="http://schemas.microsoft.com/office/powerpoint/2010/main" spd="med"/>
+  <p:timing>
+    <p:tnLst>
+      <p:par>
+        <p:cTn xmlns:p14="http://schemas.microsoft.com/office/powerpoint/2010/main" id="1" dur="indefinite" restart="never" nodeType="tmRoot"/>
+      </p:par>
+    </p:tnLst>
+  </p:timing>
+</p:sld>
+</file>
+
+<file path=ppt/slides/slide11.xml><?xml version="1.0" encoding="utf-8"?>
+<p:sld xmlns:a="http://schemas.openxmlformats.org/drawingml/2006/main" xmlns:r="http://schemas.openxmlformats.org/officeDocument/2006/relationships" xmlns:p="http://schemas.openxmlformats.org/presentationml/2006/main">
+  <p:cSld>
+    <p:spTree>
+      <p:nvGrpSpPr>
+        <p:cNvPr id="1" name=""/>
+        <p:cNvGrpSpPr/>
+        <p:nvPr/>
+      </p:nvGrpSpPr>
+      <p:grpSpPr>
+        <a:xfrm>
+          <a:off x="0" y="0"/>
+          <a:ext cx="0" cy="0"/>
+          <a:chOff x="0" y="0"/>
+          <a:chExt cx="0" cy="0"/>
+        </a:xfrm>
+      </p:grpSpPr>
+      <p:sp>
+        <p:nvSpPr>
+          <p:cNvPr id="94" name="Shape 94"/>
+          <p:cNvSpPr>
+            <a:spLocks noGrp="1"/>
+          </p:cNvSpPr>
+          <p:nvPr>
+            <p:ph type="title"/>
+          </p:nvPr>
+        </p:nvSpPr>
+        <p:spPr>
+          <a:xfrm>
+            <a:off x="762000" y="-294327"/>
+            <a:ext cx="11480800" cy="2146301"/>
+          </a:xfrm>
+          <a:prstGeom prst="rect">
+            <a:avLst/>
+          </a:prstGeom>
+        </p:spPr>
+        <p:txBody>
+          <a:bodyPr/>
+          <a:lstStyle>
+            <a:lvl1pPr>
+              <a:defRPr sz="5800"/>
+            </a:lvl1pPr>
+          </a:lstStyle>
+          <a:p>
+            <a:pPr lvl="0">
+              <a:defRPr sz="1800" b="0">
+                <a:solidFill>
+                  <a:srgbClr val="000000"/>
+                </a:solidFill>
+                <a:effectLst/>
+              </a:defRPr>
+            </a:pPr>
+            <a:r>
+              <a:rPr sz="5800" b="1">
+                <a:solidFill>
+                  <a:srgbClr val="FFFFFF"/>
+                </a:solidFill>
+                <a:effectLst>
+                  <a:outerShdw blurRad="50800" dist="25400" dir="5400000" rotWithShape="0">
+                    <a:srgbClr val="000000"/>
+                  </a:outerShdw>
+                </a:effectLst>
+              </a:rPr>
+              <a:t>Future steps</a:t>
+            </a:r>
+          </a:p>
+        </p:txBody>
+      </p:sp>
+      <p:sp>
+        <p:nvSpPr>
+          <p:cNvPr id="95" name="Shape 95"/>
+          <p:cNvSpPr>
+            <a:spLocks noGrp="1"/>
+          </p:cNvSpPr>
+          <p:nvPr>
+            <p:ph type="body" idx="1"/>
+          </p:nvPr>
+        </p:nvSpPr>
+        <p:spPr>
+          <a:xfrm>
+            <a:off x="754060" y="1697566"/>
+            <a:ext cx="12242801" cy="7071784"/>
+          </a:xfrm>
+          <a:prstGeom prst="rect">
+            <a:avLst/>
+          </a:prstGeom>
+        </p:spPr>
+        <p:txBody>
+          <a:bodyPr/>
+          <a:lstStyle/>
+          <a:p>
+            <a:pPr lvl="0">
+              <a:buClr>
+                <a:srgbClr val="EBEBEB"/>
+              </a:buClr>
+              <a:defRPr sz="1800">
+                <a:solidFill>
+                  <a:srgbClr val="000000"/>
+                </a:solidFill>
+                <a:effectLst/>
+              </a:defRPr>
+            </a:pPr>
+            <a:r>
+              <a:rPr lang="en-US" sz="4000" dirty="0" smtClean="0">
+                <a:solidFill>
+                  <a:srgbClr val="EBEBEB"/>
+                </a:solidFill>
+                <a:effectLst>
+                  <a:outerShdw blurRad="50800" dist="25400" dir="5400000" rotWithShape="0">
+                    <a:srgbClr val="000000"/>
+                  </a:outerShdw>
+                </a:effectLst>
+              </a:rPr>
+              <a:t>Classify comments by candidates. </a:t>
+            </a:r>
+            <a:r>
+              <a:rPr sz="4000" dirty="0" smtClean="0">
+                <a:solidFill>
+                  <a:srgbClr val="EBEBEB"/>
+                </a:solidFill>
+                <a:effectLst>
+                  <a:outerShdw blurRad="50800" dist="25400" dir="5400000" rotWithShape="0">
+                    <a:srgbClr val="000000"/>
+                  </a:outerShdw>
+                </a:effectLst>
+              </a:rPr>
+              <a:t>Use </a:t>
+            </a:r>
+            <a:r>
+              <a:rPr sz="4000" dirty="0">
+                <a:solidFill>
+                  <a:srgbClr val="EBEBEB"/>
+                </a:solidFill>
+                <a:effectLst>
+                  <a:outerShdw blurRad="50800" dist="25400" dir="5400000" rotWithShape="0">
+                    <a:srgbClr val="000000"/>
+                  </a:outerShdw>
+                </a:effectLst>
+              </a:rPr>
+              <a:t>distinct topics associated with each </a:t>
+            </a:r>
+            <a:r>
+              <a:rPr sz="4000" dirty="0" smtClean="0">
+                <a:solidFill>
+                  <a:srgbClr val="EBEBEB"/>
+                </a:solidFill>
+                <a:effectLst>
+                  <a:outerShdw blurRad="50800" dist="25400" dir="5400000" rotWithShape="0">
+                    <a:srgbClr val="000000"/>
+                  </a:outerShdw>
+                </a:effectLst>
+              </a:rPr>
+              <a:t>candidate </a:t>
+            </a:r>
+            <a:r>
+              <a:rPr sz="4000" dirty="0">
+                <a:solidFill>
+                  <a:srgbClr val="EBEBEB"/>
+                </a:solidFill>
+                <a:effectLst>
+                  <a:outerShdw blurRad="50800" dist="25400" dir="5400000" rotWithShape="0">
+                    <a:srgbClr val="000000"/>
+                  </a:outerShdw>
+                </a:effectLst>
+              </a:rPr>
+              <a:t>or other measures (subjectivity) as feature in classification</a:t>
+            </a:r>
+            <a:endParaRPr sz="4000" dirty="0"/>
+          </a:p>
+          <a:p>
+            <a:pPr lvl="0">
+              <a:buClr>
+                <a:srgbClr val="EBEBEB"/>
+              </a:buClr>
+              <a:defRPr sz="1800">
+                <a:solidFill>
+                  <a:srgbClr val="000000"/>
+                </a:solidFill>
+                <a:effectLst/>
+              </a:defRPr>
+            </a:pPr>
+            <a:r>
+              <a:rPr sz="4000" dirty="0">
+                <a:solidFill>
+                  <a:srgbClr val="EBEBEB"/>
+                </a:solidFill>
+                <a:effectLst>
+                  <a:outerShdw blurRad="50800" dist="25400" dir="5400000" rotWithShape="0">
+                    <a:srgbClr val="000000"/>
+                  </a:outerShdw>
+                </a:effectLst>
+              </a:rPr>
+              <a:t>Utilize both the comments and news cycles to predict popular topics</a:t>
+            </a:r>
+          </a:p>
+        </p:txBody>
+      </p:sp>
+    </p:spTree>
+  </p:cSld>
+  <p:clrMapOvr>
+    <a:masterClrMapping/>
+  </p:clrMapOvr>
+  <p:transition xmlns:p14="http://schemas.microsoft.com/office/powerpoint/2010/main" spd="med"/>
+  <p:timing>
+    <p:tnLst>
+      <p:par>
+        <p:cTn xmlns:p14="http://schemas.microsoft.com/office/powerpoint/2010/main" id="1" dur="indefinite" restart="never" nodeType="tmRoot"/>
+      </p:par>
+    </p:tnLst>
+  </p:timing>
+</p:sld>
+</file>
+
+<file path=ppt/slides/slide12.xml><?xml version="1.0" encoding="utf-8"?>
+<p:sld xmlns:a="http://schemas.openxmlformats.org/drawingml/2006/main" xmlns:r="http://schemas.openxmlformats.org/officeDocument/2006/relationships" xmlns:p="http://schemas.openxmlformats.org/presentationml/2006/main">
   <p:cSld>
     <p:spTree>
       <p:nvGrpSpPr>
@@ -3486,7 +3381,9 @@
       <p:sp>
         <p:nvSpPr>
           <p:cNvPr id="99" name="Shape 99"/>
-          <p:cNvSpPr/>
+          <p:cNvSpPr>
+            <a:spLocks noGrp="1"/>
+          </p:cNvSpPr>
           <p:nvPr>
             <p:ph type="title"/>
           </p:nvPr>
@@ -3505,7 +3402,7 @@
           <a:lstStyle/>
           <a:p>
             <a:pPr lvl="0">
-              <a:defRPr b="0" sz="1800">
+              <a:defRPr sz="1800" b="0">
                 <a:solidFill>
                   <a:srgbClr val="000000"/>
                 </a:solidFill>
@@ -3513,52 +3410,59 @@
               </a:defRPr>
             </a:pPr>
             <a:r>
-              <a:rPr b="1" sz="6400">
+              <a:rPr sz="6400" b="1" dirty="0">
                 <a:solidFill>
                   <a:srgbClr val="FFFFFF"/>
                 </a:solidFill>
                 <a:effectLst>
-                  <a:outerShdw sx="100000" sy="100000" kx="0" ky="0" algn="b" rotWithShape="0" blurRad="50800" dist="25400" dir="5400000">
+                  <a:outerShdw blurRad="50800" dist="25400" dir="5400000" rotWithShape="0">
                     <a:srgbClr val="000000"/>
                   </a:outerShdw>
                 </a:effectLst>
               </a:rPr>
               <a:t>Thank you!</a:t>
             </a:r>
-            <a:endParaRPr b="1" sz="6400">
-              <a:solidFill>
-                <a:srgbClr val="FFFFFF"/>
-              </a:solidFill>
-              <a:effectLst>
-                <a:outerShdw sx="100000" sy="100000" kx="0" ky="0" algn="b" rotWithShape="0" blurRad="50800" dist="25400" dir="5400000">
-                  <a:srgbClr val="000000"/>
-                </a:outerShdw>
-              </a:effectLst>
-            </a:endParaRPr>
           </a:p>
           <a:p>
             <a:pPr lvl="0">
-              <a:defRPr b="0" sz="1800">
+              <a:defRPr sz="1800" b="0">
                 <a:solidFill>
                   <a:srgbClr val="000000"/>
                 </a:solidFill>
                 <a:effectLst/>
               </a:defRPr>
             </a:pPr>
+            <a:r>
+              <a:rPr sz="6400" b="1" dirty="0">
+                <a:solidFill>
+                  <a:srgbClr val="FFFFFF"/>
+                </a:solidFill>
+                <a:effectLst>
+                  <a:outerShdw blurRad="50800" dist="25400" dir="5400000" rotWithShape="0">
+                    <a:srgbClr val="000000"/>
+                  </a:outerShdw>
+                </a:effectLst>
+              </a:rPr>
+              <a:t/>
+            </a:r>
             <a:br>
-              <a:rPr b="1" sz="6400">
+              <a:rPr sz="6400" b="1" dirty="0">
                 <a:solidFill>
                   <a:srgbClr val="FFFFFF"/>
                 </a:solidFill>
                 <a:effectLst>
-                  <a:outerShdw sx="100000" sy="100000" kx="0" ky="0" algn="b" rotWithShape="0" blurRad="50800" dist="25400" dir="5400000">
+                  <a:outerShdw blurRad="50800" dist="25400" dir="5400000" rotWithShape="0">
                     <a:srgbClr val="000000"/>
                   </a:outerShdw>
                 </a:effectLst>
               </a:rPr>
             </a:br>
             <a:r>
-              <a:rPr sz="3600"/>
+              <a:rPr sz="3600" dirty="0">
+                <a:solidFill>
+                  <a:schemeClr val="bg1"/>
+                </a:solidFill>
+              </a:rPr>
               <a:t>nytsummarizer.us</a:t>
             </a:r>
           </a:p>
@@ -3567,7 +3471,9 @@
       <p:sp>
         <p:nvSpPr>
           <p:cNvPr id="100" name="Shape 100"/>
-          <p:cNvSpPr/>
+          <p:cNvSpPr>
+            <a:spLocks noGrp="1"/>
+          </p:cNvSpPr>
           <p:nvPr>
             <p:ph type="body" idx="1"/>
           </p:nvPr>
@@ -3598,7 +3504,7 @@
                 <a:srgbClr val="FFFFFF"/>
               </a:solidFill>
               <a:effectLst>
-                <a:outerShdw sx="100000" sy="100000" kx="0" ky="0" algn="b" rotWithShape="0" blurRad="50800" dist="25400" dir="5400000">
+                <a:outerShdw blurRad="50800" dist="25400" dir="5400000" rotWithShape="0">
                   <a:srgbClr val="000000"/>
                 </a:outerShdw>
               </a:effectLst>
@@ -3619,7 +3525,7 @@
                   <a:srgbClr val="FFFFFF"/>
                 </a:solidFill>
                 <a:effectLst>
-                  <a:outerShdw sx="100000" sy="100000" kx="0" ky="0" algn="b" rotWithShape="0" blurRad="50800" dist="25400" dir="5400000">
+                  <a:outerShdw blurRad="50800" dist="25400" dir="5400000" rotWithShape="0">
                     <a:srgbClr val="000000"/>
                   </a:outerShdw>
                 </a:effectLst>
@@ -3631,7 +3537,7 @@
                 <a:srgbClr val="FFFFFF"/>
               </a:solidFill>
               <a:effectLst>
-                <a:outerShdw sx="100000" sy="100000" kx="0" ky="0" algn="b" rotWithShape="0" blurRad="50800" dist="25400" dir="5400000">
+                <a:outerShdw blurRad="50800" dist="25400" dir="5400000" rotWithShape="0">
                   <a:srgbClr val="000000"/>
                 </a:outerShdw>
               </a:effectLst>
@@ -3651,7 +3557,7 @@
                 <a:srgbClr val="FFFFFF"/>
               </a:solidFill>
               <a:effectLst>
-                <a:outerShdw sx="100000" sy="100000" kx="0" ky="0" algn="b" rotWithShape="0" blurRad="50800" dist="25400" dir="5400000">
+                <a:outerShdw blurRad="50800" dist="25400" dir="5400000" rotWithShape="0">
                   <a:srgbClr val="000000"/>
                 </a:outerShdw>
               </a:effectLst>
@@ -3671,7 +3577,7 @@
                 <a:srgbClr val="FFFFFF"/>
               </a:solidFill>
               <a:effectLst>
-                <a:outerShdw sx="100000" sy="100000" kx="0" ky="0" algn="b" rotWithShape="0" blurRad="50800" dist="25400" dir="5400000">
+                <a:outerShdw blurRad="50800" dist="25400" dir="5400000" rotWithShape="0">
                   <a:srgbClr val="000000"/>
                 </a:outerShdw>
               </a:effectLst>
@@ -3692,7 +3598,7 @@
                   <a:srgbClr val="FFFFFF"/>
                 </a:solidFill>
                 <a:effectLst>
-                  <a:outerShdw sx="100000" sy="100000" kx="0" ky="0" algn="b" rotWithShape="0" blurRad="50800" dist="25400" dir="5400000">
+                  <a:outerShdw blurRad="50800" dist="25400" dir="5400000" rotWithShape="0">
                     <a:srgbClr val="000000"/>
                   </a:outerShdw>
                 </a:effectLst>
@@ -3761,12 +3667,19 @@
   <p:clrMapOvr>
     <a:masterClrMapping/>
   </p:clrMapOvr>
-  <p:transition spd="med" advClick="1"/>
+  <p:transition xmlns:p14="http://schemas.microsoft.com/office/powerpoint/2010/main" spd="med"/>
+  <p:timing>
+    <p:tnLst>
+      <p:par>
+        <p:cTn xmlns:p14="http://schemas.microsoft.com/office/powerpoint/2010/main" id="1" dur="indefinite" restart="never" nodeType="tmRoot"/>
+      </p:par>
+    </p:tnLst>
+  </p:timing>
 </p:sld>
 </file>
 
-<file path=ppt/slides/slide11.xml><?xml version="1.0" encoding="utf-8"?>
-<p:sld xmlns:a="http://schemas.openxmlformats.org/drawingml/2006/main" xmlns:r="http://schemas.openxmlformats.org/officeDocument/2006/relationships" xmlns:p="http://schemas.openxmlformats.org/presentationml/2006/main" showMasterSp="1" showMasterPhAnim="1">
+<file path=ppt/slides/slide13.xml><?xml version="1.0" encoding="utf-8"?>
+<p:sld xmlns:a="http://schemas.openxmlformats.org/drawingml/2006/main" xmlns:r="http://schemas.openxmlformats.org/officeDocument/2006/relationships" xmlns:p="http://schemas.openxmlformats.org/presentationml/2006/main">
   <p:cSld>
     <p:spTree>
       <p:nvGrpSpPr>
@@ -3785,7 +3698,9 @@
       <p:sp>
         <p:nvSpPr>
           <p:cNvPr id="104" name="Shape 104"/>
-          <p:cNvSpPr/>
+          <p:cNvSpPr>
+            <a:spLocks noGrp="1"/>
+          </p:cNvSpPr>
           <p:nvPr>
             <p:ph type="title"/>
           </p:nvPr>
@@ -3805,7 +3720,7 @@
             <a:lvl1pPr defTabSz="479044">
               <a:defRPr sz="4700">
                 <a:effectLst>
-                  <a:outerShdw sx="100000" sy="100000" kx="0" ky="0" algn="b" rotWithShape="0" blurRad="38100" dist="20828" dir="5400000">
+                  <a:outerShdw blurRad="38100" dist="20828" dir="5400000" rotWithShape="0">
                     <a:srgbClr val="000000"/>
                   </a:outerShdw>
                 </a:effectLst>
@@ -3814,7 +3729,7 @@
           </a:lstStyle>
           <a:p>
             <a:pPr lvl="0">
-              <a:defRPr b="0" sz="1800">
+              <a:defRPr sz="1800" b="0">
                 <a:solidFill>
                   <a:srgbClr val="000000"/>
                 </a:solidFill>
@@ -3822,12 +3737,12 @@
               </a:defRPr>
             </a:pPr>
             <a:r>
-              <a:rPr b="1" sz="4700">
+              <a:rPr sz="4700" b="1">
                 <a:solidFill>
                   <a:srgbClr val="FFFFFF"/>
                 </a:solidFill>
                 <a:effectLst>
-                  <a:outerShdw sx="100000" sy="100000" kx="0" ky="0" algn="b" rotWithShape="0" blurRad="38100" dist="20828" dir="5400000">
+                  <a:outerShdw blurRad="38100" dist="20828" dir="5400000" rotWithShape="0">
                     <a:srgbClr val="000000"/>
                   </a:outerShdw>
                 </a:effectLst>
@@ -3875,12 +3790,12 @@
               </a:defRPr>
             </a:pPr>
             <a:r>
-              <a:rPr sz="2800">
+              <a:rPr sz="2800" dirty="0">
                 <a:solidFill>
                   <a:srgbClr val="EBEBEB"/>
                 </a:solidFill>
                 <a:effectLst>
-                  <a:outerShdw sx="100000" sy="100000" kx="0" ky="0" algn="b" rotWithShape="0" blurRad="50800" dist="25400" dir="5400000">
+                  <a:outerShdw blurRad="50800" dist="25400" dir="5400000" rotWithShape="0">
                     <a:srgbClr val="000000"/>
                   </a:outerShdw>
                 </a:effectLst>
@@ -3891,7 +3806,7 @@
               </a:rPr>
               <a:t>Matrix factorization: </a:t>
             </a:r>
-            <a:endParaRPr>
+            <a:endParaRPr dirty="0">
               <a:latin typeface="Helvetica Neue Medium"/>
               <a:ea typeface="Helvetica Neue Medium"/>
               <a:cs typeface="Helvetica Neue Medium"/>
@@ -3908,12 +3823,12 @@
               </a:defRPr>
             </a:pPr>
             <a:r>
-              <a:rPr sz="2800">
+              <a:rPr sz="2800" dirty="0">
                 <a:solidFill>
                   <a:srgbClr val="EBEBEB"/>
                 </a:solidFill>
                 <a:effectLst>
-                  <a:outerShdw sx="100000" sy="100000" kx="0" ky="0" algn="b" rotWithShape="0" blurRad="50800" dist="25400" dir="5400000">
+                  <a:outerShdw blurRad="50800" dist="25400" dir="5400000" rotWithShape="0">
                     <a:srgbClr val="000000"/>
                   </a:outerShdw>
                 </a:effectLst>
@@ -3924,7 +3839,7 @@
               </a:rPr>
               <a:t>Dimensionality reduction</a:t>
             </a:r>
-            <a:endParaRPr>
+            <a:endParaRPr dirty="0">
               <a:latin typeface="Helvetica Neue Medium"/>
               <a:ea typeface="Helvetica Neue Medium"/>
               <a:cs typeface="Helvetica Neue Medium"/>
@@ -3941,12 +3856,12 @@
               </a:defRPr>
             </a:pPr>
             <a:r>
-              <a:rPr sz="2800">
+              <a:rPr sz="2800" dirty="0">
                 <a:solidFill>
                   <a:srgbClr val="EBEBEB"/>
                 </a:solidFill>
                 <a:effectLst>
-                  <a:outerShdw sx="100000" sy="100000" kx="0" ky="0" algn="b" rotWithShape="0" blurRad="50800" dist="25400" dir="5400000">
+                  <a:outerShdw blurRad="50800" dist="25400" dir="5400000" rotWithShape="0">
                     <a:srgbClr val="000000"/>
                   </a:outerShdw>
                 </a:effectLst>
@@ -3957,7 +3872,7 @@
               </a:rPr>
               <a:t>Latent properties</a:t>
             </a:r>
-            <a:endParaRPr>
+            <a:endParaRPr dirty="0">
               <a:latin typeface="Helvetica Neue Medium"/>
               <a:ea typeface="Helvetica Neue Medium"/>
               <a:cs typeface="Helvetica Neue Medium"/>
@@ -3974,12 +3889,12 @@
               </a:defRPr>
             </a:pPr>
             <a:r>
-              <a:rPr sz="2800">
+              <a:rPr sz="2800" dirty="0">
                 <a:solidFill>
                   <a:srgbClr val="EBEBEB"/>
                 </a:solidFill>
                 <a:effectLst>
-                  <a:outerShdw sx="100000" sy="100000" kx="0" ky="0" algn="b" rotWithShape="0" blurRad="50800" dist="25400" dir="5400000">
+                  <a:outerShdw blurRad="50800" dist="25400" dir="5400000" rotWithShape="0">
                     <a:srgbClr val="000000"/>
                   </a:outerShdw>
                 </a:effectLst>
@@ -4025,12 +3940,19 @@
   <p:clrMapOvr>
     <a:masterClrMapping/>
   </p:clrMapOvr>
-  <p:transition spd="med" advClick="1"/>
+  <p:transition xmlns:p14="http://schemas.microsoft.com/office/powerpoint/2010/main" spd="med"/>
+  <p:timing>
+    <p:tnLst>
+      <p:par>
+        <p:cTn xmlns:p14="http://schemas.microsoft.com/office/powerpoint/2010/main" id="1" dur="indefinite" restart="never" nodeType="tmRoot"/>
+      </p:par>
+    </p:tnLst>
+  </p:timing>
 </p:sld>
 </file>
 
-<file path=ppt/slides/slide12.xml><?xml version="1.0" encoding="utf-8"?>
-<p:sld xmlns:a="http://schemas.openxmlformats.org/drawingml/2006/main" xmlns:r="http://schemas.openxmlformats.org/officeDocument/2006/relationships" xmlns:p="http://schemas.openxmlformats.org/presentationml/2006/main" showMasterSp="1" showMasterPhAnim="1">
+<file path=ppt/slides/slide14.xml><?xml version="1.0" encoding="utf-8"?>
+<p:sld xmlns:a="http://schemas.openxmlformats.org/drawingml/2006/main" xmlns:r="http://schemas.openxmlformats.org/officeDocument/2006/relationships" xmlns:p="http://schemas.openxmlformats.org/presentationml/2006/main">
   <p:cSld>
     <p:spTree>
       <p:nvGrpSpPr>
@@ -4049,7 +3971,9 @@
       <p:sp>
         <p:nvSpPr>
           <p:cNvPr id="108" name="Shape 108"/>
-          <p:cNvSpPr/>
+          <p:cNvSpPr>
+            <a:spLocks noGrp="1"/>
+          </p:cNvSpPr>
           <p:nvPr>
             <p:ph type="title"/>
           </p:nvPr>
@@ -4069,7 +3993,7 @@
             <a:lvl1pPr defTabSz="508254">
               <a:defRPr sz="5000">
                 <a:effectLst>
-                  <a:outerShdw sx="100000" sy="100000" kx="0" ky="0" algn="b" rotWithShape="0" blurRad="38100" dist="22098" dir="5400000">
+                  <a:outerShdw blurRad="38100" dist="22098" dir="5400000" rotWithShape="0">
                     <a:srgbClr val="000000"/>
                   </a:outerShdw>
                 </a:effectLst>
@@ -4078,7 +4002,7 @@
           </a:lstStyle>
           <a:p>
             <a:pPr lvl="0">
-              <a:defRPr b="0" sz="1800">
+              <a:defRPr sz="1800" b="0">
                 <a:solidFill>
                   <a:srgbClr val="000000"/>
                 </a:solidFill>
@@ -4086,12 +4010,12 @@
               </a:defRPr>
             </a:pPr>
             <a:r>
-              <a:rPr b="1" sz="5000">
+              <a:rPr sz="5000" b="1">
                 <a:solidFill>
                   <a:srgbClr val="FFFFFF"/>
                 </a:solidFill>
                 <a:effectLst>
-                  <a:outerShdw sx="100000" sy="100000" kx="0" ky="0" algn="b" rotWithShape="0" blurRad="38100" dist="22098" dir="5400000">
+                  <a:outerShdw blurRad="38100" dist="22098" dir="5400000" rotWithShape="0">
                     <a:srgbClr val="000000"/>
                   </a:outerShdw>
                 </a:effectLst>
@@ -4104,7 +4028,9 @@
       <p:sp>
         <p:nvSpPr>
           <p:cNvPr id="109" name="Shape 109"/>
-          <p:cNvSpPr/>
+          <p:cNvSpPr>
+            <a:spLocks noGrp="1"/>
+          </p:cNvSpPr>
           <p:nvPr>
             <p:ph type="body" idx="1"/>
           </p:nvPr>
@@ -4130,18 +4056,51 @@
                 <a:effectLst/>
               </a:defRPr>
             </a:pPr>
+            <a:endParaRPr lang="en-US" sz="2800" dirty="0" smtClean="0">
+              <a:solidFill>
+                <a:srgbClr val="EBEBEB"/>
+              </a:solidFill>
+              <a:effectLst>
+                <a:outerShdw blurRad="50800" dist="25400" dir="5400000" rotWithShape="0">
+                  <a:srgbClr val="000000"/>
+                </a:outerShdw>
+              </a:effectLst>
+            </a:endParaRPr>
+          </a:p>
+          <a:p>
+            <a:pPr lvl="0" algn="l">
+              <a:defRPr sz="1800">
+                <a:solidFill>
+                  <a:srgbClr val="000000"/>
+                </a:solidFill>
+                <a:effectLst/>
+              </a:defRPr>
+            </a:pPr>
             <a:r>
-              <a:rPr sz="2800">
+              <a:rPr sz="2800" dirty="0" smtClean="0">
                 <a:solidFill>
                   <a:srgbClr val="EBEBEB"/>
                 </a:solidFill>
                 <a:effectLst>
-                  <a:outerShdw sx="100000" sy="100000" kx="0" ky="0" algn="b" rotWithShape="0" blurRad="50800" dist="25400" dir="5400000">
+                  <a:outerShdw blurRad="50800" dist="25400" dir="5400000" rotWithShape="0">
                     <a:srgbClr val="000000"/>
                   </a:outerShdw>
                 </a:effectLst>
               </a:rPr>
-              <a:t>How I picked number of topics</a:t>
+              <a:t>How </a:t>
+            </a:r>
+            <a:r>
+              <a:rPr sz="2800" dirty="0">
+                <a:solidFill>
+                  <a:srgbClr val="EBEBEB"/>
+                </a:solidFill>
+                <a:effectLst>
+                  <a:outerShdw blurRad="50800" dist="25400" dir="5400000" rotWithShape="0">
+                    <a:srgbClr val="000000"/>
+                  </a:outerShdw>
+                </a:effectLst>
+              </a:rPr>
+              <a:t>I picked number of topics</a:t>
             </a:r>
           </a:p>
           <a:p>
@@ -4153,7 +4112,7 @@
                 <a:effectLst/>
               </a:defRPr>
             </a:pPr>
-            <a:endParaRPr sz="2800">
+            <a:endParaRPr sz="2800" dirty="0">
               <a:solidFill>
                 <a:srgbClr val="EBEBEB"/>
               </a:solidFill>
@@ -4169,12 +4128,12 @@
               </a:defRPr>
             </a:pPr>
             <a:r>
-              <a:rPr sz="2800">
+              <a:rPr sz="2800" dirty="0">
                 <a:solidFill>
                   <a:srgbClr val="EBEBEB"/>
                 </a:solidFill>
                 <a:effectLst>
-                  <a:outerShdw sx="100000" sy="100000" kx="0" ky="0" algn="b" rotWithShape="0" blurRad="50800" dist="25400" dir="5400000">
+                  <a:outerShdw blurRad="50800" dist="25400" dir="5400000" rotWithShape="0">
                     <a:srgbClr val="000000"/>
                   </a:outerShdw>
                 </a:effectLst>
@@ -4192,12 +4151,12 @@
               </a:defRPr>
             </a:pPr>
             <a:r>
-              <a:rPr sz="2800">
+              <a:rPr sz="2800" dirty="0">
                 <a:solidFill>
                   <a:srgbClr val="EBEBEB"/>
                 </a:solidFill>
                 <a:effectLst>
-                  <a:outerShdw sx="100000" sy="100000" kx="0" ky="0" algn="b" rotWithShape="0" blurRad="50800" dist="25400" dir="5400000">
+                  <a:outerShdw blurRad="50800" dist="25400" dir="5400000" rotWithShape="0">
                     <a:srgbClr val="000000"/>
                   </a:outerShdw>
                 </a:effectLst>
@@ -4214,7 +4173,7 @@
                 <a:effectLst/>
               </a:defRPr>
             </a:pPr>
-            <a:endParaRPr sz="2800">
+            <a:endParaRPr sz="2800" dirty="0">
               <a:solidFill>
                 <a:srgbClr val="EBEBEB"/>
               </a:solidFill>
@@ -4230,12 +4189,12 @@
               </a:defRPr>
             </a:pPr>
             <a:r>
-              <a:rPr sz="2800">
+              <a:rPr sz="2800" dirty="0">
                 <a:solidFill>
                   <a:srgbClr val="EBEBEB"/>
                 </a:solidFill>
                 <a:effectLst>
-                  <a:outerShdw sx="100000" sy="100000" kx="0" ky="0" algn="b" rotWithShape="0" blurRad="50800" dist="25400" dir="5400000">
+                  <a:outerShdw blurRad="50800" dist="25400" dir="5400000" rotWithShape="0">
                     <a:srgbClr val="000000"/>
                   </a:outerShdw>
                 </a:effectLst>
@@ -4252,7 +4211,7 @@
                 <a:effectLst/>
               </a:defRPr>
             </a:pPr>
-            <a:endParaRPr sz="2800">
+            <a:endParaRPr sz="2800" dirty="0">
               <a:solidFill>
                 <a:srgbClr val="EBEBEB"/>
               </a:solidFill>
@@ -4268,12 +4227,12 @@
               </a:defRPr>
             </a:pPr>
             <a:r>
-              <a:rPr sz="2800">
+              <a:rPr sz="2800" dirty="0">
                 <a:solidFill>
                   <a:srgbClr val="EBEBEB"/>
                 </a:solidFill>
                 <a:effectLst>
-                  <a:outerShdw sx="100000" sy="100000" kx="0" ky="0" algn="b" rotWithShape="0" blurRad="50800" dist="25400" dir="5400000">
+                  <a:outerShdw blurRad="50800" dist="25400" dir="5400000" rotWithShape="0">
                     <a:srgbClr val="000000"/>
                   </a:outerShdw>
                 </a:effectLst>
@@ -4291,12 +4250,12 @@
               </a:defRPr>
             </a:pPr>
             <a:r>
-              <a:rPr sz="2800">
+              <a:rPr sz="2800" dirty="0">
                 <a:solidFill>
                   <a:srgbClr val="EBEBEB"/>
                 </a:solidFill>
                 <a:effectLst>
-                  <a:outerShdw sx="100000" sy="100000" kx="0" ky="0" algn="b" rotWithShape="0" blurRad="50800" dist="25400" dir="5400000">
+                  <a:outerShdw blurRad="50800" dist="25400" dir="5400000" rotWithShape="0">
                     <a:srgbClr val="000000"/>
                   </a:outerShdw>
                 </a:effectLst>
@@ -4311,114 +4270,19 @@
   <p:clrMapOvr>
     <a:masterClrMapping/>
   </p:clrMapOvr>
-  <p:transition spd="med" advClick="1"/>
-</p:sld>
-</file>
-
-<file path=ppt/slides/slide13.xml><?xml version="1.0" encoding="utf-8"?>
-<p:sld xmlns:a="http://schemas.openxmlformats.org/drawingml/2006/main" xmlns:r="http://schemas.openxmlformats.org/officeDocument/2006/relationships" xmlns:p="http://schemas.openxmlformats.org/presentationml/2006/main" showMasterSp="1" showMasterPhAnim="1">
-  <p:cSld>
-    <p:spTree>
-      <p:nvGrpSpPr>
-        <p:cNvPr id="1" name=""/>
-        <p:cNvGrpSpPr/>
-        <p:nvPr/>
-      </p:nvGrpSpPr>
-      <p:grpSpPr>
-        <a:xfrm>
-          <a:off x="0" y="0"/>
-          <a:ext cx="0" cy="0"/>
-          <a:chOff x="0" y="0"/>
-          <a:chExt cx="0" cy="0"/>
-        </a:xfrm>
-      </p:grpSpPr>
-      <p:sp>
-        <p:nvSpPr>
-          <p:cNvPr id="111" name="Shape 111"/>
-          <p:cNvSpPr/>
-          <p:nvPr>
-            <p:ph type="title"/>
-          </p:nvPr>
-        </p:nvSpPr>
-        <p:spPr>
-          <a:xfrm>
-            <a:off x="1816099" y="-12700"/>
-            <a:ext cx="9866811" cy="999876"/>
-          </a:xfrm>
-          <a:prstGeom prst="rect">
-            <a:avLst/>
-          </a:prstGeom>
-        </p:spPr>
-        <p:txBody>
-          <a:bodyPr/>
-          <a:lstStyle>
-            <a:lvl1pPr>
-              <a:defRPr sz="5800"/>
-            </a:lvl1pPr>
-          </a:lstStyle>
-          <a:p>
-            <a:pPr lvl="0">
-              <a:defRPr b="0" sz="1800">
-                <a:solidFill>
-                  <a:srgbClr val="000000"/>
-                </a:solidFill>
-                <a:effectLst/>
-              </a:defRPr>
-            </a:pPr>
-            <a:r>
-              <a:rPr b="1" sz="5800">
-                <a:solidFill>
-                  <a:srgbClr val="FFFFFF"/>
-                </a:solidFill>
-                <a:effectLst>
-                  <a:outerShdw sx="100000" sy="100000" kx="0" ky="0" algn="b" rotWithShape="0" blurRad="50800" dist="25400" dir="5400000">
-                    <a:srgbClr val="000000"/>
-                  </a:outerShdw>
-                </a:effectLst>
-              </a:rPr>
-              <a:t>Negative sentiment</a:t>
-            </a:r>
-          </a:p>
-        </p:txBody>
-      </p:sp>
-      <p:pic>
-        <p:nvPicPr>
-          <p:cNvPr id="112" name="image15.png"/>
-          <p:cNvPicPr/>
-          <p:nvPr/>
-        </p:nvPicPr>
-        <p:blipFill>
-          <a:blip r:embed="rId2">
-            <a:extLst/>
-          </a:blip>
-          <a:stretch>
-            <a:fillRect/>
-          </a:stretch>
-        </p:blipFill>
-        <p:spPr>
-          <a:xfrm>
-            <a:off x="-284256" y="2362177"/>
-            <a:ext cx="14067521" cy="5660026"/>
-          </a:xfrm>
-          <a:prstGeom prst="rect">
-            <a:avLst/>
-          </a:prstGeom>
-          <a:ln w="12700">
-            <a:miter lim="400000"/>
-          </a:ln>
-        </p:spPr>
-      </p:pic>
-    </p:spTree>
-  </p:cSld>
-  <p:clrMapOvr>
-    <a:masterClrMapping/>
-  </p:clrMapOvr>
-  <p:transition spd="med" advClick="1"/>
+  <p:transition xmlns:p14="http://schemas.microsoft.com/office/powerpoint/2010/main" spd="med"/>
+  <p:timing>
+    <p:tnLst>
+      <p:par>
+        <p:cTn xmlns:p14="http://schemas.microsoft.com/office/powerpoint/2010/main" id="1" dur="indefinite" restart="never" nodeType="tmRoot"/>
+      </p:par>
+    </p:tnLst>
+  </p:timing>
 </p:sld>
 </file>
 
 <file path=ppt/slides/slide2.xml><?xml version="1.0" encoding="utf-8"?>
-<p:sld xmlns:a="http://schemas.openxmlformats.org/drawingml/2006/main" xmlns:r="http://schemas.openxmlformats.org/officeDocument/2006/relationships" xmlns:p="http://schemas.openxmlformats.org/presentationml/2006/main" showMasterSp="1" showMasterPhAnim="1">
+<p:sld xmlns:a="http://schemas.openxmlformats.org/drawingml/2006/main" xmlns:r="http://schemas.openxmlformats.org/officeDocument/2006/relationships" xmlns:p="http://schemas.openxmlformats.org/presentationml/2006/main">
   <p:cSld>
     <p:spTree>
       <p:nvGrpSpPr>
@@ -4437,7 +4301,9 @@
       <p:sp>
         <p:nvSpPr>
           <p:cNvPr id="39" name="Shape 39"/>
-          <p:cNvSpPr/>
+          <p:cNvSpPr>
+            <a:spLocks noGrp="1"/>
+          </p:cNvSpPr>
           <p:nvPr>
             <p:ph type="title"/>
           </p:nvPr>
@@ -4460,7 +4326,7 @@
           </a:lstStyle>
           <a:p>
             <a:pPr lvl="0">
-              <a:defRPr b="0" sz="1800">
+              <a:defRPr sz="1800" b="0">
                 <a:solidFill>
                   <a:srgbClr val="000000"/>
                 </a:solidFill>
@@ -4468,12 +4334,12 @@
               </a:defRPr>
             </a:pPr>
             <a:r>
-              <a:rPr b="1" sz="5800">
+              <a:rPr sz="5800" b="1">
                 <a:solidFill>
                   <a:srgbClr val="FFFFFF"/>
                 </a:solidFill>
                 <a:effectLst>
-                  <a:outerShdw sx="100000" sy="100000" kx="0" ky="0" algn="b" rotWithShape="0" blurRad="50800" dist="25400" dir="5400000">
+                  <a:outerShdw blurRad="50800" dist="25400" dir="5400000" rotWithShape="0">
                     <a:srgbClr val="000000"/>
                   </a:outerShdw>
                 </a:effectLst>
@@ -4486,7 +4352,9 @@
       <p:sp>
         <p:nvSpPr>
           <p:cNvPr id="40" name="Shape 40"/>
-          <p:cNvSpPr/>
+          <p:cNvSpPr>
+            <a:spLocks noGrp="1"/>
+          </p:cNvSpPr>
           <p:nvPr>
             <p:ph type="body" idx="1"/>
           </p:nvPr>
@@ -4504,7 +4372,7 @@
           <a:bodyPr/>
           <a:lstStyle/>
           <a:p>
-            <a:pPr lvl="0" marL="767644" indent="-767644">
+            <a:pPr marL="767644" lvl="0" indent="-767644">
               <a:buClr>
                 <a:srgbClr val="EBEBEB"/>
               </a:buClr>
@@ -4521,39 +4389,16 @@
                   <a:srgbClr val="EBEBEB"/>
                 </a:solidFill>
                 <a:effectLst>
-                  <a:outerShdw sx="100000" sy="100000" kx="0" ky="0" algn="b" rotWithShape="0" blurRad="50800" dist="25400" dir="5400000">
+                  <a:outerShdw blurRad="50800" dist="25400" dir="5400000" rotWithShape="0">
                     <a:srgbClr val="000000"/>
                   </a:outerShdw>
                 </a:effectLst>
               </a:rPr>
-              <a:t>Discover topics and key examples </a:t>
+              <a:t>Discover topics and key examples from a large corpus</a:t>
             </a:r>
-            <a:r>
-              <a:rPr sz="3400">
-                <a:solidFill>
-                  <a:srgbClr val="EBEBEB"/>
-                </a:solidFill>
-                <a:effectLst>
-                  <a:outerShdw sx="100000" sy="100000" kx="0" ky="0" algn="b" rotWithShape="0" blurRad="50800" dist="25400" dir="5400000">
-                    <a:srgbClr val="000000"/>
-                  </a:outerShdw>
-                </a:effectLst>
-              </a:rPr>
-              <a:t>from a large corpus</a:t>
-            </a:r>
-            <a:endParaRPr sz="3400">
-              <a:solidFill>
-                <a:srgbClr val="EBEBEB"/>
-              </a:solidFill>
-              <a:effectLst>
-                <a:outerShdw sx="100000" sy="100000" kx="0" ky="0" algn="b" rotWithShape="0" blurRad="50800" dist="25400" dir="5400000">
-                  <a:srgbClr val="000000"/>
-                </a:outerShdw>
-              </a:effectLst>
-            </a:endParaRPr>
-          </a:p>
-          <a:p>
-            <a:pPr lvl="0" marL="767644" indent="-767644">
+          </a:p>
+          <a:p>
+            <a:pPr marL="767644" lvl="0" indent="-767644">
               <a:buClr>
                 <a:srgbClr val="EBEBEB"/>
               </a:buClr>
@@ -4570,38 +4415,12 @@
                   <a:srgbClr val="EBEBEB"/>
                 </a:solidFill>
                 <a:effectLst>
-                  <a:outerShdw sx="100000" sy="100000" kx="0" ky="0" algn="b" rotWithShape="0" blurRad="50800" dist="25400" dir="5400000">
+                  <a:outerShdw blurRad="50800" dist="25400" dir="5400000" rotWithShape="0">
                     <a:srgbClr val="000000"/>
                   </a:outerShdw>
                 </a:effectLst>
               </a:rPr>
-              <a:t>Monitor discussions</a:t>
-            </a:r>
-            <a:r>
-              <a:rPr sz="3400">
-                <a:solidFill>
-                  <a:srgbClr val="EBEBEB"/>
-                </a:solidFill>
-                <a:effectLst>
-                  <a:outerShdw sx="100000" sy="100000" kx="0" ky="0" algn="b" rotWithShape="0" blurRad="50800" dist="25400" dir="5400000">
-                    <a:srgbClr val="000000"/>
-                  </a:outerShdw>
-                </a:effectLst>
-              </a:rPr>
-              <a:t> with</a:t>
-            </a:r>
-            <a:r>
-              <a:rPr sz="3400">
-                <a:solidFill>
-                  <a:srgbClr val="EBEBEB"/>
-                </a:solidFill>
-                <a:effectLst>
-                  <a:outerShdw sx="100000" sy="100000" kx="0" ky="0" algn="b" rotWithShape="0" blurRad="50800" dist="25400" dir="5400000">
-                    <a:srgbClr val="000000"/>
-                  </a:outerShdw>
-                </a:effectLst>
-              </a:rPr>
-              <a:t> topic detection</a:t>
+              <a:t>Monitor discussions with topic detection</a:t>
             </a:r>
           </a:p>
         </p:txBody>
@@ -4631,7 +4450,7 @@
         </p:spPr>
         <p:txBody>
           <a:bodyPr lIns="0" tIns="0" rIns="0" bIns="0" anchor="ctr">
-            <a:normAutofit fontScale="100000" lnSpcReduction="0"/>
+            <a:normAutofit/>
           </a:bodyPr>
           <a:lstStyle/>
           <a:p>
@@ -4644,31 +4463,21 @@
               </a:defRPr>
             </a:pPr>
             <a:r>
-              <a:rPr b="1" sz="5800">
+              <a:rPr sz="5800" b="1">
                 <a:solidFill>
                   <a:srgbClr val="FFFFFF"/>
                 </a:solidFill>
                 <a:effectLst>
-                  <a:outerShdw sx="100000" sy="100000" kx="0" ky="0" algn="b" rotWithShape="0" blurRad="50800" dist="25400" dir="5400000">
+                  <a:outerShdw blurRad="50800" dist="25400" dir="5400000" rotWithShape="0">
                     <a:srgbClr val="000000"/>
                   </a:outerShdw>
                 </a:effectLst>
               </a:rPr>
               <a:t>Objective</a:t>
             </a:r>
-            <a:endParaRPr b="1" sz="5800">
-              <a:solidFill>
-                <a:srgbClr val="FFFFFF"/>
-              </a:solidFill>
-              <a:effectLst>
-                <a:outerShdw sx="100000" sy="100000" kx="0" ky="0" algn="b" rotWithShape="0" blurRad="50800" dist="25400" dir="5400000">
-                  <a:srgbClr val="000000"/>
-                </a:outerShdw>
-              </a:effectLst>
-            </a:endParaRPr>
-          </a:p>
-          <a:p>
-            <a:pPr lvl="0" marL="767644" indent="-767644" algn="l">
+          </a:p>
+          <a:p>
+            <a:pPr marL="767644" lvl="0" indent="-767644" algn="l">
               <a:spcBef>
                 <a:spcPts val="4200"/>
               </a:spcBef>
@@ -4690,7 +4499,7 @@
                   <a:srgbClr val="EBEBEB"/>
                 </a:solidFill>
                 <a:effectLst>
-                  <a:outerShdw sx="100000" sy="100000" kx="0" ky="0" algn="b" rotWithShape="0" blurRad="50800" dist="25400" dir="5400000">
+                  <a:outerShdw blurRad="50800" dist="25400" dir="5400000" rotWithShape="0">
                     <a:srgbClr val="000000"/>
                   </a:outerShdw>
                 </a:effectLst>
@@ -4699,48 +4508,14 @@
                 <a:cs typeface="Helvetica Neue Medium"/>
                 <a:sym typeface="Helvetica Neue Medium"/>
               </a:rPr>
-              <a:t>Build visualization that captures </a:t>
-            </a:r>
-            <a:r>
-              <a:rPr sz="3400">
-                <a:solidFill>
-                  <a:srgbClr val="EBEBEB"/>
-                </a:solidFill>
-                <a:effectLst>
-                  <a:outerShdw sx="100000" sy="100000" kx="0" ky="0" algn="b" rotWithShape="0" blurRad="50800" dist="25400" dir="5400000">
-                    <a:srgbClr val="000000"/>
-                  </a:outerShdw>
-                </a:effectLst>
-                <a:latin typeface="Helvetica Neue Medium"/>
-                <a:ea typeface="Helvetica Neue Medium"/>
-                <a:cs typeface="Helvetica Neue Medium"/>
-                <a:sym typeface="Helvetica Neue Medium"/>
-              </a:rPr>
-              <a:t>sentiments and content </a:t>
-            </a:r>
-            <a:r>
-              <a:rPr sz="3400">
-                <a:solidFill>
-                  <a:srgbClr val="EBEBEB"/>
-                </a:solidFill>
-                <a:effectLst>
-                  <a:outerShdw sx="100000" sy="100000" kx="0" ky="0" algn="b" rotWithShape="0" blurRad="50800" dist="25400" dir="5400000">
-                    <a:srgbClr val="000000"/>
-                  </a:outerShdw>
-                </a:effectLst>
-                <a:latin typeface="Helvetica Neue Medium"/>
-                <a:ea typeface="Helvetica Neue Medium"/>
-                <a:cs typeface="Helvetica Neue Medium"/>
-                <a:sym typeface="Helvetica Neue Medium"/>
-              </a:rPr>
-              <a:t>discussed about candidates</a:t>
+              <a:t>Build visualization that captures sentiments and content discussed about candidates</a:t>
             </a:r>
             <a:endParaRPr b="1">
               <a:solidFill>
                 <a:srgbClr val="FFFFFF"/>
               </a:solidFill>
               <a:effectLst>
-                <a:outerShdw sx="100000" sy="100000" kx="0" ky="0" algn="b" rotWithShape="0" blurRad="50800" dist="25400" dir="5400000">
+                <a:outerShdw blurRad="50800" dist="25400" dir="5400000" rotWithShape="0">
                   <a:srgbClr val="000000"/>
                 </a:outerShdw>
               </a:effectLst>
@@ -4753,14 +4528,14 @@
   <p:clrMapOvr>
     <a:masterClrMapping/>
   </p:clrMapOvr>
-  <p:transition spd="med" advClick="1"/>
+  <p:transition xmlns:p14="http://schemas.microsoft.com/office/powerpoint/2010/main" spd="med"/>
   <p:timing>
     <p:tnLst>
       <p:par>
-        <p:cTn id="1" nodeType="tmRoot" restart="never" dur="indefinite" fill="hold">
+        <p:cTn xmlns:p14="http://schemas.microsoft.com/office/powerpoint/2010/main" id="1" dur="indefinite" restart="never" fill="hold" nodeType="tmRoot">
           <p:childTnLst>
             <p:seq concurrent="1" prevAc="none" nextAc="seek">
-              <p:cTn id="2" nodeType="mainSeq" dur="indefinite" fill="hold">
+              <p:cTn id="2" dur="indefinite" fill="hold" nodeType="mainSeq">
                 <p:childTnLst>
                   <p:par>
                     <p:cTn id="3" fill="hold">
@@ -4775,11 +4550,11 @@
                             </p:stCondLst>
                             <p:childTnLst>
                               <p:par>
-                                <p:cTn id="5" nodeType="clickEffect" presetClass="entr" presetSubtype="0" presetID="1" grpId="1" fill="hold">
+                                <p:cTn id="5" presetID="1" presetClass="entr" presetSubtype="0" fill="hold" grpId="1" nodeType="clickEffect">
                                   <p:stCondLst>
                                     <p:cond delay="0"/>
                                   </p:stCondLst>
-                                  <p:iterate type="el" backwards="0">
+                                  <p:iterate>
                                     <p:tmAbs val="0"/>
                                   </p:iterate>
                                   <p:childTnLst>
@@ -4809,14 +4584,14 @@
                 </p:childTnLst>
               </p:cTn>
               <p:prevCondLst>
-                <p:cond evt="onPrev">
+                <p:cond evt="onPrev" delay="0">
                   <p:tgtEl>
                     <p:sldTgt/>
                   </p:tgtEl>
                 </p:cond>
               </p:prevCondLst>
               <p:nextCondLst>
-                <p:cond evt="onNext">
+                <p:cond evt="onNext" delay="0">
                   <p:tgtEl>
                     <p:sldTgt/>
                   </p:tgtEl>
@@ -4828,14 +4603,14 @@
       </p:par>
     </p:tnLst>
     <p:bldLst>
-      <p:bldP build="whole" bldLvl="1" animBg="1" rev="0" advAuto="0" spid="41" grpId="1"/>
+      <p:bldP spid="41" grpId="1" animBg="1" advAuto="0"/>
     </p:bldLst>
   </p:timing>
 </p:sld>
 </file>
 
 <file path=ppt/slides/slide3.xml><?xml version="1.0" encoding="utf-8"?>
-<p:sld xmlns:a="http://schemas.openxmlformats.org/drawingml/2006/main" xmlns:r="http://schemas.openxmlformats.org/officeDocument/2006/relationships" xmlns:p="http://schemas.openxmlformats.org/presentationml/2006/main" showMasterSp="1" showMasterPhAnim="1">
+<p:sld xmlns:a="http://schemas.openxmlformats.org/drawingml/2006/main" xmlns:r="http://schemas.openxmlformats.org/officeDocument/2006/relationships" xmlns:p="http://schemas.openxmlformats.org/presentationml/2006/main">
   <p:cSld>
     <p:spTree>
       <p:nvGrpSpPr>
@@ -4854,7 +4629,9 @@
       <p:sp>
         <p:nvSpPr>
           <p:cNvPr id="43" name="Shape 43"/>
-          <p:cNvSpPr/>
+          <p:cNvSpPr>
+            <a:spLocks noGrp="1"/>
+          </p:cNvSpPr>
           <p:nvPr>
             <p:ph type="title"/>
           </p:nvPr>
@@ -4873,13 +4650,16 @@
           <a:lstStyle/>
           <a:p>
             <a:pPr lvl="0"/>
+            <a:endParaRPr/>
           </a:p>
         </p:txBody>
       </p:sp>
       <p:sp>
         <p:nvSpPr>
           <p:cNvPr id="44" name="Shape 44"/>
-          <p:cNvSpPr/>
+          <p:cNvSpPr>
+            <a:spLocks noGrp="1"/>
+          </p:cNvSpPr>
           <p:nvPr>
             <p:ph type="body" idx="1"/>
           </p:nvPr>
@@ -4898,6 +4678,7 @@
           <a:lstStyle/>
           <a:p>
             <a:pPr lvl="0"/>
+            <a:endParaRPr/>
           </a:p>
         </p:txBody>
       </p:sp>
@@ -4927,7 +4708,7 @@
             <a:miter lim="400000"/>
           </a:ln>
           <a:effectLst>
-            <a:reflection blurRad="0" stA="50000" stPos="0" endA="0" endPos="40000" dist="0" dir="5400000" fadeDir="5400000" sx="100000" sy="-100000" kx="0" ky="0" algn="bl" rotWithShape="0"/>
+            <a:reflection stA="50000" endPos="40000" dir="5400000" sy="-100000" algn="bl" rotWithShape="0"/>
           </a:effectLst>
         </p:spPr>
       </p:pic>
@@ -4936,12 +4717,19 @@
   <p:clrMapOvr>
     <a:masterClrMapping/>
   </p:clrMapOvr>
-  <p:transition spd="med" advClick="1"/>
+  <p:transition xmlns:p14="http://schemas.microsoft.com/office/powerpoint/2010/main" spd="med"/>
+  <p:timing>
+    <p:tnLst>
+      <p:par>
+        <p:cTn xmlns:p14="http://schemas.microsoft.com/office/powerpoint/2010/main" id="1" dur="indefinite" restart="never" nodeType="tmRoot"/>
+      </p:par>
+    </p:tnLst>
+  </p:timing>
 </p:sld>
 </file>
 
 <file path=ppt/slides/slide4.xml><?xml version="1.0" encoding="utf-8"?>
-<p:sld xmlns:a="http://schemas.openxmlformats.org/drawingml/2006/main" xmlns:r="http://schemas.openxmlformats.org/officeDocument/2006/relationships" xmlns:p="http://schemas.openxmlformats.org/presentationml/2006/main" showMasterSp="1" showMasterPhAnim="1">
+<p:sld xmlns:a="http://schemas.openxmlformats.org/drawingml/2006/main" xmlns:r="http://schemas.openxmlformats.org/officeDocument/2006/relationships" xmlns:p="http://schemas.openxmlformats.org/presentationml/2006/main">
   <p:cSld>
     <p:spTree>
       <p:nvGrpSpPr>
@@ -4960,14 +4748,16 @@
       <p:sp>
         <p:nvSpPr>
           <p:cNvPr id="47" name="Shape 47"/>
-          <p:cNvSpPr/>
+          <p:cNvSpPr>
+            <a:spLocks noGrp="1"/>
+          </p:cNvSpPr>
           <p:nvPr>
             <p:ph type="title"/>
           </p:nvPr>
         </p:nvSpPr>
         <p:spPr>
           <a:xfrm>
-            <a:off x="736598" y="25400"/>
+            <a:off x="852050" y="201066"/>
             <a:ext cx="11531603" cy="941934"/>
           </a:xfrm>
           <a:prstGeom prst="rect">
@@ -4980,7 +4770,7 @@
             <a:lvl1pPr defTabSz="549148">
               <a:defRPr sz="5400">
                 <a:effectLst>
-                  <a:outerShdw sx="100000" sy="100000" kx="0" ky="0" algn="b" rotWithShape="0" blurRad="50800" dist="23876" dir="5400000">
+                  <a:outerShdw blurRad="50800" dist="23876" dir="5400000" rotWithShape="0">
                     <a:srgbClr val="000000"/>
                   </a:outerShdw>
                 </a:effectLst>
@@ -4989,7 +4779,7 @@
           </a:lstStyle>
           <a:p>
             <a:pPr lvl="0">
-              <a:defRPr b="0" sz="1800">
+              <a:defRPr sz="1800" b="0">
                 <a:solidFill>
                   <a:srgbClr val="000000"/>
                 </a:solidFill>
@@ -4997,12 +4787,12 @@
               </a:defRPr>
             </a:pPr>
             <a:r>
-              <a:rPr b="1" sz="5400">
+              <a:rPr sz="5400" b="1" dirty="0">
                 <a:solidFill>
                   <a:srgbClr val="FFFFFF"/>
                 </a:solidFill>
                 <a:effectLst>
-                  <a:outerShdw sx="100000" sy="100000" kx="0" ky="0" algn="b" rotWithShape="0" blurRad="50800" dist="23876" dir="5400000">
+                  <a:outerShdw blurRad="50800" dist="23876" dir="5400000" rotWithShape="0">
                     <a:srgbClr val="000000"/>
                   </a:outerShdw>
                 </a:effectLst>
@@ -5014,13 +4804,19 @@
       </p:sp>
       <p:pic>
         <p:nvPicPr>
-          <p:cNvPr id="48" name="slide_ex3.png"/>
-          <p:cNvPicPr/>
+          <p:cNvPr id="2" name="Picture 1" descr="slide_pos.png"/>
+          <p:cNvPicPr>
+            <a:picLocks noChangeAspect="1"/>
+          </p:cNvPicPr>
           <p:nvPr/>
         </p:nvPicPr>
         <p:blipFill>
           <a:blip r:embed="rId2">
-            <a:extLst/>
+            <a:extLst>
+              <a:ext uri="{28A0092B-C50C-407E-A947-70E740481C1C}">
+                <a14:useLocalDpi xmlns:a14="http://schemas.microsoft.com/office/drawing/2010/main" val="0"/>
+              </a:ext>
+            </a:extLst>
           </a:blip>
           <a:stretch>
             <a:fillRect/>
@@ -5028,15 +4824,12 @@
         </p:blipFill>
         <p:spPr>
           <a:xfrm>
-            <a:off x="0" y="885930"/>
-            <a:ext cx="13004800" cy="4781340"/>
+            <a:off x="-1" y="2440704"/>
+            <a:ext cx="13004801" cy="5311978"/>
           </a:xfrm>
           <a:prstGeom prst="rect">
             <a:avLst/>
           </a:prstGeom>
-          <a:ln w="12700">
-            <a:miter lim="400000"/>
-          </a:ln>
         </p:spPr>
       </p:pic>
     </p:spTree>
@@ -5044,12 +4837,19 @@
   <p:clrMapOvr>
     <a:masterClrMapping/>
   </p:clrMapOvr>
-  <p:transition spd="med" advClick="1"/>
+  <p:transition xmlns:p14="http://schemas.microsoft.com/office/powerpoint/2010/main" spd="med"/>
+  <p:timing>
+    <p:tnLst>
+      <p:par>
+        <p:cTn xmlns:p14="http://schemas.microsoft.com/office/powerpoint/2010/main" id="1" dur="indefinite" restart="never" nodeType="tmRoot"/>
+      </p:par>
+    </p:tnLst>
+  </p:timing>
 </p:sld>
 </file>
 
 <file path=ppt/slides/slide5.xml><?xml version="1.0" encoding="utf-8"?>
-<p:sld xmlns:a="http://schemas.openxmlformats.org/drawingml/2006/main" xmlns:r="http://schemas.openxmlformats.org/officeDocument/2006/relationships" xmlns:p="http://schemas.openxmlformats.org/presentationml/2006/main" showMasterSp="1" showMasterPhAnim="1">
+<p:sld xmlns:a="http://schemas.openxmlformats.org/drawingml/2006/main" xmlns:r="http://schemas.openxmlformats.org/officeDocument/2006/relationships" xmlns:p="http://schemas.openxmlformats.org/presentationml/2006/main">
   <p:cSld>
     <p:spTree>
       <p:nvGrpSpPr>
@@ -5068,14 +4868,16 @@
       <p:sp>
         <p:nvSpPr>
           <p:cNvPr id="50" name="Shape 50"/>
-          <p:cNvSpPr/>
+          <p:cNvSpPr>
+            <a:spLocks noGrp="1"/>
+          </p:cNvSpPr>
           <p:nvPr>
             <p:ph type="title"/>
           </p:nvPr>
         </p:nvSpPr>
         <p:spPr>
           <a:xfrm>
-            <a:off x="736598" y="25400"/>
+            <a:off x="967501" y="184572"/>
             <a:ext cx="11531603" cy="941934"/>
           </a:xfrm>
           <a:prstGeom prst="rect">
@@ -5088,7 +4890,7 @@
             <a:lvl1pPr defTabSz="549148">
               <a:defRPr sz="5400">
                 <a:effectLst>
-                  <a:outerShdw sx="100000" sy="100000" kx="0" ky="0" algn="b" rotWithShape="0" blurRad="50800" dist="23876" dir="5400000">
+                  <a:outerShdw blurRad="50800" dist="23876" dir="5400000" rotWithShape="0">
                     <a:srgbClr val="000000"/>
                   </a:outerShdw>
                 </a:effectLst>
@@ -5097,7 +4899,7 @@
           </a:lstStyle>
           <a:p>
             <a:pPr lvl="0">
-              <a:defRPr b="0" sz="1800">
+              <a:defRPr sz="1800" b="0">
                 <a:solidFill>
                   <a:srgbClr val="000000"/>
                 </a:solidFill>
@@ -5105,12 +4907,12 @@
               </a:defRPr>
             </a:pPr>
             <a:r>
-              <a:rPr b="1" sz="5400">
+              <a:rPr sz="5400" b="1" dirty="0">
                 <a:solidFill>
                   <a:srgbClr val="FFFFFF"/>
                 </a:solidFill>
                 <a:effectLst>
-                  <a:outerShdw sx="100000" sy="100000" kx="0" ky="0" algn="b" rotWithShape="0" blurRad="50800" dist="23876" dir="5400000">
+                  <a:outerShdw blurRad="50800" dist="23876" dir="5400000" rotWithShape="0">
                     <a:srgbClr val="000000"/>
                   </a:outerShdw>
                 </a:effectLst>
@@ -5122,13 +4924,19 @@
       </p:sp>
       <p:pic>
         <p:nvPicPr>
-          <p:cNvPr id="51" name="slide_ex3.png"/>
-          <p:cNvPicPr/>
+          <p:cNvPr id="2" name="Picture 1" descr="slide_pos1.png"/>
+          <p:cNvPicPr>
+            <a:picLocks noChangeAspect="1"/>
+          </p:cNvPicPr>
           <p:nvPr/>
         </p:nvPicPr>
         <p:blipFill>
           <a:blip r:embed="rId2">
-            <a:extLst/>
+            <a:extLst>
+              <a:ext uri="{28A0092B-C50C-407E-A947-70E740481C1C}">
+                <a14:useLocalDpi xmlns:a14="http://schemas.microsoft.com/office/drawing/2010/main" val="0"/>
+              </a:ext>
+            </a:extLst>
           </a:blip>
           <a:stretch>
             <a:fillRect/>
@@ -5136,26 +4944,119 @@
         </p:blipFill>
         <p:spPr>
           <a:xfrm>
-            <a:off x="-29955" y="885930"/>
-            <a:ext cx="13004801" cy="4781340"/>
+            <a:off x="-2012157" y="2411866"/>
+            <a:ext cx="15016957" cy="5444135"/>
           </a:xfrm>
           <a:prstGeom prst="rect">
             <a:avLst/>
           </a:prstGeom>
-          <a:ln w="12700">
-            <a:miter lim="400000"/>
-          </a:ln>
         </p:spPr>
       </p:pic>
+    </p:spTree>
+  </p:cSld>
+  <p:clrMapOvr>
+    <a:masterClrMapping/>
+  </p:clrMapOvr>
+  <p:transition xmlns:p14="http://schemas.microsoft.com/office/powerpoint/2010/main" spd="med"/>
+  <p:timing>
+    <p:tnLst>
+      <p:par>
+        <p:cTn xmlns:p14="http://schemas.microsoft.com/office/powerpoint/2010/main" id="1" dur="indefinite" restart="never" fill="hold" nodeType="tmRoot"/>
+      </p:par>
+    </p:tnLst>
+  </p:timing>
+</p:sld>
+</file>
+
+<file path=ppt/slides/slide6.xml><?xml version="1.0" encoding="utf-8"?>
+<p:sld xmlns:a="http://schemas.openxmlformats.org/drawingml/2006/main" xmlns:r="http://schemas.openxmlformats.org/officeDocument/2006/relationships" xmlns:p="http://schemas.openxmlformats.org/presentationml/2006/main">
+  <p:cSld>
+    <p:spTree>
+      <p:nvGrpSpPr>
+        <p:cNvPr id="1" name=""/>
+        <p:cNvGrpSpPr/>
+        <p:nvPr/>
+      </p:nvGrpSpPr>
+      <p:grpSpPr>
+        <a:xfrm>
+          <a:off x="0" y="0"/>
+          <a:ext cx="0" cy="0"/>
+          <a:chOff x="0" y="0"/>
+          <a:chExt cx="0" cy="0"/>
+        </a:xfrm>
+      </p:grpSpPr>
+      <p:sp>
+        <p:nvSpPr>
+          <p:cNvPr id="50" name="Shape 50"/>
+          <p:cNvSpPr>
+            <a:spLocks noGrp="1"/>
+          </p:cNvSpPr>
+          <p:nvPr>
+            <p:ph type="title"/>
+          </p:nvPr>
+        </p:nvSpPr>
+        <p:spPr>
+          <a:xfrm>
+            <a:off x="736598" y="223317"/>
+            <a:ext cx="11531603" cy="941934"/>
+          </a:xfrm>
+          <a:prstGeom prst="rect">
+            <a:avLst/>
+          </a:prstGeom>
+        </p:spPr>
+        <p:txBody>
+          <a:bodyPr/>
+          <a:lstStyle>
+            <a:lvl1pPr defTabSz="549148">
+              <a:defRPr sz="5400">
+                <a:effectLst>
+                  <a:outerShdw blurRad="50800" dist="23876" dir="5400000" rotWithShape="0">
+                    <a:srgbClr val="000000"/>
+                  </a:outerShdw>
+                </a:effectLst>
+              </a:defRPr>
+            </a:lvl1pPr>
+          </a:lstStyle>
+          <a:p>
+            <a:pPr lvl="0">
+              <a:defRPr sz="1800" b="0">
+                <a:solidFill>
+                  <a:srgbClr val="000000"/>
+                </a:solidFill>
+                <a:effectLst/>
+              </a:defRPr>
+            </a:pPr>
+            <a:r>
+              <a:rPr sz="5400" b="1" dirty="0">
+                <a:solidFill>
+                  <a:srgbClr val="FFFFFF"/>
+                </a:solidFill>
+                <a:effectLst>
+                  <a:outerShdw blurRad="50800" dist="23876" dir="5400000" rotWithShape="0">
+                    <a:srgbClr val="000000"/>
+                  </a:outerShdw>
+                </a:effectLst>
+              </a:rPr>
+              <a:t>Sentiment</a:t>
+            </a:r>
+          </a:p>
+        </p:txBody>
+      </p:sp>
       <p:pic>
         <p:nvPicPr>
-          <p:cNvPr id="52" name="slide_ex4.png"/>
-          <p:cNvPicPr/>
+          <p:cNvPr id="2" name="Picture 1" descr="slide_neg.png"/>
+          <p:cNvPicPr>
+            <a:picLocks noChangeAspect="1"/>
+          </p:cNvPicPr>
           <p:nvPr/>
         </p:nvPicPr>
         <p:blipFill>
-          <a:blip r:embed="rId3">
-            <a:extLst/>
+          <a:blip r:embed="rId2">
+            <a:extLst>
+              <a:ext uri="{28A0092B-C50C-407E-A947-70E740481C1C}">
+                <a14:useLocalDpi xmlns:a14="http://schemas.microsoft.com/office/drawing/2010/main" val="0"/>
+              </a:ext>
+            </a:extLst>
           </a:blip>
           <a:stretch>
             <a:fillRect/>
@@ -5163,105 +5064,162 @@
         </p:blipFill>
         <p:spPr>
           <a:xfrm>
-            <a:off x="-29955" y="2225842"/>
-            <a:ext cx="13004801" cy="3422316"/>
+            <a:off x="-1" y="2726368"/>
+            <a:ext cx="13004801" cy="4904925"/>
           </a:xfrm>
           <a:prstGeom prst="rect">
             <a:avLst/>
           </a:prstGeom>
-          <a:ln w="12700">
-            <a:miter lim="400000"/>
-          </a:ln>
         </p:spPr>
       </p:pic>
     </p:spTree>
+    <p:extLst>
+      <p:ext uri="{BB962C8B-B14F-4D97-AF65-F5344CB8AC3E}">
+        <p14:creationId xmlns:p14="http://schemas.microsoft.com/office/powerpoint/2010/main" val="1958736650"/>
+      </p:ext>
+    </p:extLst>
   </p:cSld>
   <p:clrMapOvr>
     <a:masterClrMapping/>
   </p:clrMapOvr>
-  <p:transition spd="med" advClick="1"/>
+  <p:transition xmlns:p14="http://schemas.microsoft.com/office/powerpoint/2010/main" spd="med"/>
   <p:timing>
     <p:tnLst>
       <p:par>
-        <p:cTn id="1" nodeType="tmRoot" restart="never" dur="indefinite" fill="hold">
-          <p:childTnLst>
-            <p:seq concurrent="1" prevAc="none" nextAc="seek">
-              <p:cTn id="2" nodeType="mainSeq" dur="indefinite" fill="hold">
-                <p:childTnLst>
-                  <p:par>
-                    <p:cTn id="3" fill="hold">
-                      <p:stCondLst>
-                        <p:cond delay="indefinite"/>
-                      </p:stCondLst>
-                      <p:childTnLst>
-                        <p:par>
-                          <p:cTn id="4" fill="hold">
-                            <p:stCondLst>
-                              <p:cond delay="0"/>
-                            </p:stCondLst>
-                            <p:childTnLst>
-                              <p:par>
-                                <p:cTn id="5" nodeType="clickEffect" presetClass="entr" presetSubtype="0" presetID="1" grpId="1" fill="hold">
-                                  <p:stCondLst>
-                                    <p:cond delay="0"/>
-                                  </p:stCondLst>
-                                  <p:iterate type="el" backwards="0">
-                                    <p:tmAbs val="0"/>
-                                  </p:iterate>
-                                  <p:childTnLst>
-                                    <p:set>
-                                      <p:cBhvr>
-                                        <p:cTn id="6" fill="hold"/>
-                                        <p:tgtEl>
-                                          <p:spTgt spid="52"/>
-                                        </p:tgtEl>
-                                        <p:attrNameLst>
-                                          <p:attrName>style.visibility</p:attrName>
-                                        </p:attrNameLst>
-                                      </p:cBhvr>
-                                      <p:to>
-                                        <p:strVal val="visible"/>
-                                      </p:to>
-                                    </p:set>
-                                  </p:childTnLst>
-                                </p:cTn>
-                              </p:par>
-                            </p:childTnLst>
-                          </p:cTn>
-                        </p:par>
-                      </p:childTnLst>
-                    </p:cTn>
-                  </p:par>
-                </p:childTnLst>
-              </p:cTn>
-              <p:prevCondLst>
-                <p:cond evt="onPrev">
-                  <p:tgtEl>
-                    <p:sldTgt/>
-                  </p:tgtEl>
-                </p:cond>
-              </p:prevCondLst>
-              <p:nextCondLst>
-                <p:cond evt="onNext">
-                  <p:tgtEl>
-                    <p:sldTgt/>
-                  </p:tgtEl>
-                </p:cond>
-              </p:nextCondLst>
-            </p:seq>
-          </p:childTnLst>
-        </p:cTn>
+        <p:cTn xmlns:p14="http://schemas.microsoft.com/office/powerpoint/2010/main" id="1" dur="indefinite" restart="never" fill="hold" nodeType="tmRoot"/>
       </p:par>
     </p:tnLst>
-    <p:bldLst>
-      <p:bldP build="whole" bldLvl="1" animBg="1" rev="0" advAuto="0" spid="52" grpId="1"/>
-    </p:bldLst>
   </p:timing>
 </p:sld>
 </file>
 
-<file path=ppt/slides/slide6.xml><?xml version="1.0" encoding="utf-8"?>
-<p:sld xmlns:a="http://schemas.openxmlformats.org/drawingml/2006/main" xmlns:r="http://schemas.openxmlformats.org/officeDocument/2006/relationships" xmlns:p="http://schemas.openxmlformats.org/presentationml/2006/main" showMasterSp="1" showMasterPhAnim="1">
+<file path=ppt/slides/slide7.xml><?xml version="1.0" encoding="utf-8"?>
+<p:sld xmlns:a="http://schemas.openxmlformats.org/drawingml/2006/main" xmlns:r="http://schemas.openxmlformats.org/officeDocument/2006/relationships" xmlns:p="http://schemas.openxmlformats.org/presentationml/2006/main">
+  <p:cSld>
+    <p:spTree>
+      <p:nvGrpSpPr>
+        <p:cNvPr id="1" name=""/>
+        <p:cNvGrpSpPr/>
+        <p:nvPr/>
+      </p:nvGrpSpPr>
+      <p:grpSpPr>
+        <a:xfrm>
+          <a:off x="0" y="0"/>
+          <a:ext cx="0" cy="0"/>
+          <a:chOff x="0" y="0"/>
+          <a:chExt cx="0" cy="0"/>
+        </a:xfrm>
+      </p:grpSpPr>
+      <p:sp>
+        <p:nvSpPr>
+          <p:cNvPr id="50" name="Shape 50"/>
+          <p:cNvSpPr>
+            <a:spLocks noGrp="1"/>
+          </p:cNvSpPr>
+          <p:nvPr>
+            <p:ph type="title"/>
+          </p:nvPr>
+        </p:nvSpPr>
+        <p:spPr>
+          <a:xfrm>
+            <a:off x="736598" y="234051"/>
+            <a:ext cx="11531603" cy="941934"/>
+          </a:xfrm>
+          <a:prstGeom prst="rect">
+            <a:avLst/>
+          </a:prstGeom>
+        </p:spPr>
+        <p:txBody>
+          <a:bodyPr/>
+          <a:lstStyle>
+            <a:lvl1pPr defTabSz="549148">
+              <a:defRPr sz="5400">
+                <a:effectLst>
+                  <a:outerShdw blurRad="50800" dist="23876" dir="5400000" rotWithShape="0">
+                    <a:srgbClr val="000000"/>
+                  </a:outerShdw>
+                </a:effectLst>
+              </a:defRPr>
+            </a:lvl1pPr>
+          </a:lstStyle>
+          <a:p>
+            <a:pPr lvl="0">
+              <a:defRPr sz="1800" b="0">
+                <a:solidFill>
+                  <a:srgbClr val="000000"/>
+                </a:solidFill>
+                <a:effectLst/>
+              </a:defRPr>
+            </a:pPr>
+            <a:r>
+              <a:rPr sz="5400" b="1" dirty="0">
+                <a:solidFill>
+                  <a:srgbClr val="FFFFFF"/>
+                </a:solidFill>
+                <a:effectLst>
+                  <a:outerShdw blurRad="50800" dist="23876" dir="5400000" rotWithShape="0">
+                    <a:srgbClr val="000000"/>
+                  </a:outerShdw>
+                </a:effectLst>
+              </a:rPr>
+              <a:t>Sentiment</a:t>
+            </a:r>
+          </a:p>
+        </p:txBody>
+      </p:sp>
+      <p:pic>
+        <p:nvPicPr>
+          <p:cNvPr id="3" name="Picture 2" descr="slide_neg1.png"/>
+          <p:cNvPicPr>
+            <a:picLocks noChangeAspect="1"/>
+          </p:cNvPicPr>
+          <p:nvPr/>
+        </p:nvPicPr>
+        <p:blipFill>
+          <a:blip r:embed="rId2">
+            <a:extLst>
+              <a:ext uri="{28A0092B-C50C-407E-A947-70E740481C1C}">
+                <a14:useLocalDpi xmlns:a14="http://schemas.microsoft.com/office/drawing/2010/main" val="0"/>
+              </a:ext>
+            </a:extLst>
+          </a:blip>
+          <a:stretch>
+            <a:fillRect/>
+          </a:stretch>
+        </p:blipFill>
+        <p:spPr>
+          <a:xfrm>
+            <a:off x="-1583336" y="2692400"/>
+            <a:ext cx="14588136" cy="4892208"/>
+          </a:xfrm>
+          <a:prstGeom prst="rect">
+            <a:avLst/>
+          </a:prstGeom>
+        </p:spPr>
+      </p:pic>
+    </p:spTree>
+    <p:extLst>
+      <p:ext uri="{BB962C8B-B14F-4D97-AF65-F5344CB8AC3E}">
+        <p14:creationId xmlns:p14="http://schemas.microsoft.com/office/powerpoint/2010/main" val="1958736650"/>
+      </p:ext>
+    </p:extLst>
+  </p:cSld>
+  <p:clrMapOvr>
+    <a:masterClrMapping/>
+  </p:clrMapOvr>
+  <p:transition xmlns:p14="http://schemas.microsoft.com/office/powerpoint/2010/main" spd="med"/>
+  <p:timing>
+    <p:tnLst>
+      <p:par>
+        <p:cTn xmlns:p14="http://schemas.microsoft.com/office/powerpoint/2010/main" id="1" dur="indefinite" restart="never" fill="hold" nodeType="tmRoot"/>
+      </p:par>
+    </p:tnLst>
+  </p:timing>
+</p:sld>
+</file>
+
+<file path=ppt/slides/slide8.xml><?xml version="1.0" encoding="utf-8"?>
+<p:sld xmlns:a="http://schemas.openxmlformats.org/drawingml/2006/main" xmlns:r="http://schemas.openxmlformats.org/officeDocument/2006/relationships" xmlns:p="http://schemas.openxmlformats.org/presentationml/2006/main">
   <p:cSld>
     <p:spTree>
       <p:nvGrpSpPr>
@@ -5279,13 +5237,19 @@
       </p:grpSpPr>
       <p:pic>
         <p:nvPicPr>
-          <p:cNvPr id="54" name="slide_ex5.png"/>
-          <p:cNvPicPr/>
+          <p:cNvPr id="2" name="Picture 1" descr="slides_trend.png"/>
+          <p:cNvPicPr>
+            <a:picLocks noChangeAspect="1"/>
+          </p:cNvPicPr>
           <p:nvPr/>
         </p:nvPicPr>
         <p:blipFill>
           <a:blip r:embed="rId2">
-            <a:extLst/>
+            <a:extLst>
+              <a:ext uri="{28A0092B-C50C-407E-A947-70E740481C1C}">
+                <a14:useLocalDpi xmlns:a14="http://schemas.microsoft.com/office/drawing/2010/main" val="0"/>
+              </a:ext>
+            </a:extLst>
           </a:blip>
           <a:stretch>
             <a:fillRect/>
@@ -5293,132 +5257,108 @@
         </p:blipFill>
         <p:spPr>
           <a:xfrm>
-            <a:off x="0" y="5757"/>
-            <a:ext cx="13004800" cy="5017686"/>
+            <a:off x="1" y="1418406"/>
+            <a:ext cx="13004799" cy="6988821"/>
           </a:xfrm>
           <a:prstGeom prst="rect">
             <a:avLst/>
           </a:prstGeom>
-          <a:ln w="12700">
-            <a:miter lim="400000"/>
-          </a:ln>
         </p:spPr>
       </p:pic>
-      <p:pic>
-        <p:nvPicPr>
-          <p:cNvPr id="55" name="slide_ex6.png"/>
-          <p:cNvPicPr/>
+      <p:sp>
+        <p:nvSpPr>
+          <p:cNvPr id="3" name="TextBox 2"/>
+          <p:cNvSpPr txBox="1"/>
           <p:nvPr/>
-        </p:nvPicPr>
-        <p:blipFill>
-          <a:blip r:embed="rId3">
-            <a:extLst/>
-          </a:blip>
-          <a:stretch>
-            <a:fillRect/>
-          </a:stretch>
-        </p:blipFill>
+        </p:nvSpPr>
         <p:spPr>
           <a:xfrm>
-            <a:off x="0" y="4938586"/>
-            <a:ext cx="13004800" cy="4829428"/>
+            <a:off x="13375894" y="445313"/>
+            <a:ext cx="102592" cy="687368"/>
           </a:xfrm>
           <a:prstGeom prst="rect">
             <a:avLst/>
           </a:prstGeom>
-          <a:ln w="12700">
+          <a:noFill/>
+          <a:ln w="12700" cap="flat">
+            <a:noFill/>
             <a:miter lim="400000"/>
           </a:ln>
+          <a:effectLst/>
         </p:spPr>
-      </p:pic>
+        <p:style>
+          <a:lnRef idx="0">
+            <a:scrgbClr r="0" g="0" b="0"/>
+          </a:lnRef>
+          <a:fillRef idx="0">
+            <a:scrgbClr r="0" g="0" b="0"/>
+          </a:fillRef>
+          <a:effectRef idx="0">
+            <a:scrgbClr r="0" g="0" b="0"/>
+          </a:effectRef>
+          <a:fontRef idx="none"/>
+        </p:style>
+        <p:txBody>
+          <a:bodyPr rot="0" spcFirstLastPara="1" vertOverflow="overflow" horzOverflow="overflow" vert="horz" wrap="none" lIns="50800" tIns="50800" rIns="50800" bIns="50800" numCol="1" spcCol="38100" rtlCol="0" anchor="ctr">
+            <a:spAutoFit/>
+          </a:bodyPr>
+          <a:lstStyle/>
+          <a:p>
+            <a:pPr marL="0" marR="0" indent="0" algn="ctr" defTabSz="584200" rtl="0" fontAlgn="auto" latinLnBrk="1" hangingPunct="0">
+              <a:lnSpc>
+                <a:spcPct val="100000"/>
+              </a:lnSpc>
+              <a:spcBef>
+                <a:spcPts val="0"/>
+              </a:spcBef>
+              <a:spcAft>
+                <a:spcPts val="0"/>
+              </a:spcAft>
+              <a:buClrTx/>
+              <a:buSzTx/>
+              <a:buFontTx/>
+              <a:buNone/>
+              <a:tabLst/>
+            </a:pPr>
+            <a:endParaRPr kumimoji="0" lang="ja-JP" altLang="en-US" sz="3800" b="0" i="0" u="none" strike="noStrike" cap="none" spc="0" normalizeH="0" baseline="0" dirty="0">
+              <a:ln>
+                <a:noFill/>
+              </a:ln>
+              <a:solidFill>
+                <a:srgbClr val="C000EB"/>
+              </a:solidFill>
+              <a:effectLst>
+                <a:outerShdw blurRad="50800" dist="25400" dir="5400000" rotWithShape="0">
+                  <a:srgbClr val="000000"/>
+                </a:outerShdw>
+              </a:effectLst>
+              <a:uFillTx/>
+              <a:latin typeface="+mn-lt"/>
+              <a:ea typeface="+mn-ea"/>
+              <a:cs typeface="+mn-cs"/>
+              <a:sym typeface="Helvetica Neue"/>
+            </a:endParaRPr>
+          </a:p>
+        </p:txBody>
+      </p:sp>
     </p:spTree>
   </p:cSld>
   <p:clrMapOvr>
     <a:masterClrMapping/>
   </p:clrMapOvr>
-  <p:transition spd="med" advClick="1"/>
+  <p:transition xmlns:p14="http://schemas.microsoft.com/office/powerpoint/2010/main" spd="med"/>
   <p:timing>
     <p:tnLst>
       <p:par>
-        <p:cTn id="1" nodeType="tmRoot" restart="never" dur="indefinite" fill="hold">
-          <p:childTnLst>
-            <p:seq concurrent="1" prevAc="none" nextAc="seek">
-              <p:cTn id="2" nodeType="mainSeq" dur="indefinite" fill="hold">
-                <p:childTnLst>
-                  <p:par>
-                    <p:cTn id="3" fill="hold">
-                      <p:stCondLst>
-                        <p:cond delay="indefinite"/>
-                      </p:stCondLst>
-                      <p:childTnLst>
-                        <p:par>
-                          <p:cTn id="4" fill="hold">
-                            <p:stCondLst>
-                              <p:cond delay="0"/>
-                            </p:stCondLst>
-                            <p:childTnLst>
-                              <p:par>
-                                <p:cTn id="5" nodeType="clickEffect" presetClass="entr" presetSubtype="0" presetID="1" grpId="1" fill="hold">
-                                  <p:stCondLst>
-                                    <p:cond delay="0"/>
-                                  </p:stCondLst>
-                                  <p:iterate type="el" backwards="0">
-                                    <p:tmAbs val="0"/>
-                                  </p:iterate>
-                                  <p:childTnLst>
-                                    <p:set>
-                                      <p:cBhvr>
-                                        <p:cTn id="6" fill="hold"/>
-                                        <p:tgtEl>
-                                          <p:spTgt spid="55"/>
-                                        </p:tgtEl>
-                                        <p:attrNameLst>
-                                          <p:attrName>style.visibility</p:attrName>
-                                        </p:attrNameLst>
-                                      </p:cBhvr>
-                                      <p:to>
-                                        <p:strVal val="visible"/>
-                                      </p:to>
-                                    </p:set>
-                                  </p:childTnLst>
-                                </p:cTn>
-                              </p:par>
-                            </p:childTnLst>
-                          </p:cTn>
-                        </p:par>
-                      </p:childTnLst>
-                    </p:cTn>
-                  </p:par>
-                </p:childTnLst>
-              </p:cTn>
-              <p:prevCondLst>
-                <p:cond evt="onPrev">
-                  <p:tgtEl>
-                    <p:sldTgt/>
-                  </p:tgtEl>
-                </p:cond>
-              </p:prevCondLst>
-              <p:nextCondLst>
-                <p:cond evt="onNext">
-                  <p:tgtEl>
-                    <p:sldTgt/>
-                  </p:tgtEl>
-                </p:cond>
-              </p:nextCondLst>
-            </p:seq>
-          </p:childTnLst>
-        </p:cTn>
+        <p:cTn xmlns:p14="http://schemas.microsoft.com/office/powerpoint/2010/main" id="1" dur="indefinite" restart="never" fill="hold" nodeType="tmRoot"/>
       </p:par>
     </p:tnLst>
-    <p:bldLst>
-      <p:bldP build="whole" bldLvl="1" animBg="1" rev="0" advAuto="0" spid="55" grpId="1"/>
-    </p:bldLst>
   </p:timing>
 </p:sld>
 </file>
 
-<file path=ppt/slides/slide7.xml><?xml version="1.0" encoding="utf-8"?>
-<p:sld xmlns:a="http://schemas.openxmlformats.org/drawingml/2006/main" xmlns:r="http://schemas.openxmlformats.org/officeDocument/2006/relationships" xmlns:p="http://schemas.openxmlformats.org/presentationml/2006/main" showMasterSp="1" showMasterPhAnim="1">
+<file path=ppt/slides/slide9.xml><?xml version="1.0" encoding="utf-8"?>
+<p:sld xmlns:a="http://schemas.openxmlformats.org/drawingml/2006/main" xmlns:r="http://schemas.openxmlformats.org/officeDocument/2006/relationships" xmlns:p="http://schemas.openxmlformats.org/presentationml/2006/main">
   <p:cSld>
     <p:spTree>
       <p:nvGrpSpPr>
@@ -5437,7 +5377,9 @@
       <p:sp>
         <p:nvSpPr>
           <p:cNvPr id="57" name="Shape 57"/>
-          <p:cNvSpPr/>
+          <p:cNvSpPr>
+            <a:spLocks noGrp="1"/>
+          </p:cNvSpPr>
           <p:nvPr>
             <p:ph type="title"/>
           </p:nvPr>
@@ -5457,7 +5399,7 @@
             <a:lvl1pPr defTabSz="543305">
               <a:defRPr sz="5900">
                 <a:effectLst>
-                  <a:outerShdw sx="100000" sy="100000" kx="0" ky="0" algn="b" rotWithShape="0" blurRad="50800" dist="23622" dir="5400000">
+                  <a:outerShdw blurRad="50800" dist="23622" dir="5400000" rotWithShape="0">
                     <a:srgbClr val="000000"/>
                   </a:outerShdw>
                 </a:effectLst>
@@ -5466,7 +5408,7 @@
           </a:lstStyle>
           <a:p>
             <a:pPr lvl="0">
-              <a:defRPr b="0" sz="1800">
+              <a:defRPr sz="1800" b="0">
                 <a:solidFill>
                   <a:srgbClr val="000000"/>
                 </a:solidFill>
@@ -5474,12 +5416,12 @@
               </a:defRPr>
             </a:pPr>
             <a:r>
-              <a:rPr b="1" sz="5900">
+              <a:rPr sz="5900" b="1">
                 <a:solidFill>
                   <a:srgbClr val="FFFFFF"/>
                 </a:solidFill>
                 <a:effectLst>
-                  <a:outerShdw sx="100000" sy="100000" kx="0" ky="0" algn="b" rotWithShape="0" blurRad="50800" dist="23622" dir="5400000">
+                  <a:outerShdw blurRad="50800" dist="23622" dir="5400000" rotWithShape="0">
                     <a:srgbClr val="000000"/>
                   </a:outerShdw>
                 </a:effectLst>
@@ -5527,7 +5469,7 @@
               <a:miter lim="400000"/>
             </a:ln>
             <a:effectLst>
-              <a:outerShdw sx="100000" sy="100000" kx="0" ky="0" algn="b" rotWithShape="0" blurRad="50800" dist="25400" dir="5400000">
+              <a:outerShdw blurRad="50800" dist="25400" dir="5400000" rotWithShape="0">
                 <a:srgbClr val="000000">
                   <a:alpha val="50000"/>
                 </a:srgbClr>
@@ -5548,6 +5490,7 @@
                   <a:effectLst/>
                 </a:defRPr>
               </a:pPr>
+              <a:endParaRPr/>
             </a:p>
           </p:txBody>
         </p:sp>
@@ -5588,7 +5531,7 @@
                     <a:srgbClr val="525252"/>
                   </a:solidFill>
                   <a:effectLst>
-                    <a:outerShdw sx="100000" sy="100000" kx="0" ky="0" algn="b" rotWithShape="0" blurRad="38100" dist="12700" dir="5400000">
+                    <a:outerShdw blurRad="38100" dist="12700" dir="5400000" rotWithShape="0">
                       <a:srgbClr val="000000">
                         <a:alpha val="80000"/>
                       </a:srgbClr>
@@ -5612,7 +5555,7 @@
                     <a:srgbClr val="525252"/>
                   </a:solidFill>
                   <a:effectLst>
-                    <a:outerShdw sx="100000" sy="100000" kx="0" ky="0" algn="b" rotWithShape="0" blurRad="38100" dist="12700" dir="5400000">
+                    <a:outerShdw blurRad="38100" dist="12700" dir="5400000" rotWithShape="0">
                       <a:srgbClr val="000000">
                         <a:alpha val="80000"/>
                       </a:srgbClr>
@@ -5663,7 +5606,7 @@
               <a:miter lim="400000"/>
             </a:ln>
             <a:effectLst>
-              <a:outerShdw sx="100000" sy="100000" kx="0" ky="0" algn="b" rotWithShape="0" blurRad="50800" dist="25400" dir="5400000">
+              <a:outerShdw blurRad="50800" dist="25400" dir="5400000" rotWithShape="0">
                 <a:srgbClr val="000000">
                   <a:alpha val="50000"/>
                 </a:srgbClr>
@@ -5684,6 +5627,7 @@
                   <a:effectLst/>
                 </a:defRPr>
               </a:pPr>
+              <a:endParaRPr/>
             </a:p>
           </p:txBody>
         </p:sp>
@@ -5724,7 +5668,7 @@
                     <a:srgbClr val="525252"/>
                   </a:solidFill>
                   <a:effectLst>
-                    <a:outerShdw sx="100000" sy="100000" kx="0" ky="0" algn="b" rotWithShape="0" blurRad="38100" dist="12700" dir="5400000">
+                    <a:outerShdw blurRad="38100" dist="12700" dir="5400000" rotWithShape="0">
                       <a:srgbClr val="000000">
                         <a:alpha val="80000"/>
                       </a:srgbClr>
@@ -5748,7 +5692,7 @@
                     <a:srgbClr val="525252"/>
                   </a:solidFill>
                   <a:effectLst>
-                    <a:outerShdw sx="100000" sy="100000" kx="0" ky="0" algn="b" rotWithShape="0" blurRad="38100" dist="12700" dir="5400000">
+                    <a:outerShdw blurRad="38100" dist="12700" dir="5400000" rotWithShape="0">
                       <a:srgbClr val="000000">
                         <a:alpha val="80000"/>
                       </a:srgbClr>
@@ -5799,7 +5743,7 @@
               <a:miter lim="400000"/>
             </a:ln>
             <a:effectLst>
-              <a:outerShdw sx="100000" sy="100000" kx="0" ky="0" algn="b" rotWithShape="0" blurRad="50800" dist="25400" dir="5400000">
+              <a:outerShdw blurRad="50800" dist="25400" dir="5400000" rotWithShape="0">
                 <a:srgbClr val="000000">
                   <a:alpha val="50000"/>
                 </a:srgbClr>
@@ -5824,6 +5768,7 @@
                   <a:sym typeface="Helvetica Neue Medium"/>
                 </a:defRPr>
               </a:pPr>
+              <a:endParaRPr/>
             </a:p>
           </p:txBody>
         </p:sp>
@@ -5864,7 +5809,7 @@
                     <a:srgbClr val="525252"/>
                   </a:solidFill>
                   <a:effectLst>
-                    <a:outerShdw sx="100000" sy="100000" kx="0" ky="0" algn="b" rotWithShape="0" blurRad="38100" dist="12700" dir="5400000">
+                    <a:outerShdw blurRad="38100" dist="12700" dir="5400000" rotWithShape="0">
                       <a:srgbClr val="000000">
                         <a:alpha val="80000"/>
                       </a:srgbClr>
@@ -5892,7 +5837,7 @@
                     <a:srgbClr val="525252"/>
                   </a:solidFill>
                   <a:effectLst>
-                    <a:outerShdw sx="100000" sy="100000" kx="0" ky="0" algn="b" rotWithShape="0" blurRad="38100" dist="12700" dir="5400000">
+                    <a:outerShdw blurRad="38100" dist="12700" dir="5400000" rotWithShape="0">
                       <a:srgbClr val="000000">
                         <a:alpha val="80000"/>
                       </a:srgbClr>
@@ -5970,7 +5915,7 @@
               <a:miter lim="400000"/>
             </a:ln>
             <a:effectLst>
-              <a:outerShdw sx="100000" sy="100000" kx="0" ky="0" algn="b" rotWithShape="0" blurRad="50800" dist="25400" dir="5400000">
+              <a:outerShdw blurRad="50800" dist="25400" dir="5400000" rotWithShape="0">
                 <a:srgbClr val="000000">
                   <a:alpha val="50000"/>
                 </a:srgbClr>
@@ -5989,7 +5934,7 @@
                     <a:srgbClr val="525252"/>
                   </a:solidFill>
                   <a:effectLst>
-                    <a:outerShdw sx="100000" sy="100000" kx="0" ky="0" algn="b" rotWithShape="0" blurRad="38100" dist="12700" dir="5400000">
+                    <a:outerShdw blurRad="38100" dist="12700" dir="5400000" rotWithShape="0">
                       <a:srgbClr val="000000">
                         <a:alpha val="80000"/>
                       </a:srgbClr>
@@ -6001,6 +5946,7 @@
                   <a:sym typeface="Helvetica Neue Medium"/>
                 </a:defRPr>
               </a:pPr>
+              <a:endParaRPr/>
             </a:p>
           </p:txBody>
         </p:sp>
@@ -6050,7 +5996,7 @@
                     <a:srgbClr val="525252"/>
                   </a:solidFill>
                   <a:effectLst>
-                    <a:outerShdw sx="100000" sy="100000" kx="0" ky="0" algn="b" rotWithShape="0" blurRad="38100" dist="12700" dir="5400000">
+                    <a:outerShdw blurRad="38100" dist="12700" dir="5400000" rotWithShape="0">
                       <a:srgbClr val="000000">
                         <a:alpha val="80000"/>
                       </a:srgbClr>
@@ -6061,45 +6007,7 @@
                   <a:cs typeface="Helvetica Neue Medium"/>
                   <a:sym typeface="Helvetica Neue Medium"/>
                 </a:rPr>
-                <a:t>Topic modeling (</a:t>
-              </a:r>
-              <a:r>
-                <a:rPr>
-                  <a:solidFill>
-                    <a:srgbClr val="525252"/>
-                  </a:solidFill>
-                  <a:effectLst>
-                    <a:outerShdw sx="100000" sy="100000" kx="0" ky="0" algn="b" rotWithShape="0" blurRad="38100" dist="12700" dir="5400000">
-                      <a:srgbClr val="000000">
-                        <a:alpha val="80000"/>
-                      </a:srgbClr>
-                    </a:outerShdw>
-                  </a:effectLst>
-                  <a:latin typeface="Helvetica Neue Medium"/>
-                  <a:ea typeface="Helvetica Neue Medium"/>
-                  <a:cs typeface="Helvetica Neue Medium"/>
-                  <a:sym typeface="Helvetica Neue Medium"/>
-                </a:rPr>
-                <a:t>NMF</a:t>
-              </a:r>
-              <a:r>
-                <a:rPr>
-                  <a:solidFill>
-                    <a:srgbClr val="525252"/>
-                  </a:solidFill>
-                  <a:effectLst>
-                    <a:outerShdw sx="100000" sy="100000" kx="0" ky="0" algn="b" rotWithShape="0" blurRad="38100" dist="12700" dir="5400000">
-                      <a:srgbClr val="000000">
-                        <a:alpha val="80000"/>
-                      </a:srgbClr>
-                    </a:outerShdw>
-                  </a:effectLst>
-                  <a:latin typeface="Helvetica Neue Medium"/>
-                  <a:ea typeface="Helvetica Neue Medium"/>
-                  <a:cs typeface="Helvetica Neue Medium"/>
-                  <a:sym typeface="Helvetica Neue Medium"/>
-                </a:rPr>
-                <a:t>)</a:t>
+                <a:t>Topic modeling (NMF)</a:t>
               </a:r>
             </a:p>
           </p:txBody>
@@ -6143,7 +6051,7 @@
               <a:miter lim="400000"/>
             </a:ln>
             <a:effectLst>
-              <a:outerShdw sx="100000" sy="100000" kx="0" ky="0" algn="b" rotWithShape="0" blurRad="50800" dist="25400" dir="5400000">
+              <a:outerShdw blurRad="50800" dist="25400" dir="5400000" rotWithShape="0">
                 <a:srgbClr val="000000">
                   <a:alpha val="50000"/>
                 </a:srgbClr>
@@ -6168,6 +6076,7 @@
                   <a:sym typeface="Helvetica Neue Medium"/>
                 </a:defRPr>
               </a:pPr>
+              <a:endParaRPr/>
             </a:p>
           </p:txBody>
         </p:sp>
@@ -6208,7 +6117,7 @@
                     <a:srgbClr val="525252"/>
                   </a:solidFill>
                   <a:effectLst>
-                    <a:outerShdw sx="100000" sy="100000" kx="0" ky="0" algn="b" rotWithShape="0" blurRad="38100" dist="12700" dir="5400000">
+                    <a:outerShdw blurRad="38100" dist="12700" dir="5400000" rotWithShape="0">
                       <a:srgbClr val="000000">
                         <a:alpha val="80000"/>
                       </a:srgbClr>
@@ -6236,7 +6145,7 @@
                     <a:srgbClr val="525252"/>
                   </a:solidFill>
                   <a:effectLst>
-                    <a:outerShdw sx="100000" sy="100000" kx="0" ky="0" algn="b" rotWithShape="0" blurRad="38100" dist="12700" dir="5400000">
+                    <a:outerShdw blurRad="38100" dist="12700" dir="5400000" rotWithShape="0">
                       <a:srgbClr val="000000">
                         <a:alpha val="80000"/>
                       </a:srgbClr>
@@ -6287,7 +6196,7 @@
               <a:miter lim="400000"/>
             </a:ln>
             <a:effectLst>
-              <a:outerShdw sx="100000" sy="100000" kx="0" ky="0" algn="b" rotWithShape="0" blurRad="50800" dist="25400" dir="5400000">
+              <a:outerShdw blurRad="50800" dist="25400" dir="5400000" rotWithShape="0">
                 <a:srgbClr val="000000">
                   <a:alpha val="50000"/>
                 </a:srgbClr>
@@ -6312,6 +6221,7 @@
                   <a:sym typeface="Helvetica Neue Medium"/>
                 </a:defRPr>
               </a:pPr>
+              <a:endParaRPr/>
             </a:p>
           </p:txBody>
         </p:sp>
@@ -6352,7 +6262,7 @@
                     <a:srgbClr val="525252"/>
                   </a:solidFill>
                   <a:effectLst>
-                    <a:outerShdw sx="100000" sy="100000" kx="0" ky="0" algn="b" rotWithShape="0" blurRad="38100" dist="12700" dir="5400000">
+                    <a:outerShdw blurRad="38100" dist="12700" dir="5400000" rotWithShape="0">
                       <a:srgbClr val="000000">
                         <a:alpha val="80000"/>
                       </a:srgbClr>
@@ -6380,7 +6290,7 @@
                     <a:srgbClr val="525252"/>
                   </a:solidFill>
                   <a:effectLst>
-                    <a:outerShdw sx="100000" sy="100000" kx="0" ky="0" algn="b" rotWithShape="0" blurRad="38100" dist="12700" dir="5400000">
+                    <a:outerShdw blurRad="38100" dist="12700" dir="5400000" rotWithShape="0">
                       <a:srgbClr val="000000">
                         <a:alpha val="80000"/>
                       </a:srgbClr>
@@ -6431,6 +6341,7 @@
                 <a:sym typeface="Helvetica"/>
               </a:defRPr>
             </a:pPr>
+            <a:endParaRPr/>
           </a:p>
         </p:txBody>
       </p:sp>
@@ -6472,6 +6383,7 @@
                 <a:sym typeface="Helvetica"/>
               </a:defRPr>
             </a:pPr>
+            <a:endParaRPr/>
           </a:p>
         </p:txBody>
       </p:sp>
@@ -6513,6 +6425,7 @@
                 <a:sym typeface="Helvetica"/>
               </a:defRPr>
             </a:pPr>
+            <a:endParaRPr/>
           </a:p>
         </p:txBody>
       </p:sp>
@@ -6554,6 +6467,7 @@
                 <a:sym typeface="Helvetica"/>
               </a:defRPr>
             </a:pPr>
+            <a:endParaRPr/>
           </a:p>
         </p:txBody>
       </p:sp>
@@ -6595,6 +6509,7 @@
                 <a:sym typeface="Helvetica"/>
               </a:defRPr>
             </a:pPr>
+            <a:endParaRPr/>
           </a:p>
         </p:txBody>
       </p:sp>
@@ -6636,6 +6551,7 @@
                 <a:sym typeface="Helvetica"/>
               </a:defRPr>
             </a:pPr>
+            <a:endParaRPr/>
           </a:p>
         </p:txBody>
       </p:sp>
@@ -6677,6 +6593,7 @@
                 <a:sym typeface="Helvetica"/>
               </a:defRPr>
             </a:pPr>
+            <a:endParaRPr/>
           </a:p>
         </p:txBody>
       </p:sp>
@@ -6745,6 +6662,7 @@
                 <a:sym typeface="Helvetica"/>
               </a:defRPr>
             </a:pPr>
+            <a:endParaRPr/>
           </a:p>
         </p:txBody>
       </p:sp>
@@ -6807,403 +6725,19 @@
   <p:clrMapOvr>
     <a:masterClrMapping/>
   </p:clrMapOvr>
-  <p:transition spd="med" advClick="1"/>
-</p:sld>
-</file>
-
-<file path=ppt/slides/slide8.xml><?xml version="1.0" encoding="utf-8"?>
-<p:sld xmlns:a="http://schemas.openxmlformats.org/drawingml/2006/main" xmlns:r="http://schemas.openxmlformats.org/officeDocument/2006/relationships" xmlns:p="http://schemas.openxmlformats.org/presentationml/2006/main" showMasterSp="1" showMasterPhAnim="1">
-  <p:cSld>
-    <p:spTree>
-      <p:nvGrpSpPr>
-        <p:cNvPr id="1" name=""/>
-        <p:cNvGrpSpPr/>
-        <p:nvPr/>
-      </p:nvGrpSpPr>
-      <p:grpSpPr>
-        <a:xfrm>
-          <a:off x="0" y="0"/>
-          <a:ext cx="0" cy="0"/>
-          <a:chOff x="0" y="0"/>
-          <a:chExt cx="0" cy="0"/>
-        </a:xfrm>
-      </p:grpSpPr>
-      <p:sp>
-        <p:nvSpPr>
-          <p:cNvPr id="89" name="Shape 89"/>
-          <p:cNvSpPr/>
-          <p:nvPr>
-            <p:ph type="title"/>
-          </p:nvPr>
-        </p:nvSpPr>
-        <p:spPr>
-          <a:xfrm>
-            <a:off x="762000" y="-323921"/>
-            <a:ext cx="11480800" cy="2146301"/>
-          </a:xfrm>
-          <a:prstGeom prst="rect">
-            <a:avLst/>
-          </a:prstGeom>
-        </p:spPr>
-        <p:txBody>
-          <a:bodyPr/>
-          <a:lstStyle>
-            <a:lvl1pPr>
-              <a:defRPr sz="5800"/>
-            </a:lvl1pPr>
-          </a:lstStyle>
-          <a:p>
-            <a:pPr lvl="0">
-              <a:defRPr b="0" sz="1800">
-                <a:solidFill>
-                  <a:srgbClr val="000000"/>
-                </a:solidFill>
-                <a:effectLst/>
-              </a:defRPr>
-            </a:pPr>
-            <a:r>
-              <a:rPr b="1" sz="5800">
-                <a:solidFill>
-                  <a:srgbClr val="FFFFFF"/>
-                </a:solidFill>
-                <a:effectLst>
-                  <a:outerShdw sx="100000" sy="100000" kx="0" ky="0" algn="b" rotWithShape="0" blurRad="50800" dist="25400" dir="5400000">
-                    <a:srgbClr val="000000"/>
-                  </a:outerShdw>
-                </a:effectLst>
-              </a:rPr>
-              <a:t>Insights</a:t>
-            </a:r>
-          </a:p>
-        </p:txBody>
-      </p:sp>
-      <p:sp>
-        <p:nvSpPr>
-          <p:cNvPr id="90" name="Shape 90"/>
-          <p:cNvSpPr/>
-          <p:nvPr>
-            <p:ph type="body" idx="1"/>
-          </p:nvPr>
-        </p:nvSpPr>
-        <p:spPr>
-          <a:xfrm>
-            <a:off x="521226" y="1601984"/>
-            <a:ext cx="12479868" cy="7135616"/>
-          </a:xfrm>
-          <a:prstGeom prst="rect">
-            <a:avLst/>
-          </a:prstGeom>
-        </p:spPr>
-        <p:txBody>
-          <a:bodyPr/>
-          <a:lstStyle/>
-          <a:p>
-            <a:pPr lvl="0">
-              <a:buClr>
-                <a:srgbClr val="EBEBEB"/>
-              </a:buClr>
-              <a:defRPr sz="1800">
-                <a:solidFill>
-                  <a:srgbClr val="000000"/>
-                </a:solidFill>
-                <a:effectLst/>
-              </a:defRPr>
-            </a:pPr>
-            <a:r>
-              <a:rPr sz="4000">
-                <a:solidFill>
-                  <a:srgbClr val="EBEBEB"/>
-                </a:solidFill>
-                <a:effectLst>
-                  <a:outerShdw sx="100000" sy="100000" kx="0" ky="0" algn="b" rotWithShape="0" blurRad="50800" dist="25400" dir="5400000">
-                    <a:srgbClr val="000000"/>
-                  </a:outerShdw>
-                </a:effectLst>
-              </a:rPr>
-              <a:t>Topics in recent news detected. </a:t>
-            </a:r>
-            <a:endParaRPr sz="4000"/>
-          </a:p>
-          <a:p>
-            <a:pPr lvl="0">
-              <a:buClr>
-                <a:srgbClr val="EBEBEB"/>
-              </a:buClr>
-              <a:defRPr sz="1800">
-                <a:solidFill>
-                  <a:srgbClr val="000000"/>
-                </a:solidFill>
-                <a:effectLst/>
-              </a:defRPr>
-            </a:pPr>
-            <a:r>
-              <a:rPr sz="4000">
-                <a:solidFill>
-                  <a:srgbClr val="EBEBEB"/>
-                </a:solidFill>
-                <a:effectLst>
-                  <a:outerShdw sx="100000" sy="100000" kx="0" ky="0" algn="b" rotWithShape="0" blurRad="50800" dist="25400" dir="5400000">
-                    <a:srgbClr val="000000"/>
-                  </a:outerShdw>
-                </a:effectLst>
-              </a:rPr>
-              <a:t>Identify representative </a:t>
-            </a:r>
-            <a:r>
-              <a:rPr sz="4000">
-                <a:solidFill>
-                  <a:srgbClr val="EBEBEB"/>
-                </a:solidFill>
-                <a:effectLst>
-                  <a:outerShdw sx="100000" sy="100000" kx="0" ky="0" algn="b" rotWithShape="0" blurRad="50800" dist="25400" dir="5400000">
-                    <a:srgbClr val="000000"/>
-                  </a:outerShdw>
-                </a:effectLst>
-              </a:rPr>
-              <a:t>comment</a:t>
-            </a:r>
-            <a:r>
-              <a:rPr sz="4000">
-                <a:solidFill>
-                  <a:srgbClr val="EBEBEB"/>
-                </a:solidFill>
-                <a:effectLst>
-                  <a:outerShdw sx="100000" sy="100000" kx="0" ky="0" algn="b" rotWithShape="0" blurRad="50800" dist="25400" dir="5400000">
-                    <a:srgbClr val="000000"/>
-                  </a:outerShdw>
-                </a:effectLst>
-              </a:rPr>
-              <a:t> that</a:t>
-            </a:r>
-            <a:r>
-              <a:rPr sz="4000">
-                <a:solidFill>
-                  <a:srgbClr val="EBEBEB"/>
-                </a:solidFill>
-                <a:effectLst>
-                  <a:outerShdw sx="100000" sy="100000" kx="0" ky="0" algn="b" rotWithShape="0" blurRad="50800" dist="25400" dir="5400000">
-                    <a:srgbClr val="000000"/>
-                  </a:outerShdw>
-                </a:effectLst>
-              </a:rPr>
-              <a:t> capture</a:t>
-            </a:r>
-            <a:r>
-              <a:rPr sz="4000">
-                <a:solidFill>
-                  <a:srgbClr val="EBEBEB"/>
-                </a:solidFill>
-                <a:effectLst>
-                  <a:outerShdw sx="100000" sy="100000" kx="0" ky="0" algn="b" rotWithShape="0" blurRad="50800" dist="25400" dir="5400000">
-                    <a:srgbClr val="000000"/>
-                  </a:outerShdw>
-                </a:effectLst>
-              </a:rPr>
-              <a:t>s</a:t>
-            </a:r>
-            <a:r>
-              <a:rPr sz="4000">
-                <a:solidFill>
-                  <a:srgbClr val="EBEBEB"/>
-                </a:solidFill>
-                <a:effectLst>
-                  <a:outerShdw sx="100000" sy="100000" kx="0" ky="0" algn="b" rotWithShape="0" blurRad="50800" dist="25400" dir="5400000">
-                    <a:srgbClr val="000000"/>
-                  </a:outerShdw>
-                </a:effectLst>
-              </a:rPr>
-              <a:t>     the topic’s idea.</a:t>
-            </a:r>
-          </a:p>
-        </p:txBody>
-      </p:sp>
-    </p:spTree>
-  </p:cSld>
-  <p:clrMapOvr>
-    <a:masterClrMapping/>
-  </p:clrMapOvr>
-  <p:transition spd="med" advClick="1"/>
-</p:sld>
-</file>
-
-<file path=ppt/slides/slide9.xml><?xml version="1.0" encoding="utf-8"?>
-<p:sld xmlns:a="http://schemas.openxmlformats.org/drawingml/2006/main" xmlns:r="http://schemas.openxmlformats.org/officeDocument/2006/relationships" xmlns:p="http://schemas.openxmlformats.org/presentationml/2006/main" showMasterSp="1" showMasterPhAnim="1">
-  <p:cSld>
-    <p:spTree>
-      <p:nvGrpSpPr>
-        <p:cNvPr id="1" name=""/>
-        <p:cNvGrpSpPr/>
-        <p:nvPr/>
-      </p:nvGrpSpPr>
-      <p:grpSpPr>
-        <a:xfrm>
-          <a:off x="0" y="0"/>
-          <a:ext cx="0" cy="0"/>
-          <a:chOff x="0" y="0"/>
-          <a:chExt cx="0" cy="0"/>
-        </a:xfrm>
-      </p:grpSpPr>
-      <p:sp>
-        <p:nvSpPr>
-          <p:cNvPr id="94" name="Shape 94"/>
-          <p:cNvSpPr/>
-          <p:nvPr>
-            <p:ph type="title"/>
-          </p:nvPr>
-        </p:nvSpPr>
-        <p:spPr>
-          <a:xfrm>
-            <a:off x="762000" y="-294327"/>
-            <a:ext cx="11480800" cy="2146301"/>
-          </a:xfrm>
-          <a:prstGeom prst="rect">
-            <a:avLst/>
-          </a:prstGeom>
-        </p:spPr>
-        <p:txBody>
-          <a:bodyPr/>
-          <a:lstStyle>
-            <a:lvl1pPr>
-              <a:defRPr sz="5800"/>
-            </a:lvl1pPr>
-          </a:lstStyle>
-          <a:p>
-            <a:pPr lvl="0">
-              <a:defRPr b="0" sz="1800">
-                <a:solidFill>
-                  <a:srgbClr val="000000"/>
-                </a:solidFill>
-                <a:effectLst/>
-              </a:defRPr>
-            </a:pPr>
-            <a:r>
-              <a:rPr b="1" sz="5800">
-                <a:solidFill>
-                  <a:srgbClr val="FFFFFF"/>
-                </a:solidFill>
-                <a:effectLst>
-                  <a:outerShdw sx="100000" sy="100000" kx="0" ky="0" algn="b" rotWithShape="0" blurRad="50800" dist="25400" dir="5400000">
-                    <a:srgbClr val="000000"/>
-                  </a:outerShdw>
-                </a:effectLst>
-              </a:rPr>
-              <a:t>Future steps</a:t>
-            </a:r>
-          </a:p>
-        </p:txBody>
-      </p:sp>
-      <p:sp>
-        <p:nvSpPr>
-          <p:cNvPr id="95" name="Shape 95"/>
-          <p:cNvSpPr/>
-          <p:nvPr>
-            <p:ph type="body" idx="1"/>
-          </p:nvPr>
-        </p:nvSpPr>
-        <p:spPr>
-          <a:xfrm>
-            <a:off x="754060" y="1697566"/>
-            <a:ext cx="12242801" cy="7071784"/>
-          </a:xfrm>
-          <a:prstGeom prst="rect">
-            <a:avLst/>
-          </a:prstGeom>
-        </p:spPr>
-        <p:txBody>
-          <a:bodyPr/>
-          <a:lstStyle/>
-          <a:p>
-            <a:pPr lvl="0">
-              <a:buClr>
-                <a:srgbClr val="EBEBEB"/>
-              </a:buClr>
-              <a:defRPr sz="1800">
-                <a:solidFill>
-                  <a:srgbClr val="000000"/>
-                </a:solidFill>
-                <a:effectLst/>
-              </a:defRPr>
-            </a:pPr>
-            <a:r>
-              <a:rPr sz="4000">
-                <a:solidFill>
-                  <a:srgbClr val="EBEBEB"/>
-                </a:solidFill>
-                <a:effectLst>
-                  <a:outerShdw sx="100000" sy="100000" kx="0" ky="0" algn="b" rotWithShape="0" blurRad="50800" dist="25400" dir="5400000">
-                    <a:srgbClr val="000000"/>
-                  </a:outerShdw>
-                </a:effectLst>
-              </a:rPr>
-              <a:t>Use distinct topics associated with each candidate  or other measures (subjectivity) as feature in classification</a:t>
-            </a:r>
-            <a:endParaRPr sz="4000"/>
-          </a:p>
-          <a:p>
-            <a:pPr lvl="0">
-              <a:buClr>
-                <a:srgbClr val="EBEBEB"/>
-              </a:buClr>
-              <a:defRPr sz="1800">
-                <a:solidFill>
-                  <a:srgbClr val="000000"/>
-                </a:solidFill>
-                <a:effectLst/>
-              </a:defRPr>
-            </a:pPr>
-            <a:r>
-              <a:rPr sz="4000">
-                <a:solidFill>
-                  <a:srgbClr val="EBEBEB"/>
-                </a:solidFill>
-                <a:effectLst>
-                  <a:outerShdw sx="100000" sy="100000" kx="0" ky="0" algn="b" rotWithShape="0" blurRad="50800" dist="25400" dir="5400000">
-                    <a:srgbClr val="000000"/>
-                  </a:outerShdw>
-                </a:effectLst>
-              </a:rPr>
-              <a:t>Utilize both the comments and news cycles to predict </a:t>
-            </a:r>
-            <a:r>
-              <a:rPr sz="4000">
-                <a:solidFill>
-                  <a:srgbClr val="EBEBEB"/>
-                </a:solidFill>
-                <a:effectLst>
-                  <a:outerShdw sx="100000" sy="100000" kx="0" ky="0" algn="b" rotWithShape="0" blurRad="50800" dist="25400" dir="5400000">
-                    <a:srgbClr val="000000"/>
-                  </a:outerShdw>
-                </a:effectLst>
-              </a:rPr>
-              <a:t>popular</a:t>
-            </a:r>
-            <a:r>
-              <a:rPr sz="4000">
-                <a:solidFill>
-                  <a:srgbClr val="EBEBEB"/>
-                </a:solidFill>
-                <a:effectLst>
-                  <a:outerShdw sx="100000" sy="100000" kx="0" ky="0" algn="b" rotWithShape="0" blurRad="50800" dist="25400" dir="5400000">
-                    <a:srgbClr val="000000"/>
-                  </a:outerShdw>
-                </a:effectLst>
-              </a:rPr>
-              <a:t> topics</a:t>
-            </a:r>
-          </a:p>
-        </p:txBody>
-      </p:sp>
-    </p:spTree>
-  </p:cSld>
-  <p:clrMapOvr>
-    <a:masterClrMapping/>
-  </p:clrMapOvr>
-  <p:transition spd="med" advClick="1"/>
+  <p:transition xmlns:p14="http://schemas.microsoft.com/office/powerpoint/2010/main" spd="med"/>
+  <p:timing>
+    <p:tnLst>
+      <p:par>
+        <p:cTn xmlns:p14="http://schemas.microsoft.com/office/powerpoint/2010/main" id="1" dur="indefinite" restart="never" nodeType="tmRoot"/>
+      </p:par>
+    </p:tnLst>
+  </p:timing>
 </p:sld>
 </file>
 
 <file path=ppt/theme/theme1.xml><?xml version="1.0" encoding="utf-8"?>
-<a:theme xmlns:a="http://schemas.openxmlformats.org/drawingml/2006/main" xmlns:r="http://schemas.openxmlformats.org/officeDocument/2006/relationships" name="Default">
+<a:theme xmlns:a="http://schemas.openxmlformats.org/drawingml/2006/main" name="Default">
   <a:themeElements>
     <a:clrScheme name="Default">
       <a:dk1>
@@ -7329,7 +6863,7 @@
       <a:effectStyleLst>
         <a:effectStyle>
           <a:effectLst>
-            <a:outerShdw sx="100000" sy="100000" kx="0" ky="0" algn="b" rotWithShape="0" blurRad="50800" dist="25400" dir="5400000">
+            <a:outerShdw blurRad="50800" dist="25400" dir="5400000" rotWithShape="0">
               <a:srgbClr val="000000">
                 <a:alpha val="50000"/>
               </a:srgbClr>
@@ -7338,7 +6872,7 @@
         </a:effectStyle>
         <a:effectStyle>
           <a:effectLst>
-            <a:outerShdw sx="100000" sy="100000" kx="0" ky="0" algn="b" rotWithShape="0" blurRad="50800" dist="25400" dir="5400000">
+            <a:outerShdw blurRad="50800" dist="25400" dir="5400000" rotWithShape="0">
               <a:srgbClr val="000000">
                 <a:alpha val="50000"/>
               </a:srgbClr>
@@ -7347,7 +6881,7 @@
         </a:effectStyle>
         <a:effectStyle>
           <a:effectLst>
-            <a:outerShdw sx="100000" sy="100000" kx="0" ky="0" algn="b" rotWithShape="0" blurRad="50800" dist="25400" dir="5400000">
+            <a:outerShdw blurRad="50800" dist="25400" dir="5400000" rotWithShape="0">
               <a:srgbClr val="000000">
                 <a:alpha val="50000"/>
               </a:srgbClr>
@@ -7421,14 +6955,14 @@
           <a:bevel/>
         </a:ln>
         <a:effectLst>
-          <a:outerShdw sx="100000" sy="100000" kx="0" ky="0" algn="b" rotWithShape="0" blurRad="50800" dist="25400" dir="5400000">
+          <a:outerShdw blurRad="50800" dist="25400" dir="5400000" rotWithShape="0">
             <a:srgbClr val="000000">
               <a:alpha val="50000"/>
             </a:srgbClr>
           </a:outerShdw>
         </a:effectLst>
       </a:spPr>
-      <a:bodyPr rot="0" spcFirstLastPara="1" vertOverflow="overflow" horzOverflow="overflow" vert="horz" wrap="square" lIns="50800" tIns="50800" rIns="50800" bIns="50800" numCol="1" spcCol="38100" rtlCol="0" anchor="ctr" upright="0">
+      <a:bodyPr rot="0" spcFirstLastPara="1" vertOverflow="overflow" horzOverflow="overflow" vert="horz" wrap="square" lIns="50800" tIns="50800" rIns="50800" bIns="50800" numCol="1" spcCol="38100" rtlCol="0" anchor="ctr">
         <a:spAutoFit/>
       </a:bodyPr>
       <a:lstStyle>
@@ -7447,7 +6981,7 @@
           <a:buFontTx/>
           <a:buNone/>
           <a:tabLst/>
-          <a:defRPr b="0" baseline="0" cap="none" i="0" spc="0" strike="noStrike" sz="3800" u="none" kumimoji="0" normalizeH="0">
+          <a:defRPr kumimoji="0" sz="3800" b="0" i="0" u="none" strike="noStrike" cap="none" spc="0" normalizeH="0" baseline="0">
             <a:ln>
               <a:noFill/>
             </a:ln>
@@ -7455,7 +6989,7 @@
               <a:srgbClr val="C000EB"/>
             </a:solidFill>
             <a:effectLst>
-              <a:outerShdw sx="100000" sy="100000" kx="0" ky="0" algn="b" rotWithShape="0" blurRad="50800" dist="25400" dir="5400000">
+              <a:outerShdw blurRad="50800" dist="25400" dir="5400000" rotWithShape="0">
                 <a:srgbClr val="000000"/>
               </a:outerShdw>
             </a:effectLst>
@@ -7481,7 +7015,7 @@
           <a:buFontTx/>
           <a:buNone/>
           <a:tabLst/>
-          <a:defRPr b="0" baseline="0" cap="none" i="0" spc="0" strike="noStrike" sz="1800" u="none" kumimoji="0" normalizeH="0">
+          <a:defRPr kumimoji="0" sz="1800" b="0" i="0" u="none" strike="noStrike" cap="none" spc="0" normalizeH="0" baseline="0">
             <a:ln>
               <a:noFill/>
             </a:ln>
@@ -7507,7 +7041,7 @@
           <a:buFontTx/>
           <a:buNone/>
           <a:tabLst/>
-          <a:defRPr b="0" baseline="0" cap="none" i="0" spc="0" strike="noStrike" sz="1800" u="none" kumimoji="0" normalizeH="0">
+          <a:defRPr kumimoji="0" sz="1800" b="0" i="0" u="none" strike="noStrike" cap="none" spc="0" normalizeH="0" baseline="0">
             <a:ln>
               <a:noFill/>
             </a:ln>
@@ -7533,7 +7067,7 @@
           <a:buFontTx/>
           <a:buNone/>
           <a:tabLst/>
-          <a:defRPr b="0" baseline="0" cap="none" i="0" spc="0" strike="noStrike" sz="1800" u="none" kumimoji="0" normalizeH="0">
+          <a:defRPr kumimoji="0" sz="1800" b="0" i="0" u="none" strike="noStrike" cap="none" spc="0" normalizeH="0" baseline="0">
             <a:ln>
               <a:noFill/>
             </a:ln>
@@ -7559,7 +7093,7 @@
           <a:buFontTx/>
           <a:buNone/>
           <a:tabLst/>
-          <a:defRPr b="0" baseline="0" cap="none" i="0" spc="0" strike="noStrike" sz="1800" u="none" kumimoji="0" normalizeH="0">
+          <a:defRPr kumimoji="0" sz="1800" b="0" i="0" u="none" strike="noStrike" cap="none" spc="0" normalizeH="0" baseline="0">
             <a:ln>
               <a:noFill/>
             </a:ln>
@@ -7585,7 +7119,7 @@
           <a:buFontTx/>
           <a:buNone/>
           <a:tabLst/>
-          <a:defRPr b="0" baseline="0" cap="none" i="0" spc="0" strike="noStrike" sz="1800" u="none" kumimoji="0" normalizeH="0">
+          <a:defRPr kumimoji="0" sz="1800" b="0" i="0" u="none" strike="noStrike" cap="none" spc="0" normalizeH="0" baseline="0">
             <a:ln>
               <a:noFill/>
             </a:ln>
@@ -7611,7 +7145,7 @@
           <a:buFontTx/>
           <a:buNone/>
           <a:tabLst/>
-          <a:defRPr b="0" baseline="0" cap="none" i="0" spc="0" strike="noStrike" sz="1800" u="none" kumimoji="0" normalizeH="0">
+          <a:defRPr kumimoji="0" sz="1800" b="0" i="0" u="none" strike="noStrike" cap="none" spc="0" normalizeH="0" baseline="0">
             <a:ln>
               <a:noFill/>
             </a:ln>
@@ -7637,7 +7171,7 @@
           <a:buFontTx/>
           <a:buNone/>
           <a:tabLst/>
-          <a:defRPr b="0" baseline="0" cap="none" i="0" spc="0" strike="noStrike" sz="1800" u="none" kumimoji="0" normalizeH="0">
+          <a:defRPr kumimoji="0" sz="1800" b="0" i="0" u="none" strike="noStrike" cap="none" spc="0" normalizeH="0" baseline="0">
             <a:ln>
               <a:noFill/>
             </a:ln>
@@ -7663,7 +7197,7 @@
           <a:buFontTx/>
           <a:buNone/>
           <a:tabLst/>
-          <a:defRPr b="0" baseline="0" cap="none" i="0" spc="0" strike="noStrike" sz="1800" u="none" kumimoji="0" normalizeH="0">
+          <a:defRPr kumimoji="0" sz="1800" b="0" i="0" u="none" strike="noStrike" cap="none" spc="0" normalizeH="0" baseline="0">
             <a:ln>
               <a:noFill/>
             </a:ln>
@@ -7689,7 +7223,7 @@
           <a:buFontTx/>
           <a:buNone/>
           <a:tabLst/>
-          <a:defRPr b="0" baseline="0" cap="none" i="0" spc="0" strike="noStrike" sz="1800" u="none" kumimoji="0" normalizeH="0">
+          <a:defRPr kumimoji="0" sz="1800" b="0" i="0" u="none" strike="noStrike" cap="none" spc="0" normalizeH="0" baseline="0">
             <a:ln>
               <a:noFill/>
             </a:ln>
@@ -7702,9 +7236,15 @@
         </a:lvl9pPr>
       </a:lstStyle>
       <a:style>
-        <a:lnRef idx="0"/>
-        <a:fillRef idx="0"/>
-        <a:effectRef idx="0"/>
+        <a:lnRef idx="0">
+          <a:scrgbClr r="0" g="0" b="0"/>
+        </a:lnRef>
+        <a:fillRef idx="0">
+          <a:scrgbClr r="0" g="0" b="0"/>
+        </a:fillRef>
+        <a:effectRef idx="0">
+          <a:scrgbClr r="0" g="0" b="0"/>
+        </a:effectRef>
         <a:fontRef idx="none"/>
       </a:style>
     </a:spDef>
@@ -7719,14 +7259,14 @@
           <a:bevel/>
         </a:ln>
         <a:effectLst>
-          <a:outerShdw sx="100000" sy="100000" kx="0" ky="0" algn="b" rotWithShape="0" blurRad="50800" dist="25400" dir="5400000">
+          <a:outerShdw blurRad="50800" dist="25400" dir="5400000" rotWithShape="0">
             <a:srgbClr val="000000">
               <a:alpha val="50000"/>
             </a:srgbClr>
           </a:outerShdw>
         </a:effectLst>
       </a:spPr>
-      <a:bodyPr rot="0" spcFirstLastPara="1" vertOverflow="overflow" horzOverflow="overflow" vert="horz" wrap="square" lIns="91439" tIns="45719" rIns="91439" bIns="45719" numCol="1" spcCol="38100" rtlCol="0" anchor="t" upright="0">
+      <a:bodyPr rot="0" spcFirstLastPara="1" vertOverflow="overflow" horzOverflow="overflow" vert="horz" wrap="square" lIns="91439" tIns="45719" rIns="91439" bIns="45719" numCol="1" spcCol="38100" rtlCol="0" anchor="t">
         <a:noAutofit/>
       </a:bodyPr>
       <a:lstStyle>
@@ -7745,7 +7285,7 @@
           <a:buFontTx/>
           <a:buNone/>
           <a:tabLst/>
-          <a:defRPr b="0" baseline="0" cap="none" i="0" spc="0" strike="noStrike" sz="1800" u="none" kumimoji="0" normalizeH="0">
+          <a:defRPr kumimoji="0" sz="1800" b="0" i="0" u="none" strike="noStrike" cap="none" spc="0" normalizeH="0" baseline="0">
             <a:ln>
               <a:noFill/>
             </a:ln>
@@ -7771,7 +7311,7 @@
           <a:buFontTx/>
           <a:buNone/>
           <a:tabLst/>
-          <a:defRPr b="0" baseline="0" cap="none" i="0" spc="0" strike="noStrike" sz="1800" u="none" kumimoji="0" normalizeH="0">
+          <a:defRPr kumimoji="0" sz="1800" b="0" i="0" u="none" strike="noStrike" cap="none" spc="0" normalizeH="0" baseline="0">
             <a:ln>
               <a:noFill/>
             </a:ln>
@@ -7797,7 +7337,7 @@
           <a:buFontTx/>
           <a:buNone/>
           <a:tabLst/>
-          <a:defRPr b="0" baseline="0" cap="none" i="0" spc="0" strike="noStrike" sz="1800" u="none" kumimoji="0" normalizeH="0">
+          <a:defRPr kumimoji="0" sz="1800" b="0" i="0" u="none" strike="noStrike" cap="none" spc="0" normalizeH="0" baseline="0">
             <a:ln>
               <a:noFill/>
             </a:ln>
@@ -7823,7 +7363,7 @@
           <a:buFontTx/>
           <a:buNone/>
           <a:tabLst/>
-          <a:defRPr b="0" baseline="0" cap="none" i="0" spc="0" strike="noStrike" sz="1800" u="none" kumimoji="0" normalizeH="0">
+          <a:defRPr kumimoji="0" sz="1800" b="0" i="0" u="none" strike="noStrike" cap="none" spc="0" normalizeH="0" baseline="0">
             <a:ln>
               <a:noFill/>
             </a:ln>
@@ -7849,7 +7389,7 @@
           <a:buFontTx/>
           <a:buNone/>
           <a:tabLst/>
-          <a:defRPr b="0" baseline="0" cap="none" i="0" spc="0" strike="noStrike" sz="1800" u="none" kumimoji="0" normalizeH="0">
+          <a:defRPr kumimoji="0" sz="1800" b="0" i="0" u="none" strike="noStrike" cap="none" spc="0" normalizeH="0" baseline="0">
             <a:ln>
               <a:noFill/>
             </a:ln>
@@ -7875,7 +7415,7 @@
           <a:buFontTx/>
           <a:buNone/>
           <a:tabLst/>
-          <a:defRPr b="0" baseline="0" cap="none" i="0" spc="0" strike="noStrike" sz="1800" u="none" kumimoji="0" normalizeH="0">
+          <a:defRPr kumimoji="0" sz="1800" b="0" i="0" u="none" strike="noStrike" cap="none" spc="0" normalizeH="0" baseline="0">
             <a:ln>
               <a:noFill/>
             </a:ln>
@@ -7901,7 +7441,7 @@
           <a:buFontTx/>
           <a:buNone/>
           <a:tabLst/>
-          <a:defRPr b="0" baseline="0" cap="none" i="0" spc="0" strike="noStrike" sz="1800" u="none" kumimoji="0" normalizeH="0">
+          <a:defRPr kumimoji="0" sz="1800" b="0" i="0" u="none" strike="noStrike" cap="none" spc="0" normalizeH="0" baseline="0">
             <a:ln>
               <a:noFill/>
             </a:ln>
@@ -7927,7 +7467,7 @@
           <a:buFontTx/>
           <a:buNone/>
           <a:tabLst/>
-          <a:defRPr b="0" baseline="0" cap="none" i="0" spc="0" strike="noStrike" sz="1800" u="none" kumimoji="0" normalizeH="0">
+          <a:defRPr kumimoji="0" sz="1800" b="0" i="0" u="none" strike="noStrike" cap="none" spc="0" normalizeH="0" baseline="0">
             <a:ln>
               <a:noFill/>
             </a:ln>
@@ -7953,7 +7493,7 @@
           <a:buFontTx/>
           <a:buNone/>
           <a:tabLst/>
-          <a:defRPr b="0" baseline="0" cap="none" i="0" spc="0" strike="noStrike" sz="1800" u="none" kumimoji="0" normalizeH="0">
+          <a:defRPr kumimoji="0" sz="1800" b="0" i="0" u="none" strike="noStrike" cap="none" spc="0" normalizeH="0" baseline="0">
             <a:ln>
               <a:noFill/>
             </a:ln>
@@ -7979,7 +7519,7 @@
           <a:buFontTx/>
           <a:buNone/>
           <a:tabLst/>
-          <a:defRPr b="0" baseline="0" cap="none" i="0" spc="0" strike="noStrike" sz="1800" u="none" kumimoji="0" normalizeH="0">
+          <a:defRPr kumimoji="0" sz="1800" b="0" i="0" u="none" strike="noStrike" cap="none" spc="0" normalizeH="0" baseline="0">
             <a:ln>
               <a:noFill/>
             </a:ln>
@@ -7992,9 +7532,15 @@
         </a:lvl9pPr>
       </a:lstStyle>
       <a:style>
-        <a:lnRef idx="0"/>
-        <a:fillRef idx="0"/>
-        <a:effectRef idx="0"/>
+        <a:lnRef idx="0">
+          <a:scrgbClr r="0" g="0" b="0"/>
+        </a:lnRef>
+        <a:fillRef idx="0">
+          <a:scrgbClr r="0" g="0" b="0"/>
+        </a:fillRef>
+        <a:effectRef idx="0">
+          <a:scrgbClr r="0" g="0" b="0"/>
+        </a:effectRef>
         <a:fontRef idx="none"/>
       </a:style>
     </a:lnDef>
@@ -8007,7 +7553,7 @@
         </a:ln>
         <a:effectLst/>
       </a:spPr>
-      <a:bodyPr rot="0" spcFirstLastPara="1" vertOverflow="overflow" horzOverflow="overflow" vert="horz" wrap="square" lIns="50800" tIns="50800" rIns="50800" bIns="50800" numCol="1" spcCol="38100" rtlCol="0" anchor="ctr" upright="0">
+      <a:bodyPr rot="0" spcFirstLastPara="1" vertOverflow="overflow" horzOverflow="overflow" vert="horz" wrap="square" lIns="50800" tIns="50800" rIns="50800" bIns="50800" numCol="1" spcCol="38100" rtlCol="0" anchor="ctr">
         <a:spAutoFit/>
       </a:bodyPr>
       <a:lstStyle>
@@ -8026,7 +7572,7 @@
           <a:buFontTx/>
           <a:buNone/>
           <a:tabLst/>
-          <a:defRPr b="0" baseline="0" cap="none" i="0" spc="0" strike="noStrike" sz="3800" u="none" kumimoji="0" normalizeH="0">
+          <a:defRPr kumimoji="0" sz="3800" b="0" i="0" u="none" strike="noStrike" cap="none" spc="0" normalizeH="0" baseline="0">
             <a:ln>
               <a:noFill/>
             </a:ln>
@@ -8034,7 +7580,7 @@
               <a:srgbClr val="C000EB"/>
             </a:solidFill>
             <a:effectLst>
-              <a:outerShdw sx="100000" sy="100000" kx="0" ky="0" algn="b" rotWithShape="0" blurRad="50800" dist="25400" dir="5400000">
+              <a:outerShdw blurRad="50800" dist="25400" dir="5400000" rotWithShape="0">
                 <a:srgbClr val="000000"/>
               </a:outerShdw>
             </a:effectLst>
@@ -8060,7 +7606,7 @@
           <a:buFontTx/>
           <a:buNone/>
           <a:tabLst/>
-          <a:defRPr b="0" baseline="0" cap="none" i="0" spc="0" strike="noStrike" sz="1800" u="none" kumimoji="0" normalizeH="0">
+          <a:defRPr kumimoji="0" sz="1800" b="0" i="0" u="none" strike="noStrike" cap="none" spc="0" normalizeH="0" baseline="0">
             <a:ln>
               <a:noFill/>
             </a:ln>
@@ -8086,7 +7632,7 @@
           <a:buFontTx/>
           <a:buNone/>
           <a:tabLst/>
-          <a:defRPr b="0" baseline="0" cap="none" i="0" spc="0" strike="noStrike" sz="1800" u="none" kumimoji="0" normalizeH="0">
+          <a:defRPr kumimoji="0" sz="1800" b="0" i="0" u="none" strike="noStrike" cap="none" spc="0" normalizeH="0" baseline="0">
             <a:ln>
               <a:noFill/>
             </a:ln>
@@ -8112,7 +7658,7 @@
           <a:buFontTx/>
           <a:buNone/>
           <a:tabLst/>
-          <a:defRPr b="0" baseline="0" cap="none" i="0" spc="0" strike="noStrike" sz="1800" u="none" kumimoji="0" normalizeH="0">
+          <a:defRPr kumimoji="0" sz="1800" b="0" i="0" u="none" strike="noStrike" cap="none" spc="0" normalizeH="0" baseline="0">
             <a:ln>
               <a:noFill/>
             </a:ln>
@@ -8138,7 +7684,7 @@
           <a:buFontTx/>
           <a:buNone/>
           <a:tabLst/>
-          <a:defRPr b="0" baseline="0" cap="none" i="0" spc="0" strike="noStrike" sz="1800" u="none" kumimoji="0" normalizeH="0">
+          <a:defRPr kumimoji="0" sz="1800" b="0" i="0" u="none" strike="noStrike" cap="none" spc="0" normalizeH="0" baseline="0">
             <a:ln>
               <a:noFill/>
             </a:ln>
@@ -8164,7 +7710,7 @@
           <a:buFontTx/>
           <a:buNone/>
           <a:tabLst/>
-          <a:defRPr b="0" baseline="0" cap="none" i="0" spc="0" strike="noStrike" sz="1800" u="none" kumimoji="0" normalizeH="0">
+          <a:defRPr kumimoji="0" sz="1800" b="0" i="0" u="none" strike="noStrike" cap="none" spc="0" normalizeH="0" baseline="0">
             <a:ln>
               <a:noFill/>
             </a:ln>
@@ -8190,7 +7736,7 @@
           <a:buFontTx/>
           <a:buNone/>
           <a:tabLst/>
-          <a:defRPr b="0" baseline="0" cap="none" i="0" spc="0" strike="noStrike" sz="1800" u="none" kumimoji="0" normalizeH="0">
+          <a:defRPr kumimoji="0" sz="1800" b="0" i="0" u="none" strike="noStrike" cap="none" spc="0" normalizeH="0" baseline="0">
             <a:ln>
               <a:noFill/>
             </a:ln>
@@ -8216,7 +7762,7 @@
           <a:buFontTx/>
           <a:buNone/>
           <a:tabLst/>
-          <a:defRPr b="0" baseline="0" cap="none" i="0" spc="0" strike="noStrike" sz="1800" u="none" kumimoji="0" normalizeH="0">
+          <a:defRPr kumimoji="0" sz="1800" b="0" i="0" u="none" strike="noStrike" cap="none" spc="0" normalizeH="0" baseline="0">
             <a:ln>
               <a:noFill/>
             </a:ln>
@@ -8242,7 +7788,7 @@
           <a:buFontTx/>
           <a:buNone/>
           <a:tabLst/>
-          <a:defRPr b="0" baseline="0" cap="none" i="0" spc="0" strike="noStrike" sz="1800" u="none" kumimoji="0" normalizeH="0">
+          <a:defRPr kumimoji="0" sz="1800" b="0" i="0" u="none" strike="noStrike" cap="none" spc="0" normalizeH="0" baseline="0">
             <a:ln>
               <a:noFill/>
             </a:ln>
@@ -8268,7 +7814,7 @@
           <a:buFontTx/>
           <a:buNone/>
           <a:tabLst/>
-          <a:defRPr b="0" baseline="0" cap="none" i="0" spc="0" strike="noStrike" sz="1800" u="none" kumimoji="0" normalizeH="0">
+          <a:defRPr kumimoji="0" sz="1800" b="0" i="0" u="none" strike="noStrike" cap="none" spc="0" normalizeH="0" baseline="0">
             <a:ln>
               <a:noFill/>
             </a:ln>
@@ -8281,18 +7827,25 @@
         </a:lvl9pPr>
       </a:lstStyle>
       <a:style>
-        <a:lnRef idx="0"/>
-        <a:fillRef idx="0"/>
-        <a:effectRef idx="0"/>
+        <a:lnRef idx="0">
+          <a:scrgbClr r="0" g="0" b="0"/>
+        </a:lnRef>
+        <a:fillRef idx="0">
+          <a:scrgbClr r="0" g="0" b="0"/>
+        </a:fillRef>
+        <a:effectRef idx="0">
+          <a:scrgbClr r="0" g="0" b="0"/>
+        </a:effectRef>
         <a:fontRef idx="none"/>
       </a:style>
     </a:txDef>
   </a:objectDefaults>
+  <a:extraClrSchemeLst/>
 </a:theme>
 </file>
 
 <file path=ppt/theme/theme2.xml><?xml version="1.0" encoding="utf-8"?>
-<a:theme xmlns:a="http://schemas.openxmlformats.org/drawingml/2006/main" xmlns:r="http://schemas.openxmlformats.org/officeDocument/2006/relationships" name="Default">
+<a:theme xmlns:a="http://schemas.openxmlformats.org/drawingml/2006/main" name="Default">
   <a:themeElements>
     <a:clrScheme name="Default">
       <a:dk1>
@@ -8418,7 +7971,7 @@
       <a:effectStyleLst>
         <a:effectStyle>
           <a:effectLst>
-            <a:outerShdw sx="100000" sy="100000" kx="0" ky="0" algn="b" rotWithShape="0" blurRad="50800" dist="25400" dir="5400000">
+            <a:outerShdw blurRad="50800" dist="25400" dir="5400000" rotWithShape="0">
               <a:srgbClr val="000000">
                 <a:alpha val="50000"/>
               </a:srgbClr>
@@ -8427,7 +7980,7 @@
         </a:effectStyle>
         <a:effectStyle>
           <a:effectLst>
-            <a:outerShdw sx="100000" sy="100000" kx="0" ky="0" algn="b" rotWithShape="0" blurRad="50800" dist="25400" dir="5400000">
+            <a:outerShdw blurRad="50800" dist="25400" dir="5400000" rotWithShape="0">
               <a:srgbClr val="000000">
                 <a:alpha val="50000"/>
               </a:srgbClr>
@@ -8436,7 +7989,7 @@
         </a:effectStyle>
         <a:effectStyle>
           <a:effectLst>
-            <a:outerShdw sx="100000" sy="100000" kx="0" ky="0" algn="b" rotWithShape="0" blurRad="50800" dist="25400" dir="5400000">
+            <a:outerShdw blurRad="50800" dist="25400" dir="5400000" rotWithShape="0">
               <a:srgbClr val="000000">
                 <a:alpha val="50000"/>
               </a:srgbClr>
@@ -8510,14 +8063,14 @@
           <a:bevel/>
         </a:ln>
         <a:effectLst>
-          <a:outerShdw sx="100000" sy="100000" kx="0" ky="0" algn="b" rotWithShape="0" blurRad="50800" dist="25400" dir="5400000">
+          <a:outerShdw blurRad="50800" dist="25400" dir="5400000" rotWithShape="0">
             <a:srgbClr val="000000">
               <a:alpha val="50000"/>
             </a:srgbClr>
           </a:outerShdw>
         </a:effectLst>
       </a:spPr>
-      <a:bodyPr rot="0" spcFirstLastPara="1" vertOverflow="overflow" horzOverflow="overflow" vert="horz" wrap="square" lIns="50800" tIns="50800" rIns="50800" bIns="50800" numCol="1" spcCol="38100" rtlCol="0" anchor="ctr" upright="0">
+      <a:bodyPr rot="0" spcFirstLastPara="1" vertOverflow="overflow" horzOverflow="overflow" vert="horz" wrap="square" lIns="50800" tIns="50800" rIns="50800" bIns="50800" numCol="1" spcCol="38100" rtlCol="0" anchor="ctr">
         <a:spAutoFit/>
       </a:bodyPr>
       <a:lstStyle>
@@ -8536,7 +8089,7 @@
           <a:buFontTx/>
           <a:buNone/>
           <a:tabLst/>
-          <a:defRPr b="0" baseline="0" cap="none" i="0" spc="0" strike="noStrike" sz="3800" u="none" kumimoji="0" normalizeH="0">
+          <a:defRPr kumimoji="0" sz="3800" b="0" i="0" u="none" strike="noStrike" cap="none" spc="0" normalizeH="0" baseline="0">
             <a:ln>
               <a:noFill/>
             </a:ln>
@@ -8544,7 +8097,7 @@
               <a:srgbClr val="C000EB"/>
             </a:solidFill>
             <a:effectLst>
-              <a:outerShdw sx="100000" sy="100000" kx="0" ky="0" algn="b" rotWithShape="0" blurRad="50800" dist="25400" dir="5400000">
+              <a:outerShdw blurRad="50800" dist="25400" dir="5400000" rotWithShape="0">
                 <a:srgbClr val="000000"/>
               </a:outerShdw>
             </a:effectLst>
@@ -8570,7 +8123,7 @@
           <a:buFontTx/>
           <a:buNone/>
           <a:tabLst/>
-          <a:defRPr b="0" baseline="0" cap="none" i="0" spc="0" strike="noStrike" sz="1800" u="none" kumimoji="0" normalizeH="0">
+          <a:defRPr kumimoji="0" sz="1800" b="0" i="0" u="none" strike="noStrike" cap="none" spc="0" normalizeH="0" baseline="0">
             <a:ln>
               <a:noFill/>
             </a:ln>
@@ -8596,7 +8149,7 @@
           <a:buFontTx/>
           <a:buNone/>
           <a:tabLst/>
-          <a:defRPr b="0" baseline="0" cap="none" i="0" spc="0" strike="noStrike" sz="1800" u="none" kumimoji="0" normalizeH="0">
+          <a:defRPr kumimoji="0" sz="1800" b="0" i="0" u="none" strike="noStrike" cap="none" spc="0" normalizeH="0" baseline="0">
             <a:ln>
               <a:noFill/>
             </a:ln>
@@ -8622,7 +8175,7 @@
           <a:buFontTx/>
           <a:buNone/>
           <a:tabLst/>
-          <a:defRPr b="0" baseline="0" cap="none" i="0" spc="0" strike="noStrike" sz="1800" u="none" kumimoji="0" normalizeH="0">
+          <a:defRPr kumimoji="0" sz="1800" b="0" i="0" u="none" strike="noStrike" cap="none" spc="0" normalizeH="0" baseline="0">
             <a:ln>
               <a:noFill/>
             </a:ln>
@@ -8648,7 +8201,7 @@
           <a:buFontTx/>
           <a:buNone/>
           <a:tabLst/>
-          <a:defRPr b="0" baseline="0" cap="none" i="0" spc="0" strike="noStrike" sz="1800" u="none" kumimoji="0" normalizeH="0">
+          <a:defRPr kumimoji="0" sz="1800" b="0" i="0" u="none" strike="noStrike" cap="none" spc="0" normalizeH="0" baseline="0">
             <a:ln>
               <a:noFill/>
             </a:ln>
@@ -8674,7 +8227,7 @@
           <a:buFontTx/>
           <a:buNone/>
           <a:tabLst/>
-          <a:defRPr b="0" baseline="0" cap="none" i="0" spc="0" strike="noStrike" sz="1800" u="none" kumimoji="0" normalizeH="0">
+          <a:defRPr kumimoji="0" sz="1800" b="0" i="0" u="none" strike="noStrike" cap="none" spc="0" normalizeH="0" baseline="0">
             <a:ln>
               <a:noFill/>
             </a:ln>
@@ -8700,7 +8253,7 @@
           <a:buFontTx/>
           <a:buNone/>
           <a:tabLst/>
-          <a:defRPr b="0" baseline="0" cap="none" i="0" spc="0" strike="noStrike" sz="1800" u="none" kumimoji="0" normalizeH="0">
+          <a:defRPr kumimoji="0" sz="1800" b="0" i="0" u="none" strike="noStrike" cap="none" spc="0" normalizeH="0" baseline="0">
             <a:ln>
               <a:noFill/>
             </a:ln>
@@ -8726,7 +8279,7 @@
           <a:buFontTx/>
           <a:buNone/>
           <a:tabLst/>
-          <a:defRPr b="0" baseline="0" cap="none" i="0" spc="0" strike="noStrike" sz="1800" u="none" kumimoji="0" normalizeH="0">
+          <a:defRPr kumimoji="0" sz="1800" b="0" i="0" u="none" strike="noStrike" cap="none" spc="0" normalizeH="0" baseline="0">
             <a:ln>
               <a:noFill/>
             </a:ln>
@@ -8752,7 +8305,7 @@
           <a:buFontTx/>
           <a:buNone/>
           <a:tabLst/>
-          <a:defRPr b="0" baseline="0" cap="none" i="0" spc="0" strike="noStrike" sz="1800" u="none" kumimoji="0" normalizeH="0">
+          <a:defRPr kumimoji="0" sz="1800" b="0" i="0" u="none" strike="noStrike" cap="none" spc="0" normalizeH="0" baseline="0">
             <a:ln>
               <a:noFill/>
             </a:ln>
@@ -8778,7 +8331,7 @@
           <a:buFontTx/>
           <a:buNone/>
           <a:tabLst/>
-          <a:defRPr b="0" baseline="0" cap="none" i="0" spc="0" strike="noStrike" sz="1800" u="none" kumimoji="0" normalizeH="0">
+          <a:defRPr kumimoji="0" sz="1800" b="0" i="0" u="none" strike="noStrike" cap="none" spc="0" normalizeH="0" baseline="0">
             <a:ln>
               <a:noFill/>
             </a:ln>
@@ -8791,9 +8344,15 @@
         </a:lvl9pPr>
       </a:lstStyle>
       <a:style>
-        <a:lnRef idx="0"/>
-        <a:fillRef idx="0"/>
-        <a:effectRef idx="0"/>
+        <a:lnRef idx="0">
+          <a:scrgbClr r="0" g="0" b="0"/>
+        </a:lnRef>
+        <a:fillRef idx="0">
+          <a:scrgbClr r="0" g="0" b="0"/>
+        </a:fillRef>
+        <a:effectRef idx="0">
+          <a:scrgbClr r="0" g="0" b="0"/>
+        </a:effectRef>
         <a:fontRef idx="none"/>
       </a:style>
     </a:spDef>
@@ -8808,14 +8367,14 @@
           <a:bevel/>
         </a:ln>
         <a:effectLst>
-          <a:outerShdw sx="100000" sy="100000" kx="0" ky="0" algn="b" rotWithShape="0" blurRad="50800" dist="25400" dir="5400000">
+          <a:outerShdw blurRad="50800" dist="25400" dir="5400000" rotWithShape="0">
             <a:srgbClr val="000000">
               <a:alpha val="50000"/>
             </a:srgbClr>
           </a:outerShdw>
         </a:effectLst>
       </a:spPr>
-      <a:bodyPr rot="0" spcFirstLastPara="1" vertOverflow="overflow" horzOverflow="overflow" vert="horz" wrap="square" lIns="91439" tIns="45719" rIns="91439" bIns="45719" numCol="1" spcCol="38100" rtlCol="0" anchor="t" upright="0">
+      <a:bodyPr rot="0" spcFirstLastPara="1" vertOverflow="overflow" horzOverflow="overflow" vert="horz" wrap="square" lIns="91439" tIns="45719" rIns="91439" bIns="45719" numCol="1" spcCol="38100" rtlCol="0" anchor="t">
         <a:noAutofit/>
       </a:bodyPr>
       <a:lstStyle>
@@ -8834,7 +8393,7 @@
           <a:buFontTx/>
           <a:buNone/>
           <a:tabLst/>
-          <a:defRPr b="0" baseline="0" cap="none" i="0" spc="0" strike="noStrike" sz="1800" u="none" kumimoji="0" normalizeH="0">
+          <a:defRPr kumimoji="0" sz="1800" b="0" i="0" u="none" strike="noStrike" cap="none" spc="0" normalizeH="0" baseline="0">
             <a:ln>
               <a:noFill/>
             </a:ln>
@@ -8860,7 +8419,7 @@
           <a:buFontTx/>
           <a:buNone/>
           <a:tabLst/>
-          <a:defRPr b="0" baseline="0" cap="none" i="0" spc="0" strike="noStrike" sz="1800" u="none" kumimoji="0" normalizeH="0">
+          <a:defRPr kumimoji="0" sz="1800" b="0" i="0" u="none" strike="noStrike" cap="none" spc="0" normalizeH="0" baseline="0">
             <a:ln>
               <a:noFill/>
             </a:ln>
@@ -8886,7 +8445,7 @@
           <a:buFontTx/>
           <a:buNone/>
           <a:tabLst/>
-          <a:defRPr b="0" baseline="0" cap="none" i="0" spc="0" strike="noStrike" sz="1800" u="none" kumimoji="0" normalizeH="0">
+          <a:defRPr kumimoji="0" sz="1800" b="0" i="0" u="none" strike="noStrike" cap="none" spc="0" normalizeH="0" baseline="0">
             <a:ln>
               <a:noFill/>
             </a:ln>
@@ -8912,7 +8471,7 @@
           <a:buFontTx/>
           <a:buNone/>
           <a:tabLst/>
-          <a:defRPr b="0" baseline="0" cap="none" i="0" spc="0" strike="noStrike" sz="1800" u="none" kumimoji="0" normalizeH="0">
+          <a:defRPr kumimoji="0" sz="1800" b="0" i="0" u="none" strike="noStrike" cap="none" spc="0" normalizeH="0" baseline="0">
             <a:ln>
               <a:noFill/>
             </a:ln>
@@ -8938,7 +8497,7 @@
           <a:buFontTx/>
           <a:buNone/>
           <a:tabLst/>
-          <a:defRPr b="0" baseline="0" cap="none" i="0" spc="0" strike="noStrike" sz="1800" u="none" kumimoji="0" normalizeH="0">
+          <a:defRPr kumimoji="0" sz="1800" b="0" i="0" u="none" strike="noStrike" cap="none" spc="0" normalizeH="0" baseline="0">
             <a:ln>
               <a:noFill/>
             </a:ln>
@@ -8964,7 +8523,7 @@
           <a:buFontTx/>
           <a:buNone/>
           <a:tabLst/>
-          <a:defRPr b="0" baseline="0" cap="none" i="0" spc="0" strike="noStrike" sz="1800" u="none" kumimoji="0" normalizeH="0">
+          <a:defRPr kumimoji="0" sz="1800" b="0" i="0" u="none" strike="noStrike" cap="none" spc="0" normalizeH="0" baseline="0">
             <a:ln>
               <a:noFill/>
             </a:ln>
@@ -8990,7 +8549,7 @@
           <a:buFontTx/>
           <a:buNone/>
           <a:tabLst/>
-          <a:defRPr b="0" baseline="0" cap="none" i="0" spc="0" strike="noStrike" sz="1800" u="none" kumimoji="0" normalizeH="0">
+          <a:defRPr kumimoji="0" sz="1800" b="0" i="0" u="none" strike="noStrike" cap="none" spc="0" normalizeH="0" baseline="0">
             <a:ln>
               <a:noFill/>
             </a:ln>
@@ -9016,7 +8575,7 @@
           <a:buFontTx/>
           <a:buNone/>
           <a:tabLst/>
-          <a:defRPr b="0" baseline="0" cap="none" i="0" spc="0" strike="noStrike" sz="1800" u="none" kumimoji="0" normalizeH="0">
+          <a:defRPr kumimoji="0" sz="1800" b="0" i="0" u="none" strike="noStrike" cap="none" spc="0" normalizeH="0" baseline="0">
             <a:ln>
               <a:noFill/>
             </a:ln>
@@ -9042,7 +8601,7 @@
           <a:buFontTx/>
           <a:buNone/>
           <a:tabLst/>
-          <a:defRPr b="0" baseline="0" cap="none" i="0" spc="0" strike="noStrike" sz="1800" u="none" kumimoji="0" normalizeH="0">
+          <a:defRPr kumimoji="0" sz="1800" b="0" i="0" u="none" strike="noStrike" cap="none" spc="0" normalizeH="0" baseline="0">
             <a:ln>
               <a:noFill/>
             </a:ln>
@@ -9068,7 +8627,7 @@
           <a:buFontTx/>
           <a:buNone/>
           <a:tabLst/>
-          <a:defRPr b="0" baseline="0" cap="none" i="0" spc="0" strike="noStrike" sz="1800" u="none" kumimoji="0" normalizeH="0">
+          <a:defRPr kumimoji="0" sz="1800" b="0" i="0" u="none" strike="noStrike" cap="none" spc="0" normalizeH="0" baseline="0">
             <a:ln>
               <a:noFill/>
             </a:ln>
@@ -9081,9 +8640,15 @@
         </a:lvl9pPr>
       </a:lstStyle>
       <a:style>
-        <a:lnRef idx="0"/>
-        <a:fillRef idx="0"/>
-        <a:effectRef idx="0"/>
+        <a:lnRef idx="0">
+          <a:scrgbClr r="0" g="0" b="0"/>
+        </a:lnRef>
+        <a:fillRef idx="0">
+          <a:scrgbClr r="0" g="0" b="0"/>
+        </a:fillRef>
+        <a:effectRef idx="0">
+          <a:scrgbClr r="0" g="0" b="0"/>
+        </a:effectRef>
         <a:fontRef idx="none"/>
       </a:style>
     </a:lnDef>
@@ -9096,7 +8661,7 @@
         </a:ln>
         <a:effectLst/>
       </a:spPr>
-      <a:bodyPr rot="0" spcFirstLastPara="1" vertOverflow="overflow" horzOverflow="overflow" vert="horz" wrap="square" lIns="50800" tIns="50800" rIns="50800" bIns="50800" numCol="1" spcCol="38100" rtlCol="0" anchor="ctr" upright="0">
+      <a:bodyPr rot="0" spcFirstLastPara="1" vertOverflow="overflow" horzOverflow="overflow" vert="horz" wrap="square" lIns="50800" tIns="50800" rIns="50800" bIns="50800" numCol="1" spcCol="38100" rtlCol="0" anchor="ctr">
         <a:spAutoFit/>
       </a:bodyPr>
       <a:lstStyle>
@@ -9115,7 +8680,7 @@
           <a:buFontTx/>
           <a:buNone/>
           <a:tabLst/>
-          <a:defRPr b="0" baseline="0" cap="none" i="0" spc="0" strike="noStrike" sz="3800" u="none" kumimoji="0" normalizeH="0">
+          <a:defRPr kumimoji="0" sz="3800" b="0" i="0" u="none" strike="noStrike" cap="none" spc="0" normalizeH="0" baseline="0">
             <a:ln>
               <a:noFill/>
             </a:ln>
@@ -9123,7 +8688,7 @@
               <a:srgbClr val="C000EB"/>
             </a:solidFill>
             <a:effectLst>
-              <a:outerShdw sx="100000" sy="100000" kx="0" ky="0" algn="b" rotWithShape="0" blurRad="50800" dist="25400" dir="5400000">
+              <a:outerShdw blurRad="50800" dist="25400" dir="5400000" rotWithShape="0">
                 <a:srgbClr val="000000"/>
               </a:outerShdw>
             </a:effectLst>
@@ -9149,7 +8714,7 @@
           <a:buFontTx/>
           <a:buNone/>
           <a:tabLst/>
-          <a:defRPr b="0" baseline="0" cap="none" i="0" spc="0" strike="noStrike" sz="1800" u="none" kumimoji="0" normalizeH="0">
+          <a:defRPr kumimoji="0" sz="1800" b="0" i="0" u="none" strike="noStrike" cap="none" spc="0" normalizeH="0" baseline="0">
             <a:ln>
               <a:noFill/>
             </a:ln>
@@ -9175,7 +8740,7 @@
           <a:buFontTx/>
           <a:buNone/>
           <a:tabLst/>
-          <a:defRPr b="0" baseline="0" cap="none" i="0" spc="0" strike="noStrike" sz="1800" u="none" kumimoji="0" normalizeH="0">
+          <a:defRPr kumimoji="0" sz="1800" b="0" i="0" u="none" strike="noStrike" cap="none" spc="0" normalizeH="0" baseline="0">
             <a:ln>
               <a:noFill/>
             </a:ln>
@@ -9201,7 +8766,7 @@
           <a:buFontTx/>
           <a:buNone/>
           <a:tabLst/>
-          <a:defRPr b="0" baseline="0" cap="none" i="0" spc="0" strike="noStrike" sz="1800" u="none" kumimoji="0" normalizeH="0">
+          <a:defRPr kumimoji="0" sz="1800" b="0" i="0" u="none" strike="noStrike" cap="none" spc="0" normalizeH="0" baseline="0">
             <a:ln>
               <a:noFill/>
             </a:ln>
@@ -9227,7 +8792,7 @@
           <a:buFontTx/>
           <a:buNone/>
           <a:tabLst/>
-          <a:defRPr b="0" baseline="0" cap="none" i="0" spc="0" strike="noStrike" sz="1800" u="none" kumimoji="0" normalizeH="0">
+          <a:defRPr kumimoji="0" sz="1800" b="0" i="0" u="none" strike="noStrike" cap="none" spc="0" normalizeH="0" baseline="0">
             <a:ln>
               <a:noFill/>
             </a:ln>
@@ -9253,7 +8818,7 @@
           <a:buFontTx/>
           <a:buNone/>
           <a:tabLst/>
-          <a:defRPr b="0" baseline="0" cap="none" i="0" spc="0" strike="noStrike" sz="1800" u="none" kumimoji="0" normalizeH="0">
+          <a:defRPr kumimoji="0" sz="1800" b="0" i="0" u="none" strike="noStrike" cap="none" spc="0" normalizeH="0" baseline="0">
             <a:ln>
               <a:noFill/>
             </a:ln>
@@ -9279,7 +8844,7 @@
           <a:buFontTx/>
           <a:buNone/>
           <a:tabLst/>
-          <a:defRPr b="0" baseline="0" cap="none" i="0" spc="0" strike="noStrike" sz="1800" u="none" kumimoji="0" normalizeH="0">
+          <a:defRPr kumimoji="0" sz="1800" b="0" i="0" u="none" strike="noStrike" cap="none" spc="0" normalizeH="0" baseline="0">
             <a:ln>
               <a:noFill/>
             </a:ln>
@@ -9305,7 +8870,7 @@
           <a:buFontTx/>
           <a:buNone/>
           <a:tabLst/>
-          <a:defRPr b="0" baseline="0" cap="none" i="0" spc="0" strike="noStrike" sz="1800" u="none" kumimoji="0" normalizeH="0">
+          <a:defRPr kumimoji="0" sz="1800" b="0" i="0" u="none" strike="noStrike" cap="none" spc="0" normalizeH="0" baseline="0">
             <a:ln>
               <a:noFill/>
             </a:ln>
@@ -9331,7 +8896,7 @@
           <a:buFontTx/>
           <a:buNone/>
           <a:tabLst/>
-          <a:defRPr b="0" baseline="0" cap="none" i="0" spc="0" strike="noStrike" sz="1800" u="none" kumimoji="0" normalizeH="0">
+          <a:defRPr kumimoji="0" sz="1800" b="0" i="0" u="none" strike="noStrike" cap="none" spc="0" normalizeH="0" baseline="0">
             <a:ln>
               <a:noFill/>
             </a:ln>
@@ -9357,7 +8922,7 @@
           <a:buFontTx/>
           <a:buNone/>
           <a:tabLst/>
-          <a:defRPr b="0" baseline="0" cap="none" i="0" spc="0" strike="noStrike" sz="1800" u="none" kumimoji="0" normalizeH="0">
+          <a:defRPr kumimoji="0" sz="1800" b="0" i="0" u="none" strike="noStrike" cap="none" spc="0" normalizeH="0" baseline="0">
             <a:ln>
               <a:noFill/>
             </a:ln>
@@ -9370,12 +8935,19 @@
         </a:lvl9pPr>
       </a:lstStyle>
       <a:style>
-        <a:lnRef idx="0"/>
-        <a:fillRef idx="0"/>
-        <a:effectRef idx="0"/>
+        <a:lnRef idx="0">
+          <a:scrgbClr r="0" g="0" b="0"/>
+        </a:lnRef>
+        <a:fillRef idx="0">
+          <a:scrgbClr r="0" g="0" b="0"/>
+        </a:fillRef>
+        <a:effectRef idx="0">
+          <a:scrgbClr r="0" g="0" b="0"/>
+        </a:effectRef>
         <a:fontRef idx="none"/>
       </a:style>
     </a:txDef>
   </a:objectDefaults>
+  <a:extraClrSchemeLst/>
 </a:theme>
 </file>